--- a/DSM/Bolger_DSM_Report_from_the_Trenches_170613KZ.pptx
+++ b/DSM/Bolger_DSM_Report_from_the_Trenches_170613KZ.pptx
@@ -5,10 +5,10 @@
     <p:sldMasterId id="2147483648" r:id="rId1"/>
   </p:sldMasterIdLst>
   <p:notesMasterIdLst>
-    <p:notesMasterId r:id="rId38"/>
+    <p:notesMasterId r:id="rId37"/>
   </p:notesMasterIdLst>
   <p:handoutMasterIdLst>
-    <p:handoutMasterId r:id="rId39"/>
+    <p:handoutMasterId r:id="rId38"/>
   </p:handoutMasterIdLst>
   <p:sldIdLst>
     <p:sldId id="257" r:id="rId2"/>
@@ -33,20 +33,19 @@
     <p:sldId id="285" r:id="rId21"/>
     <p:sldId id="332" r:id="rId22"/>
     <p:sldId id="507" r:id="rId23"/>
-    <p:sldId id="499" r:id="rId24"/>
-    <p:sldId id="538" r:id="rId25"/>
-    <p:sldId id="495" r:id="rId26"/>
-    <p:sldId id="501" r:id="rId27"/>
-    <p:sldId id="472" r:id="rId28"/>
-    <p:sldId id="511" r:id="rId29"/>
-    <p:sldId id="537" r:id="rId30"/>
-    <p:sldId id="536" r:id="rId31"/>
-    <p:sldId id="516" r:id="rId32"/>
-    <p:sldId id="517" r:id="rId33"/>
-    <p:sldId id="518" r:id="rId34"/>
-    <p:sldId id="504" r:id="rId35"/>
+    <p:sldId id="539" r:id="rId24"/>
+    <p:sldId id="495" r:id="rId25"/>
+    <p:sldId id="501" r:id="rId26"/>
+    <p:sldId id="541" r:id="rId27"/>
+    <p:sldId id="540" r:id="rId28"/>
+    <p:sldId id="472" r:id="rId29"/>
+    <p:sldId id="511" r:id="rId30"/>
+    <p:sldId id="537" r:id="rId31"/>
+    <p:sldId id="536" r:id="rId32"/>
+    <p:sldId id="516" r:id="rId33"/>
+    <p:sldId id="517" r:id="rId34"/>
+    <p:sldId id="518" r:id="rId35"/>
     <p:sldId id="416" r:id="rId36"/>
-    <p:sldId id="375" r:id="rId37"/>
   </p:sldIdLst>
   <p:sldSz cx="9144000" cy="6858000" type="screen4x3"/>
   <p:notesSz cx="6858000" cy="9144000"/>
@@ -230,7 +229,7 @@
           <a:p>
             <a:fld id="{ED8AF997-4151-B941-BE4F-9B4B4D6C14D9}" type="datetimeFigureOut">
               <a:rPr lang="en-US" smtClean="0"/>
-              <a:t>6/13/17</a:t>
+              <a:t>6/13/2017</a:t>
             </a:fld>
             <a:endParaRPr lang="en-US"/>
           </a:p>
@@ -396,7 +395,7 @@
           <a:p>
             <a:fld id="{3CF931A8-25D3-C54C-BD1F-10D44CFB89B1}" type="datetimeFigureOut">
               <a:rPr lang="en-US" smtClean="0"/>
-              <a:t>6/13/17</a:t>
+              <a:t>6/13/2017</a:t>
             </a:fld>
             <a:endParaRPr lang="en-US"/>
           </a:p>
@@ -1314,7 +1313,7 @@
           <a:p>
             <a:fld id="{FB401202-7B2C-1F44-9EFD-3AAF0086B375}" type="slidenum">
               <a:rPr lang="en-US" smtClean="0"/>
-              <a:t>27</a:t>
+              <a:t>28</a:t>
             </a:fld>
             <a:endParaRPr lang="en-US"/>
           </a:p>
@@ -1398,7 +1397,7 @@
           <a:p>
             <a:fld id="{FB401202-7B2C-1F44-9EFD-3AAF0086B375}" type="slidenum">
               <a:rPr lang="en-US" smtClean="0"/>
-              <a:t>33</a:t>
+              <a:t>34</a:t>
             </a:fld>
             <a:endParaRPr lang="en-US"/>
           </a:p>
@@ -1682,7 +1681,7 @@
           <a:p>
             <a:fld id="{3092F03C-7AD8-CA42-B8B6-48E38F7C0A8F}" type="datetime1">
               <a:rPr lang="en-US" smtClean="0"/>
-              <a:t>6/13/17</a:t>
+              <a:t>6/13/2017</a:t>
             </a:fld>
             <a:endParaRPr lang="en-US"/>
           </a:p>
@@ -1852,7 +1851,7 @@
           <a:p>
             <a:fld id="{D13FE96D-78AE-AF4D-843A-55EF97CAEB4C}" type="datetime1">
               <a:rPr lang="en-US" smtClean="0"/>
-              <a:t>6/13/17</a:t>
+              <a:t>6/13/2017</a:t>
             </a:fld>
             <a:endParaRPr lang="en-US"/>
           </a:p>
@@ -2032,7 +2031,7 @@
           <a:p>
             <a:fld id="{44025288-BE4E-0C48-AD9C-83947D3C0A53}" type="datetime1">
               <a:rPr lang="en-US" smtClean="0"/>
-              <a:t>6/13/17</a:t>
+              <a:t>6/13/2017</a:t>
             </a:fld>
             <a:endParaRPr lang="en-US"/>
           </a:p>
@@ -2202,7 +2201,7 @@
           <a:p>
             <a:fld id="{F6595C39-964A-894A-899B-FA774D6FB125}" type="datetime1">
               <a:rPr lang="en-US" smtClean="0"/>
-              <a:t>6/13/17</a:t>
+              <a:t>6/13/2017</a:t>
             </a:fld>
             <a:endParaRPr lang="en-US"/>
           </a:p>
@@ -2448,7 +2447,7 @@
           <a:p>
             <a:fld id="{CAF44435-6EAD-6B48-BD26-DEAF0355E46A}" type="datetime1">
               <a:rPr lang="en-US" smtClean="0"/>
-              <a:t>6/13/17</a:t>
+              <a:t>6/13/2017</a:t>
             </a:fld>
             <a:endParaRPr lang="en-US"/>
           </a:p>
@@ -2736,7 +2735,7 @@
           <a:p>
             <a:fld id="{290D888E-9DCC-E140-95C2-A1C199E73FEC}" type="datetime1">
               <a:rPr lang="en-US" smtClean="0"/>
-              <a:t>6/13/17</a:t>
+              <a:t>6/13/2017</a:t>
             </a:fld>
             <a:endParaRPr lang="en-US"/>
           </a:p>
@@ -3158,7 +3157,7 @@
           <a:p>
             <a:fld id="{AED37F02-A15E-BE42-8B8F-1E1EBD1B3F57}" type="datetime1">
               <a:rPr lang="en-US" smtClean="0"/>
-              <a:t>6/13/17</a:t>
+              <a:t>6/13/2017</a:t>
             </a:fld>
             <a:endParaRPr lang="en-US"/>
           </a:p>
@@ -3276,7 +3275,7 @@
           <a:p>
             <a:fld id="{91D55A73-E565-014F-BD44-70F7B314B80C}" type="datetime1">
               <a:rPr lang="en-US" smtClean="0"/>
-              <a:t>6/13/17</a:t>
+              <a:t>6/13/2017</a:t>
             </a:fld>
             <a:endParaRPr lang="en-US"/>
           </a:p>
@@ -3371,7 +3370,7 @@
           <a:p>
             <a:fld id="{7A9D32BA-5AA1-DE4B-AF6D-BE9E275C2FAB}" type="datetime1">
               <a:rPr lang="en-US" smtClean="0"/>
-              <a:t>6/13/17</a:t>
+              <a:t>6/13/2017</a:t>
             </a:fld>
             <a:endParaRPr lang="en-US"/>
           </a:p>
@@ -3648,7 +3647,7 @@
           <a:p>
             <a:fld id="{1F5FF117-ADAD-DF4D-AB7D-B7CC6C2C971A}" type="datetime1">
               <a:rPr lang="en-US" smtClean="0"/>
-              <a:t>6/13/17</a:t>
+              <a:t>6/13/2017</a:t>
             </a:fld>
             <a:endParaRPr lang="en-US"/>
           </a:p>
@@ -3901,7 +3900,7 @@
           <a:p>
             <a:fld id="{45419B7B-0B41-834D-B83E-0CD3DA689456}" type="datetime1">
               <a:rPr lang="en-US" smtClean="0"/>
-              <a:t>6/13/17</a:t>
+              <a:t>6/13/2017</a:t>
             </a:fld>
             <a:endParaRPr lang="en-US"/>
           </a:p>
@@ -4114,7 +4113,7 @@
           <a:p>
             <a:fld id="{656FF8BA-9CFF-214D-BFC4-D985610E2320}" type="datetime1">
               <a:rPr lang="en-US" smtClean="0"/>
-              <a:t>6/13/17</a:t>
+              <a:t>6/13/2017</a:t>
             </a:fld>
             <a:endParaRPr lang="en-US"/>
           </a:p>
@@ -4832,7 +4831,7 @@
   <p:timing>
     <p:tnLst>
       <p:par>
-        <p:cTn xmlns:p14="http://schemas.microsoft.com/office/powerpoint/2010/main" id="1" dur="indefinite" restart="never" nodeType="tmRoot"/>
+        <p:cTn id="1" dur="indefinite" restart="never" nodeType="tmRoot"/>
       </p:par>
     </p:tnLst>
   </p:timing>
@@ -4899,7 +4898,7 @@
           <a:graphicData uri="http://schemas.openxmlformats.org/presentationml/2006/ole">
             <mc:AlternateContent xmlns:mc="http://schemas.openxmlformats.org/markup-compatibility/2006">
               <mc:Choice xmlns:v="urn:schemas-microsoft-com:vml" Requires="v">
-                <p:oleObj spid="_x0000_s4122" name="Chart" r:id="rId3" imgW="8220150" imgH="4533990" progId="MSGraph.Chart.8">
+                <p:oleObj spid="_x0000_s4129" name="Chart" r:id="rId3" imgW="8220150" imgH="4533990" progId="MSGraph.Chart.8">
                   <p:embed followColorScheme="full"/>
                 </p:oleObj>
               </mc:Choice>
@@ -4934,14 +4933,14 @@
                         <a:noFill/>
                       </a:ln>
                       <a:extLst>
-                        <a:ext uri="{909E8E84-426E-40dd-AFC4-6F175D3DCCD1}">
+                        <a:ext uri="{909E8E84-426E-40DD-AFC4-6F175D3DCCD1}">
                           <a14:hiddenFill xmlns:a14="http://schemas.microsoft.com/office/drawing/2010/main">
                             <a:solidFill>
                               <a:schemeClr val="accent1"/>
                             </a:solidFill>
                           </a14:hiddenFill>
                         </a:ext>
-                        <a:ext uri="{91240B29-F687-4f45-9708-019B960494DF}">
+                        <a:ext uri="{91240B29-F687-4F45-9708-019B960494DF}">
                           <a14:hiddenLine xmlns:a14="http://schemas.microsoft.com/office/drawing/2010/main" w="9525">
                             <a:solidFill>
                               <a:schemeClr val="tx1"/>
@@ -4982,14 +4981,14 @@
           </a:ln>
           <a:effectLst/>
           <a:extLst>
-            <a:ext uri="{909E8E84-426E-40dd-AFC4-6F175D3DCCD1}">
+            <a:ext uri="{909E8E84-426E-40DD-AFC4-6F175D3DCCD1}">
               <a14:hiddenFill xmlns:a14="http://schemas.microsoft.com/office/drawing/2010/main">
                 <a:solidFill>
                   <a:schemeClr val="accent1"/>
                 </a:solidFill>
               </a14:hiddenFill>
             </a:ext>
-            <a:ext uri="{91240B29-F687-4f45-9708-019B960494DF}">
+            <a:ext uri="{91240B29-F687-4F45-9708-019B960494DF}">
               <a14:hiddenLine xmlns:a14="http://schemas.microsoft.com/office/drawing/2010/main" w="9525">
                 <a:solidFill>
                   <a:schemeClr val="tx1"/>
@@ -4999,7 +4998,7 @@
                 <a:tailEnd/>
               </a14:hiddenLine>
             </a:ext>
-            <a:ext uri="{AF507438-7753-43e0-B8FC-AC1667EBCBE1}">
+            <a:ext uri="{AF507438-7753-43E0-B8FC-AC1667EBCBE1}">
               <a14:hiddenEffects xmlns:a14="http://schemas.microsoft.com/office/drawing/2010/main">
                 <a:effectLst>
                   <a:outerShdw dist="35921" dir="2700000" algn="ctr" rotWithShape="0">
@@ -5184,14 +5183,14 @@
           </a:ln>
           <a:effectLst/>
           <a:extLst>
-            <a:ext uri="{909E8E84-426E-40dd-AFC4-6F175D3DCCD1}">
+            <a:ext uri="{909E8E84-426E-40DD-AFC4-6F175D3DCCD1}">
               <a14:hiddenFill xmlns:a14="http://schemas.microsoft.com/office/drawing/2010/main">
                 <a:solidFill>
                   <a:schemeClr val="accent1"/>
                 </a:solidFill>
               </a14:hiddenFill>
             </a:ext>
-            <a:ext uri="{91240B29-F687-4f45-9708-019B960494DF}">
+            <a:ext uri="{91240B29-F687-4F45-9708-019B960494DF}">
               <a14:hiddenLine xmlns:a14="http://schemas.microsoft.com/office/drawing/2010/main" w="9525">
                 <a:solidFill>
                   <a:schemeClr val="tx1"/>
@@ -5201,7 +5200,7 @@
                 <a:tailEnd/>
               </a14:hiddenLine>
             </a:ext>
-            <a:ext uri="{AF507438-7753-43e0-B8FC-AC1667EBCBE1}">
+            <a:ext uri="{AF507438-7753-43E0-B8FC-AC1667EBCBE1}">
               <a14:hiddenEffects xmlns:a14="http://schemas.microsoft.com/office/drawing/2010/main">
                 <a:effectLst>
                   <a:outerShdw dist="35921" dir="2700000" algn="ctr" rotWithShape="0">
@@ -5391,12 +5390,12 @@
           </a:ln>
           <a:effectLst/>
           <a:extLst>
-            <a:ext uri="{909E8E84-426E-40dd-AFC4-6F175D3DCCD1}">
+            <a:ext uri="{909E8E84-426E-40DD-AFC4-6F175D3DCCD1}">
               <a14:hiddenFill xmlns:a14="http://schemas.microsoft.com/office/drawing/2010/main">
                 <a:noFill/>
               </a14:hiddenFill>
             </a:ext>
-            <a:ext uri="{AF507438-7753-43e0-B8FC-AC1667EBCBE1}">
+            <a:ext uri="{AF507438-7753-43E0-B8FC-AC1667EBCBE1}">
               <a14:hiddenEffects xmlns:a14="http://schemas.microsoft.com/office/drawing/2010/main">
                 <a:effectLst>
                   <a:outerShdw dist="35921" dir="2700000" algn="ctr" rotWithShape="0">
@@ -5428,7 +5427,7 @@
   <p:timing>
     <p:tnLst>
       <p:par>
-        <p:cTn xmlns:p14="http://schemas.microsoft.com/office/powerpoint/2010/main" id="1" dur="indefinite" restart="never" nodeType="tmRoot"/>
+        <p:cTn id="1" dur="indefinite" restart="never" nodeType="tmRoot"/>
       </p:par>
     </p:tnLst>
   </p:timing>
@@ -5462,14 +5461,21 @@
             <p:ph type="title"/>
           </p:nvPr>
         </p:nvSpPr>
-        <p:spPr/>
-        <p:txBody>
-          <a:bodyPr/>
+        <p:spPr>
+          <a:xfrm>
+            <a:off x="457200" y="274638"/>
+            <a:ext cx="8229600" cy="715962"/>
+          </a:xfrm>
+        </p:spPr>
+        <p:txBody>
+          <a:bodyPr>
+            <a:normAutofit fontScale="90000"/>
+          </a:bodyPr>
           <a:lstStyle/>
           <a:p>
             <a:pPr eaLnBrk="1" hangingPunct="1"/>
             <a:r>
-              <a:rPr lang="en-US" altLang="en-US" smtClean="0"/>
+              <a:rPr lang="en-US" altLang="en-US" dirty="0" smtClean="0"/>
               <a:t>Step 2: Dynamical Model</a:t>
             </a:r>
           </a:p>
@@ -5497,46 +5503,64 @@
           <a:p>
             <a:pPr eaLnBrk="1" hangingPunct="1"/>
             <a:r>
-              <a:rPr lang="en-US" altLang="en-US" smtClean="0"/>
-              <a:t>Multi-Level Differential Equation Model        (Linear Oscillator)</a:t>
-            </a:r>
+              <a:rPr lang="en-US" altLang="en-US" dirty="0" smtClean="0"/>
+              <a:t>Multilevel Dampened Linear Oscillator Model</a:t>
+            </a:r>
+            <a:endParaRPr lang="en-US" altLang="en-US" dirty="0" smtClean="0"/>
           </a:p>
           <a:p>
             <a:pPr eaLnBrk="1" hangingPunct="1">
               <a:buFontTx/>
               <a:buNone/>
             </a:pPr>
-            <a:endParaRPr lang="en-US" altLang="en-US" smtClean="0"/>
+            <a:endParaRPr lang="en-US" altLang="en-US" dirty="0" smtClean="0"/>
           </a:p>
           <a:p>
             <a:pPr eaLnBrk="1" hangingPunct="1">
               <a:buFontTx/>
               <a:buNone/>
             </a:pPr>
-            <a:endParaRPr lang="en-US" altLang="en-US" smtClean="0"/>
+            <a:endParaRPr lang="en-US" altLang="en-US" dirty="0" smtClean="0"/>
           </a:p>
           <a:p>
             <a:pPr eaLnBrk="1" hangingPunct="1">
               <a:buFontTx/>
               <a:buNone/>
             </a:pPr>
-            <a:r>
-              <a:rPr lang="en-US" altLang="en-US" smtClean="0"/>
-              <a:t>				</a:t>
-            </a:r>
-            <a:r>
-              <a:rPr lang="en-US" altLang="en-US" sz="2400" i="1" smtClean="0">
-                <a:latin typeface="Times New Roman" pitchFamily="18" charset="0"/>
-              </a:rPr>
-              <a:t>where x is a function of the logit value of 				support provision at diary day (t)</a:t>
-            </a:r>
+            <a:endParaRPr lang="en-US" altLang="en-US" dirty="0" smtClean="0"/>
           </a:p>
           <a:p>
             <a:pPr eaLnBrk="1" hangingPunct="1">
               <a:buFontTx/>
               <a:buNone/>
             </a:pPr>
-            <a:endParaRPr lang="en-US" altLang="en-US" sz="2400" i="1" smtClean="0">
+            <a:r>
+              <a:rPr lang="en-US" altLang="en-US" dirty="0" smtClean="0"/>
+              <a:t>		</a:t>
+            </a:r>
+            <a:r>
+              <a:rPr lang="en-US" altLang="en-US" dirty="0" smtClean="0"/>
+              <a:t>		</a:t>
+            </a:r>
+            <a:r>
+              <a:rPr lang="en-US" altLang="en-US" sz="2400" i="1" dirty="0" smtClean="0">
+                <a:latin typeface="Times New Roman" pitchFamily="18" charset="0"/>
+              </a:rPr>
+              <a:t>where </a:t>
+            </a:r>
+            <a:r>
+              <a:rPr lang="en-US" altLang="en-US" sz="2400" i="1" dirty="0" smtClean="0">
+                <a:latin typeface="Times New Roman" pitchFamily="18" charset="0"/>
+              </a:rPr>
+              <a:t>x is a function of the logit value of 				support provision at diary day (t)</a:t>
+            </a:r>
+          </a:p>
+          <a:p>
+            <a:pPr eaLnBrk="1" hangingPunct="1">
+              <a:buFontTx/>
+              <a:buNone/>
+            </a:pPr>
+            <a:endParaRPr lang="en-US" altLang="en-US" sz="2400" i="1" dirty="0" smtClean="0">
               <a:latin typeface="Times New Roman" pitchFamily="18" charset="0"/>
             </a:endParaRPr>
           </a:p>
@@ -5552,25 +5576,25 @@
               <a:buNone/>
             </a:pPr>
             <a:r>
-              <a:rPr lang="en-US" altLang="en-US" sz="2400" i="1" smtClean="0"/>
+              <a:rPr lang="en-US" altLang="en-US" sz="2400" i="1" dirty="0" smtClean="0"/>
               <a:t>		</a:t>
             </a:r>
             <a:r>
-              <a:rPr lang="el-GR" altLang="en-US" sz="2800" smtClean="0">
+              <a:rPr lang="el-GR" altLang="en-US" sz="2800" dirty="0" smtClean="0">
                 <a:latin typeface="Times New Roman" pitchFamily="18" charset="0"/>
                 <a:cs typeface="Times New Roman" pitchFamily="18" charset="0"/>
               </a:rPr>
               <a:t>ζ</a:t>
             </a:r>
             <a:r>
-              <a:rPr lang="en-US" altLang="en-US" sz="2800" baseline="-25000" smtClean="0">
+              <a:rPr lang="en-US" altLang="en-US" sz="2800" baseline="-25000" dirty="0" smtClean="0">
                 <a:latin typeface="Times New Roman" pitchFamily="18" charset="0"/>
                 <a:cs typeface="Times New Roman" pitchFamily="18" charset="0"/>
               </a:rPr>
               <a:t>i</a:t>
             </a:r>
             <a:r>
-              <a:rPr lang="en-US" altLang="en-US" sz="2800" smtClean="0">
+              <a:rPr lang="en-US" altLang="en-US" sz="2800" dirty="0" smtClean="0">
                 <a:cs typeface="Times New Roman" pitchFamily="18" charset="0"/>
               </a:rPr>
               <a:t> : dampening parameter</a:t>
@@ -5588,27 +5612,27 @@
               <a:buNone/>
             </a:pPr>
             <a:r>
-              <a:rPr lang="en-US" altLang="en-US" sz="2800" smtClean="0">
+              <a:rPr lang="en-US" altLang="en-US" sz="2800" dirty="0" smtClean="0">
                 <a:cs typeface="Times New Roman" pitchFamily="18" charset="0"/>
               </a:rPr>
               <a:t>		</a:t>
             </a:r>
             <a:r>
-              <a:rPr lang="el-GR" altLang="en-US" sz="2800" smtClean="0">
+              <a:rPr lang="el-GR" altLang="en-US" sz="2800" dirty="0" smtClean="0">
                 <a:latin typeface="Times New Roman" pitchFamily="18" charset="0"/>
                 <a:cs typeface="Times New Roman" pitchFamily="18" charset="0"/>
               </a:rPr>
               <a:t>η</a:t>
             </a:r>
             <a:r>
-              <a:rPr lang="en-US" altLang="en-US" sz="2800" baseline="-25000" smtClean="0">
+              <a:rPr lang="en-US" altLang="en-US" sz="2800" baseline="-25000" dirty="0" smtClean="0">
                 <a:latin typeface="Times New Roman" pitchFamily="18" charset="0"/>
                 <a:cs typeface="Times New Roman" pitchFamily="18" charset="0"/>
               </a:rPr>
               <a:t>i</a:t>
             </a:r>
             <a:r>
-              <a:rPr lang="en-US" altLang="en-US" sz="2800" smtClean="0">
+              <a:rPr lang="en-US" altLang="en-US" sz="2800" dirty="0" smtClean="0">
                 <a:cs typeface="Times New Roman" pitchFamily="18" charset="0"/>
               </a:rPr>
               <a:t> : frequency of oscillation parameter</a:t>
@@ -5625,7 +5649,7 @@
               <a:buFontTx/>
               <a:buNone/>
             </a:pPr>
-            <a:endParaRPr lang="el-GR" altLang="en-US" sz="2800" smtClean="0">
+            <a:endParaRPr lang="el-GR" altLang="en-US" sz="2800" dirty="0" smtClean="0">
               <a:cs typeface="Times New Roman" pitchFamily="18" charset="0"/>
             </a:endParaRPr>
           </a:p>
@@ -5639,22 +5663,27 @@
           </p:cNvGraphicFramePr>
           <p:nvPr>
             <p:ph idx="4294967295"/>
+            <p:extLst>
+              <p:ext uri="{D42A27DB-BD31-4B8C-83A1-F6EECF244321}">
+                <p14:modId xmlns:p14="http://schemas.microsoft.com/office/powerpoint/2010/main" val="3725034717"/>
+              </p:ext>
+            </p:extLst>
           </p:nvPr>
         </p:nvGraphicFramePr>
         <p:xfrm>
-          <a:off x="2049463" y="2747963"/>
-          <a:ext cx="5616575" cy="1274762"/>
+          <a:off x="2036763" y="2520950"/>
+          <a:ext cx="5616575" cy="1219200"/>
         </p:xfrm>
         <a:graphic>
           <a:graphicData uri="http://schemas.openxmlformats.org/presentationml/2006/ole">
             <mc:AlternateContent xmlns:mc="http://schemas.openxmlformats.org/markup-compatibility/2006">
               <mc:Choice xmlns:v="urn:schemas-microsoft-com:vml" Requires="v">
-                <p:oleObj spid="_x0000_s5146" name="Equation" r:id="rId3" imgW="1790700" imgH="406400" progId="Equation.3">
+                <p:oleObj spid="_x0000_s5157" name="Equation" r:id="rId3" imgW="1930320" imgH="419040" progId="Equation.3">
                   <p:embed/>
                 </p:oleObj>
               </mc:Choice>
               <mc:Fallback>
-                <p:oleObj name="Equation" r:id="rId3" imgW="1790700" imgH="406400" progId="Equation.3">
+                <p:oleObj name="Equation" r:id="rId3" imgW="1930320" imgH="419040" progId="Equation.3">
                   <p:embed/>
                   <p:pic>
                     <p:nvPicPr>
@@ -5665,13 +5694,7 @@
                       <p:nvPr/>
                     </p:nvPicPr>
                     <p:blipFill>
-                      <a:blip r:embed="rId4">
-                        <a:extLst>
-                          <a:ext uri="{28A0092B-C50C-407E-A947-70E740481C1C}">
-                            <a14:useLocalDpi xmlns:a14="http://schemas.microsoft.com/office/drawing/2010/main" val="0"/>
-                          </a:ext>
-                        </a:extLst>
-                      </a:blip>
+                      <a:blip r:embed="rId4"/>
                       <a:srcRect/>
                       <a:stretch>
                         <a:fillRect/>
@@ -5679,8 +5702,8 @@
                     </p:blipFill>
                     <p:spPr bwMode="auto">
                       <a:xfrm>
-                        <a:off x="2049463" y="2747963"/>
-                        <a:ext cx="5616575" cy="1274762"/>
+                        <a:off x="2036763" y="2520950"/>
+                        <a:ext cx="5616575" cy="1219200"/>
                       </a:xfrm>
                       <a:prstGeom prst="rect">
                         <a:avLst/>
@@ -5691,14 +5714,14 @@
                       </a:ln>
                       <a:effectLst/>
                       <a:extLst>
-                        <a:ext uri="{909E8E84-426E-40dd-AFC4-6F175D3DCCD1}">
+                        <a:ext uri="{909E8E84-426E-40DD-AFC4-6F175D3DCCD1}">
                           <a14:hiddenFill xmlns:a14="http://schemas.microsoft.com/office/drawing/2010/main">
                             <a:solidFill>
                               <a:srgbClr val="FFFFFF"/>
                             </a:solidFill>
                           </a14:hiddenFill>
                         </a:ext>
-                        <a:ext uri="{91240B29-F687-4f45-9708-019B960494DF}">
+                        <a:ext uri="{91240B29-F687-4F45-9708-019B960494DF}">
                           <a14:hiddenLine xmlns:a14="http://schemas.microsoft.com/office/drawing/2010/main" w="9525">
                             <a:solidFill>
                               <a:srgbClr val="000000"/>
@@ -5708,7 +5731,7 @@
                             <a:tailEnd/>
                           </a14:hiddenLine>
                         </a:ext>
-                        <a:ext uri="{AF507438-7753-43e0-B8FC-AC1667EBCBE1}">
+                        <a:ext uri="{AF507438-7753-43E0-B8FC-AC1667EBCBE1}">
                           <a14:hiddenEffects xmlns:a14="http://schemas.microsoft.com/office/drawing/2010/main">
                             <a:effectLst>
                               <a:outerShdw dist="35921" dir="2700000" algn="ctr" rotWithShape="0">
@@ -5739,7 +5762,7 @@
   <p:timing>
     <p:tnLst>
       <p:par>
-        <p:cTn xmlns:p14="http://schemas.microsoft.com/office/powerpoint/2010/main" id="1" dur="indefinite" restart="never" nodeType="tmRoot"/>
+        <p:cTn id="1" dur="indefinite" restart="never" nodeType="tmRoot"/>
       </p:par>
     </p:tnLst>
   </p:timing>
@@ -5829,14 +5852,14 @@
             </a:ln>
             <a:effectLst/>
             <a:extLst>
-              <a:ext uri="{909E8E84-426E-40dd-AFC4-6F175D3DCCD1}">
+              <a:ext uri="{909E8E84-426E-40DD-AFC4-6F175D3DCCD1}">
                 <a14:hiddenFill xmlns:a14="http://schemas.microsoft.com/office/drawing/2010/main">
                   <a:solidFill>
                     <a:schemeClr val="accent1"/>
                   </a:solidFill>
                 </a14:hiddenFill>
               </a:ext>
-              <a:ext uri="{91240B29-F687-4f45-9708-019B960494DF}">
+              <a:ext uri="{91240B29-F687-4F45-9708-019B960494DF}">
                 <a14:hiddenLine xmlns:a14="http://schemas.microsoft.com/office/drawing/2010/main" w="9525">
                   <a:solidFill>
                     <a:schemeClr val="tx1"/>
@@ -5846,7 +5869,7 @@
                   <a:tailEnd/>
                 </a14:hiddenLine>
               </a:ext>
-              <a:ext uri="{AF507438-7753-43e0-B8FC-AC1667EBCBE1}">
+              <a:ext uri="{AF507438-7753-43E0-B8FC-AC1667EBCBE1}">
                 <a14:hiddenEffects xmlns:a14="http://schemas.microsoft.com/office/drawing/2010/main">
                   <a:effectLst>
                     <a:outerShdw dist="35921" dir="2700000" algn="ctr" rotWithShape="0">
@@ -6041,7 +6064,7 @@
               <a:graphicData uri="http://schemas.openxmlformats.org/presentationml/2006/ole">
                 <mc:AlternateContent xmlns:mc="http://schemas.openxmlformats.org/markup-compatibility/2006">
                   <mc:Choice xmlns:v="urn:schemas-microsoft-com:vml" Requires="v">
-                    <p:oleObj spid="_x0000_s6170" name="Chart" r:id="rId3" imgW="8220150" imgH="4533990" progId="MSGraph.Chart.8">
+                    <p:oleObj spid="_x0000_s6177" name="Chart" r:id="rId3" imgW="8220150" imgH="4533990" progId="MSGraph.Chart.8">
                       <p:embed followColorScheme="full"/>
                     </p:oleObj>
                   </mc:Choice>
@@ -6076,14 +6099,14 @@
                             <a:noFill/>
                           </a:ln>
                           <a:extLst>
-                            <a:ext uri="{909E8E84-426E-40dd-AFC4-6F175D3DCCD1}">
+                            <a:ext uri="{909E8E84-426E-40DD-AFC4-6F175D3DCCD1}">
                               <a14:hiddenFill xmlns:a14="http://schemas.microsoft.com/office/drawing/2010/main">
                                 <a:solidFill>
                                   <a:srgbClr val="FFFFFF"/>
                                 </a:solidFill>
                               </a14:hiddenFill>
                             </a:ext>
-                            <a:ext uri="{91240B29-F687-4f45-9708-019B960494DF}">
+                            <a:ext uri="{91240B29-F687-4F45-9708-019B960494DF}">
                               <a14:hiddenLine xmlns:a14="http://schemas.microsoft.com/office/drawing/2010/main" w="9525">
                                 <a:solidFill>
                                   <a:srgbClr val="000000"/>
@@ -6129,12 +6152,12 @@
               </a:ln>
               <a:effectLst/>
               <a:extLst>
-                <a:ext uri="{909E8E84-426E-40dd-AFC4-6F175D3DCCD1}">
+                <a:ext uri="{909E8E84-426E-40DD-AFC4-6F175D3DCCD1}">
                   <a14:hiddenFill xmlns:a14="http://schemas.microsoft.com/office/drawing/2010/main">
                     <a:noFill/>
                   </a14:hiddenFill>
                 </a:ext>
-                <a:ext uri="{AF507438-7753-43e0-B8FC-AC1667EBCBE1}">
+                <a:ext uri="{AF507438-7753-43E0-B8FC-AC1667EBCBE1}">
                   <a14:hiddenEffects xmlns:a14="http://schemas.microsoft.com/office/drawing/2010/main">
                     <a:effectLst>
                       <a:outerShdw dist="35921" dir="2700000" algn="ctr" rotWithShape="0">
@@ -6175,14 +6198,14 @@
               </a:ln>
               <a:effectLst/>
               <a:extLst>
-                <a:ext uri="{909E8E84-426E-40dd-AFC4-6F175D3DCCD1}">
+                <a:ext uri="{909E8E84-426E-40DD-AFC4-6F175D3DCCD1}">
                   <a14:hiddenFill xmlns:a14="http://schemas.microsoft.com/office/drawing/2010/main">
                     <a:solidFill>
                       <a:schemeClr val="accent1"/>
                     </a:solidFill>
                   </a14:hiddenFill>
                 </a:ext>
-                <a:ext uri="{91240B29-F687-4f45-9708-019B960494DF}">
+                <a:ext uri="{91240B29-F687-4F45-9708-019B960494DF}">
                   <a14:hiddenLine xmlns:a14="http://schemas.microsoft.com/office/drawing/2010/main" w="9525">
                     <a:solidFill>
                       <a:schemeClr val="tx1"/>
@@ -6192,7 +6215,7 @@
                     <a:tailEnd/>
                   </a14:hiddenLine>
                 </a:ext>
-                <a:ext uri="{AF507438-7753-43e0-B8FC-AC1667EBCBE1}">
+                <a:ext uri="{AF507438-7753-43E0-B8FC-AC1667EBCBE1}">
                   <a14:hiddenEffects xmlns:a14="http://schemas.microsoft.com/office/drawing/2010/main">
                     <a:effectLst>
                       <a:outerShdw dist="35921" dir="2700000" algn="ctr" rotWithShape="0">
@@ -6400,7 +6423,7 @@
   <p:timing>
     <p:tnLst>
       <p:par>
-        <p:cTn xmlns:p14="http://schemas.microsoft.com/office/powerpoint/2010/main" id="1" dur="indefinite" restart="never" nodeType="tmRoot">
+        <p:cTn id="1" dur="indefinite" restart="never" nodeType="tmRoot">
           <p:childTnLst>
             <p:seq concurrent="1" nextAc="seek">
               <p:cTn id="2" dur="indefinite" nodeType="mainSeq">
@@ -6550,7 +6573,7 @@
   <p:timing>
     <p:tnLst>
       <p:par>
-        <p:cTn xmlns:p14="http://schemas.microsoft.com/office/powerpoint/2010/main" id="1" dur="indefinite" restart="never" nodeType="tmRoot"/>
+        <p:cTn id="1" dur="indefinite" restart="never" nodeType="tmRoot"/>
       </p:par>
     </p:tnLst>
   </p:timing>
@@ -6626,14 +6649,14 @@
           </a:xfrm>
           <a:noFill/>
           <a:extLst>
-            <a:ext uri="{909E8E84-426E-40dd-AFC4-6F175D3DCCD1}">
+            <a:ext uri="{909E8E84-426E-40DD-AFC4-6F175D3DCCD1}">
               <a14:hiddenFill xmlns:a14="http://schemas.microsoft.com/office/drawing/2010/main">
                 <a:solidFill>
                   <a:schemeClr val="accent1"/>
                 </a:solidFill>
               </a14:hiddenFill>
             </a:ext>
-            <a:ext uri="{91240B29-F687-4f45-9708-019B960494DF}">
+            <a:ext uri="{91240B29-F687-4F45-9708-019B960494DF}">
               <a14:hiddenLine xmlns:a14="http://schemas.microsoft.com/office/drawing/2010/main" w="9525">
                 <a:solidFill>
                   <a:schemeClr val="tx1"/>
@@ -6659,7 +6682,7 @@
   <p:timing>
     <p:tnLst>
       <p:par>
-        <p:cTn xmlns:p14="http://schemas.microsoft.com/office/powerpoint/2010/main" id="1" dur="indefinite" restart="never" nodeType="tmRoot"/>
+        <p:cTn id="1" dur="indefinite" restart="never" nodeType="tmRoot"/>
       </p:par>
     </p:tnLst>
   </p:timing>
@@ -6732,14 +6755,14 @@
           </a:xfrm>
           <a:noFill/>
           <a:extLst>
-            <a:ext uri="{909E8E84-426E-40dd-AFC4-6F175D3DCCD1}">
+            <a:ext uri="{909E8E84-426E-40DD-AFC4-6F175D3DCCD1}">
               <a14:hiddenFill xmlns:a14="http://schemas.microsoft.com/office/drawing/2010/main">
                 <a:solidFill>
                   <a:schemeClr val="accent1"/>
                 </a:solidFill>
               </a14:hiddenFill>
             </a:ext>
-            <a:ext uri="{91240B29-F687-4f45-9708-019B960494DF}">
+            <a:ext uri="{91240B29-F687-4F45-9708-019B960494DF}">
               <a14:hiddenLine xmlns:a14="http://schemas.microsoft.com/office/drawing/2010/main" w="9525">
                 <a:solidFill>
                   <a:schemeClr val="tx1"/>
@@ -6765,7 +6788,7 @@
   <p:timing>
     <p:tnLst>
       <p:par>
-        <p:cTn xmlns:p14="http://schemas.microsoft.com/office/powerpoint/2010/main" id="1" dur="indefinite" restart="never" nodeType="tmRoot"/>
+        <p:cTn id="1" dur="indefinite" restart="never" nodeType="tmRoot"/>
       </p:par>
     </p:tnLst>
   </p:timing>
@@ -6846,14 +6869,14 @@
             <a:noFill/>
           </a:ln>
           <a:extLst>
-            <a:ext uri="{909E8E84-426E-40dd-AFC4-6F175D3DCCD1}">
+            <a:ext uri="{909E8E84-426E-40DD-AFC4-6F175D3DCCD1}">
               <a14:hiddenFill xmlns:a14="http://schemas.microsoft.com/office/drawing/2010/main">
                 <a:solidFill>
                   <a:schemeClr val="accent1"/>
                 </a:solidFill>
               </a14:hiddenFill>
             </a:ext>
-            <a:ext uri="{91240B29-F687-4f45-9708-019B960494DF}">
+            <a:ext uri="{91240B29-F687-4F45-9708-019B960494DF}">
               <a14:hiddenLine xmlns:a14="http://schemas.microsoft.com/office/drawing/2010/main" w="9525">
                 <a:solidFill>
                   <a:schemeClr val="tx1"/>
@@ -6879,7 +6902,7 @@
   <p:timing>
     <p:tnLst>
       <p:par>
-        <p:cTn xmlns:p14="http://schemas.microsoft.com/office/powerpoint/2010/main" id="1" dur="indefinite" restart="never" nodeType="tmRoot"/>
+        <p:cTn id="1" dur="indefinite" restart="never" nodeType="tmRoot"/>
       </p:par>
     </p:tnLst>
   </p:timing>
@@ -6960,14 +6983,14 @@
             <a:noFill/>
           </a:ln>
           <a:extLst>
-            <a:ext uri="{909E8E84-426E-40dd-AFC4-6F175D3DCCD1}">
+            <a:ext uri="{909E8E84-426E-40DD-AFC4-6F175D3DCCD1}">
               <a14:hiddenFill xmlns:a14="http://schemas.microsoft.com/office/drawing/2010/main">
                 <a:solidFill>
                   <a:schemeClr val="accent1"/>
                 </a:solidFill>
               </a14:hiddenFill>
             </a:ext>
-            <a:ext uri="{91240B29-F687-4f45-9708-019B960494DF}">
+            <a:ext uri="{91240B29-F687-4F45-9708-019B960494DF}">
               <a14:hiddenLine xmlns:a14="http://schemas.microsoft.com/office/drawing/2010/main" w="9525">
                 <a:solidFill>
                   <a:schemeClr val="tx1"/>
@@ -6993,7 +7016,7 @@
   <p:timing>
     <p:tnLst>
       <p:par>
-        <p:cTn xmlns:p14="http://schemas.microsoft.com/office/powerpoint/2010/main" id="1" dur="indefinite" restart="never" nodeType="tmRoot"/>
+        <p:cTn id="1" dur="indefinite" restart="never" nodeType="tmRoot"/>
       </p:par>
     </p:tnLst>
   </p:timing>
@@ -7146,7 +7169,7 @@
   <p:timing>
     <p:tnLst>
       <p:par>
-        <p:cTn xmlns:p14="http://schemas.microsoft.com/office/powerpoint/2010/main" id="1" dur="indefinite" restart="never" nodeType="tmRoot"/>
+        <p:cTn id="1" dur="indefinite" restart="never" nodeType="tmRoot"/>
       </p:par>
     </p:tnLst>
   </p:timing>
@@ -7382,7 +7405,7 @@
   <p:timing>
     <p:tnLst>
       <p:par>
-        <p:cTn xmlns:p14="http://schemas.microsoft.com/office/powerpoint/2010/main" id="1" dur="indefinite" restart="never" nodeType="tmRoot"/>
+        <p:cTn id="1" dur="indefinite" restart="never" nodeType="tmRoot"/>
       </p:par>
     </p:tnLst>
   </p:timing>
@@ -7422,7 +7445,11 @@
           <a:lstStyle/>
           <a:p>
             <a:pPr eaLnBrk="1" hangingPunct="1"/>
-            <a:endParaRPr lang="en-US" altLang="en-US" smtClean="0"/>
+            <a:r>
+              <a:rPr lang="en-US" altLang="en-US" dirty="0" smtClean="0"/>
+              <a:t>From last year’s conference….</a:t>
+            </a:r>
+            <a:endParaRPr lang="en-US" altLang="en-US" dirty="0" smtClean="0"/>
           </a:p>
         </p:txBody>
       </p:sp>
@@ -7438,7 +7465,7 @@
         </p:nvSpPr>
         <p:spPr>
           <a:xfrm>
-            <a:off x="228600" y="1600200"/>
+            <a:off x="228600" y="1727200"/>
             <a:ext cx="8686800" cy="4525963"/>
           </a:xfrm>
         </p:spPr>
@@ -7448,29 +7475,45 @@
           <a:p>
             <a:pPr eaLnBrk="1" hangingPunct="1"/>
             <a:r>
-              <a:rPr lang="en-US" altLang="en-US" smtClean="0"/>
-              <a:t>How do we get from a non-DS approach to a dynamic systems approach, without losing the plot?</a:t>
+              <a:rPr lang="en-US" altLang="en-US" dirty="0" smtClean="0"/>
+              <a:t>How do we get from a </a:t>
+            </a:r>
+            <a:r>
+              <a:rPr lang="en-US" altLang="en-US" dirty="0" smtClean="0"/>
+              <a:t>non-dynamic systems </a:t>
+            </a:r>
+            <a:r>
+              <a:rPr lang="en-US" altLang="en-US" dirty="0" smtClean="0"/>
+              <a:t>approach to a dynamic systems approach, without losing the plot?</a:t>
             </a:r>
           </a:p>
           <a:p>
             <a:pPr eaLnBrk="1" hangingPunct="1"/>
-            <a:endParaRPr lang="en-US" altLang="en-US" smtClean="0"/>
+            <a:endParaRPr lang="en-US" altLang="en-US" dirty="0" smtClean="0"/>
           </a:p>
           <a:p>
             <a:pPr eaLnBrk="1" hangingPunct="1"/>
             <a:r>
-              <a:rPr lang="en-US" altLang="en-US" smtClean="0"/>
-              <a:t>How do we connect to the current, non-DS based literature?</a:t>
+              <a:rPr lang="en-US" altLang="en-US" dirty="0" smtClean="0"/>
+              <a:t>How do we connect to the current, </a:t>
+            </a:r>
+            <a:r>
+              <a:rPr lang="en-US" altLang="en-US" dirty="0" smtClean="0"/>
+              <a:t>non-dynamic systems </a:t>
+            </a:r>
+            <a:r>
+              <a:rPr lang="en-US" altLang="en-US" dirty="0" smtClean="0"/>
+              <a:t>based literature?</a:t>
             </a:r>
           </a:p>
           <a:p>
             <a:pPr eaLnBrk="1" hangingPunct="1"/>
-            <a:endParaRPr lang="en-US" altLang="en-US" smtClean="0"/>
+            <a:endParaRPr lang="en-US" altLang="en-US" dirty="0" smtClean="0"/>
           </a:p>
           <a:p>
             <a:pPr eaLnBrk="1" hangingPunct="1"/>
             <a:r>
-              <a:rPr lang="en-US" altLang="en-US" smtClean="0"/>
+              <a:rPr lang="en-US" altLang="en-US" dirty="0" smtClean="0"/>
               <a:t>How do we convince skeptics?</a:t>
             </a:r>
           </a:p>
@@ -7489,7 +7532,7 @@
   <p:timing>
     <p:tnLst>
       <p:par>
-        <p:cTn xmlns:p14="http://schemas.microsoft.com/office/powerpoint/2010/main" id="1" dur="indefinite" restart="never" nodeType="tmRoot"/>
+        <p:cTn id="1" dur="indefinite" restart="never" nodeType="tmRoot"/>
       </p:par>
     </p:tnLst>
   </p:timing>
@@ -7759,7 +7802,7 @@
   <p:timing>
     <p:tnLst>
       <p:par>
-        <p:cTn xmlns:p14="http://schemas.microsoft.com/office/powerpoint/2010/main" id="1" dur="indefinite" restart="never" nodeType="tmRoot"/>
+        <p:cTn id="1" dur="indefinite" restart="never" nodeType="tmRoot"/>
       </p:par>
     </p:tnLst>
   </p:timing>
@@ -8016,7 +8059,7 @@
   <p:timing>
     <p:tnLst>
       <p:par>
-        <p:cTn xmlns:p14="http://schemas.microsoft.com/office/powerpoint/2010/main" id="1" dur="indefinite" restart="never" nodeType="tmRoot">
+        <p:cTn id="1" dur="indefinite" restart="never" nodeType="tmRoot">
           <p:childTnLst>
             <p:seq concurrent="1" nextAc="seek">
               <p:cTn id="2" dur="indefinite" nodeType="mainSeq">
@@ -8450,26 +8493,8 @@
                 <a:latin typeface="Helvetica"/>
                 <a:cs typeface="Helvetica"/>
               </a:rPr>
-              <a:t>Male </a:t>
-            </a:r>
-            <a:r>
-              <a:rPr lang="en-US" sz="2800" dirty="0" smtClean="0">
-                <a:latin typeface="Helvetica"/>
-                <a:cs typeface="Helvetica"/>
-              </a:rPr>
-              <a:t>Provide / Female </a:t>
-            </a:r>
-            <a:r>
-              <a:rPr lang="en-US" sz="2800" dirty="0" smtClean="0">
-                <a:latin typeface="Helvetica"/>
-                <a:cs typeface="Helvetica"/>
-              </a:rPr>
-              <a:t>Receive</a:t>
-            </a:r>
-            <a:endParaRPr lang="en-US" sz="2800" dirty="0" smtClean="0">
-              <a:latin typeface="Helvetica"/>
-              <a:cs typeface="Helvetica"/>
-            </a:endParaRPr>
+              <a:t>Male Provide / Female Receive</a:t>
+            </a:r>
           </a:p>
         </p:txBody>
       </p:sp>
@@ -8486,7 +8511,7 @@
   <p:timing>
     <p:tnLst>
       <p:par>
-        <p:cTn xmlns:p14="http://schemas.microsoft.com/office/powerpoint/2010/main" id="1" dur="indefinite" restart="never" nodeType="tmRoot"/>
+        <p:cTn id="1" dur="indefinite" restart="never" nodeType="tmRoot"/>
       </p:par>
     </p:tnLst>
   </p:timing>
@@ -8512,37 +8537,7 @@
       </p:grpSpPr>
       <p:sp>
         <p:nvSpPr>
-          <p:cNvPr id="3" name="Title 2"/>
-          <p:cNvSpPr>
-            <a:spLocks noGrp="1"/>
-          </p:cNvSpPr>
-          <p:nvPr>
-            <p:ph type="title"/>
-          </p:nvPr>
-        </p:nvSpPr>
-        <p:spPr>
-          <a:xfrm>
-            <a:off x="457200" y="0"/>
-            <a:ext cx="8229600" cy="1143000"/>
-          </a:xfrm>
-        </p:spPr>
-        <p:txBody>
-          <a:bodyPr>
-            <a:normAutofit/>
-          </a:bodyPr>
-          <a:lstStyle/>
-          <a:p>
-            <a:r>
-              <a:rPr lang="en-US" sz="3600" dirty="0" smtClean="0"/>
-              <a:t>Dyad 168</a:t>
-            </a:r>
-            <a:endParaRPr lang="en-US" sz="3600" dirty="0"/>
-          </a:p>
-        </p:txBody>
-      </p:sp>
-      <p:sp>
-        <p:nvSpPr>
-          <p:cNvPr id="2" name="Slide Number Placeholder 1"/>
+          <p:cNvPr id="3" name="Slide Number Placeholder 2"/>
           <p:cNvSpPr>
             <a:spLocks noGrp="1"/>
           </p:cNvSpPr>
@@ -8563,109 +8558,178 @@
           </a:p>
         </p:txBody>
       </p:sp>
-      <p:pic>
-        <p:nvPicPr>
-          <p:cNvPr id="5" name="Picture 4" descr="Raw_Data_168_femaleprovide.pdf"/>
-          <p:cNvPicPr>
-            <a:picLocks noChangeAspect="1"/>
-          </p:cNvPicPr>
+      <p:grpSp>
+        <p:nvGrpSpPr>
+          <p:cNvPr id="7" name="Group 6"/>
+          <p:cNvGrpSpPr/>
           <p:nvPr/>
-        </p:nvPicPr>
-        <p:blipFill>
-          <a:blip r:embed="rId2">
+        </p:nvGrpSpPr>
+        <p:grpSpPr>
+          <a:xfrm>
+            <a:off x="2833688" y="252411"/>
+            <a:ext cx="5457825" cy="6581775"/>
+            <a:chOff x="1843088" y="138113"/>
+            <a:chExt cx="5457825" cy="6581775"/>
+          </a:xfrm>
+        </p:grpSpPr>
+        <p:pic>
+          <p:nvPicPr>
+            <p:cNvPr id="7170" name="Picture 2"/>
+            <p:cNvPicPr>
+              <a:picLocks noChangeAspect="1" noChangeArrowheads="1"/>
+            </p:cNvPicPr>
+            <p:nvPr/>
+          </p:nvPicPr>
+          <p:blipFill>
+            <a:blip r:embed="rId2">
+              <a:extLst>
+                <a:ext uri="{28A0092B-C50C-407E-A947-70E740481C1C}">
+                  <a14:useLocalDpi xmlns:a14="http://schemas.microsoft.com/office/drawing/2010/main" val="0"/>
+                </a:ext>
+              </a:extLst>
+            </a:blip>
+            <a:srcRect/>
+            <a:stretch>
+              <a:fillRect/>
+            </a:stretch>
+          </p:blipFill>
+          <p:spPr bwMode="auto">
+            <a:xfrm>
+              <a:off x="1843088" y="138113"/>
+              <a:ext cx="5457825" cy="6581775"/>
+            </a:xfrm>
+            <a:prstGeom prst="rect">
+              <a:avLst/>
+            </a:prstGeom>
+            <a:noFill/>
+            <a:ln>
+              <a:noFill/>
+            </a:ln>
             <a:extLst>
-              <a:ext uri="{28A0092B-C50C-407E-A947-70E740481C1C}">
-                <a14:useLocalDpi xmlns:a14="http://schemas.microsoft.com/office/drawing/2010/main" val="0"/>
+              <a:ext uri="{909E8E84-426E-40DD-AFC4-6F175D3DCCD1}">
+                <a14:hiddenFill xmlns:a14="http://schemas.microsoft.com/office/drawing/2010/main">
+                  <a:solidFill>
+                    <a:schemeClr val="accent1"/>
+                  </a:solidFill>
+                </a14:hiddenFill>
+              </a:ext>
+              <a:ext uri="{91240B29-F687-4F45-9708-019B960494DF}">
+                <a14:hiddenLine xmlns:a14="http://schemas.microsoft.com/office/drawing/2010/main" w="9525">
+                  <a:solidFill>
+                    <a:schemeClr val="tx1"/>
+                  </a:solidFill>
+                  <a:miter lim="800000"/>
+                  <a:headEnd/>
+                  <a:tailEnd/>
+                </a14:hiddenLine>
               </a:ext>
             </a:extLst>
-          </a:blip>
-          <a:stretch>
-            <a:fillRect/>
-          </a:stretch>
-        </p:blipFill>
+          </p:spPr>
+        </p:pic>
+        <p:cxnSp>
+          <p:nvCxnSpPr>
+            <p:cNvPr id="5" name="Straight Arrow Connector 4"/>
+            <p:cNvCxnSpPr/>
+            <p:nvPr/>
+          </p:nvCxnSpPr>
+          <p:spPr>
+            <a:xfrm flipH="1" flipV="1">
+              <a:off x="3263900" y="3314700"/>
+              <a:ext cx="1095284" cy="1414460"/>
+            </a:xfrm>
+            <a:prstGeom prst="straightConnector1">
+              <a:avLst/>
+            </a:prstGeom>
+            <a:ln>
+              <a:tailEnd type="arrow"/>
+            </a:ln>
+          </p:spPr>
+          <p:style>
+            <a:lnRef idx="2">
+              <a:schemeClr val="dk1"/>
+            </a:lnRef>
+            <a:fillRef idx="0">
+              <a:schemeClr val="dk1"/>
+            </a:fillRef>
+            <a:effectRef idx="1">
+              <a:schemeClr val="dk1"/>
+            </a:effectRef>
+            <a:fontRef idx="minor">
+              <a:schemeClr val="tx1"/>
+            </a:fontRef>
+          </p:style>
+        </p:cxnSp>
+        <p:sp>
+          <p:nvSpPr>
+            <p:cNvPr id="6" name="TextBox 5"/>
+            <p:cNvSpPr txBox="1"/>
+            <p:nvPr/>
+          </p:nvSpPr>
+          <p:spPr>
+            <a:xfrm>
+              <a:off x="3041614" y="4702700"/>
+              <a:ext cx="3048000" cy="369332"/>
+            </a:xfrm>
+            <a:prstGeom prst="rect">
+              <a:avLst/>
+            </a:prstGeom>
+            <a:noFill/>
+          </p:spPr>
+          <p:txBody>
+            <a:bodyPr wrap="square" rtlCol="0">
+              <a:spAutoFit/>
+            </a:bodyPr>
+            <a:lstStyle/>
+            <a:p>
+              <a:r>
+                <a:rPr lang="en-US" dirty="0" smtClean="0">
+                  <a:latin typeface="Helvetica"/>
+                  <a:cs typeface="Helvetica"/>
+                </a:rPr>
+                <a:t>Equilibrium = Baseline RSA</a:t>
+              </a:r>
+              <a:endParaRPr lang="en-US" dirty="0">
+                <a:latin typeface="Helvetica"/>
+                <a:cs typeface="Helvetica"/>
+              </a:endParaRPr>
+            </a:p>
+          </p:txBody>
+        </p:sp>
+      </p:grpSp>
+      <p:sp>
+        <p:nvSpPr>
+          <p:cNvPr id="9" name="Title 2"/>
+          <p:cNvSpPr>
+            <a:spLocks noGrp="1"/>
+          </p:cNvSpPr>
+          <p:nvPr>
+            <p:ph type="title"/>
+          </p:nvPr>
+        </p:nvSpPr>
         <p:spPr>
           <a:xfrm>
-            <a:off x="879675" y="987426"/>
-            <a:ext cx="7315200" cy="5486400"/>
+            <a:off x="290606" y="215900"/>
+            <a:ext cx="2543082" cy="835026"/>
           </a:xfrm>
-          <a:prstGeom prst="rect">
-            <a:avLst/>
-          </a:prstGeom>
         </p:spPr>
-      </p:pic>
-      <p:cxnSp>
-        <p:nvCxnSpPr>
-          <p:cNvPr id="11" name="Straight Arrow Connector 10"/>
-          <p:cNvCxnSpPr/>
-          <p:nvPr/>
-        </p:nvCxnSpPr>
-        <p:spPr>
-          <a:xfrm flipH="1" flipV="1">
-            <a:off x="2317658" y="3690936"/>
-            <a:ext cx="682625" cy="1063624"/>
-          </a:xfrm>
-          <a:prstGeom prst="straightConnector1">
-            <a:avLst/>
-          </a:prstGeom>
-          <a:ln>
-            <a:tailEnd type="arrow"/>
-          </a:ln>
-        </p:spPr>
-        <p:style>
-          <a:lnRef idx="2">
-            <a:schemeClr val="dk1"/>
-          </a:lnRef>
-          <a:fillRef idx="0">
-            <a:schemeClr val="dk1"/>
-          </a:fillRef>
-          <a:effectRef idx="1">
-            <a:schemeClr val="dk1"/>
-          </a:effectRef>
-          <a:fontRef idx="minor">
-            <a:schemeClr val="tx1"/>
-          </a:fontRef>
-        </p:style>
-      </p:cxnSp>
-      <p:sp>
-        <p:nvSpPr>
-          <p:cNvPr id="12" name="TextBox 11"/>
-          <p:cNvSpPr txBox="1"/>
-          <p:nvPr/>
-        </p:nvSpPr>
-        <p:spPr>
-          <a:xfrm>
-            <a:off x="1682714" y="4728100"/>
-            <a:ext cx="3048000" cy="369332"/>
-          </a:xfrm>
-          <a:prstGeom prst="rect">
-            <a:avLst/>
-          </a:prstGeom>
-          <a:noFill/>
-        </p:spPr>
-        <p:txBody>
-          <a:bodyPr wrap="square" rtlCol="0">
-            <a:spAutoFit/>
+        <p:txBody>
+          <a:bodyPr>
+            <a:normAutofit/>
           </a:bodyPr>
           <a:lstStyle/>
           <a:p>
             <a:r>
-              <a:rPr lang="en-US" dirty="0" smtClean="0">
-                <a:latin typeface="Helvetica"/>
-                <a:cs typeface="Helvetica"/>
-              </a:rPr>
-              <a:t>Equilibrium = Baseline RSA</a:t>
-            </a:r>
-            <a:endParaRPr lang="en-US" dirty="0">
-              <a:latin typeface="Helvetica"/>
-              <a:cs typeface="Helvetica"/>
-            </a:endParaRPr>
+              <a:rPr lang="en-US" sz="3600" dirty="0" smtClean="0"/>
+              <a:t>Dyad 168</a:t>
+            </a:r>
+            <a:endParaRPr lang="en-US" sz="3600" dirty="0"/>
           </a:p>
         </p:txBody>
       </p:sp>
     </p:spTree>
     <p:extLst>
       <p:ext uri="{BB962C8B-B14F-4D97-AF65-F5344CB8AC3E}">
-        <p14:creationId xmlns:p14="http://schemas.microsoft.com/office/powerpoint/2010/main" val="1709206830"/>
+        <p14:creationId xmlns:p14="http://schemas.microsoft.com/office/powerpoint/2010/main" val="1062077804"/>
       </p:ext>
     </p:extLst>
   </p:cSld>
@@ -8675,7 +8739,7 @@
   <p:timing>
     <p:tnLst>
       <p:par>
-        <p:cTn xmlns:p14="http://schemas.microsoft.com/office/powerpoint/2010/main" id="1" dur="indefinite" restart="never" nodeType="tmRoot"/>
+        <p:cTn id="1" dur="indefinite" restart="never" nodeType="tmRoot"/>
       </p:par>
     </p:tnLst>
   </p:timing>
@@ -8701,7 +8765,7 @@
       </p:grpSpPr>
       <p:sp>
         <p:nvSpPr>
-          <p:cNvPr id="3" name="Title 2"/>
+          <p:cNvPr id="2" name="Title 1"/>
           <p:cNvSpPr>
             <a:spLocks noGrp="1"/>
           </p:cNvSpPr>
@@ -8709,29 +8773,79 @@
             <p:ph type="title"/>
           </p:nvPr>
         </p:nvSpPr>
-        <p:spPr>
-          <a:xfrm>
-            <a:off x="457200" y="0"/>
-            <a:ext cx="8229600" cy="1143000"/>
-          </a:xfrm>
-        </p:spPr>
-        <p:txBody>
-          <a:bodyPr>
-            <a:normAutofit/>
-          </a:bodyPr>
+        <p:spPr/>
+        <p:txBody>
+          <a:bodyPr/>
           <a:lstStyle/>
           <a:p>
             <a:r>
-              <a:rPr lang="en-US" sz="3600" dirty="0" smtClean="0"/>
-              <a:t>Dyad 168</a:t>
-            </a:r>
-            <a:endParaRPr lang="en-US" sz="3600" dirty="0"/>
-          </a:p>
-        </p:txBody>
-      </p:sp>
-      <p:sp>
-        <p:nvSpPr>
-          <p:cNvPr id="2" name="Slide Number Placeholder 1"/>
+              <a:rPr lang="en-US" dirty="0" smtClean="0"/>
+              <a:t>Analysis Strategy</a:t>
+            </a:r>
+            <a:endParaRPr lang="en-US" dirty="0"/>
+          </a:p>
+        </p:txBody>
+      </p:sp>
+      <p:sp>
+        <p:nvSpPr>
+          <p:cNvPr id="3" name="Content Placeholder 2"/>
+          <p:cNvSpPr>
+            <a:spLocks noGrp="1"/>
+          </p:cNvSpPr>
+          <p:nvPr>
+            <p:ph idx="1"/>
+          </p:nvPr>
+        </p:nvSpPr>
+        <p:spPr/>
+        <p:txBody>
+          <a:bodyPr/>
+          <a:lstStyle/>
+          <a:p>
+            <a:r>
+              <a:rPr lang="en-US" dirty="0" smtClean="0"/>
+              <a:t>Case Study: 1 dyad as dynamic </a:t>
+            </a:r>
+            <a:r>
+              <a:rPr lang="en-US" dirty="0" smtClean="0"/>
+              <a:t>system</a:t>
+            </a:r>
+          </a:p>
+          <a:p>
+            <a:endParaRPr lang="en-US" sz="800" dirty="0" smtClean="0"/>
+          </a:p>
+          <a:p>
+            <a:r>
+              <a:rPr lang="en-US" dirty="0" smtClean="0"/>
+              <a:t>Coupled LDE model (</a:t>
+            </a:r>
+            <a:r>
+              <a:rPr lang="en-US" dirty="0" err="1" smtClean="0"/>
+              <a:t>Boker</a:t>
+            </a:r>
+            <a:r>
+              <a:rPr lang="en-US" dirty="0" smtClean="0"/>
+              <a:t> &amp; Laurenceau, 2005</a:t>
+            </a:r>
+            <a:r>
+              <a:rPr lang="en-US" dirty="0" smtClean="0"/>
+              <a:t>)</a:t>
+            </a:r>
+          </a:p>
+          <a:p>
+            <a:endParaRPr lang="en-US" sz="800" dirty="0" smtClean="0"/>
+          </a:p>
+          <a:p>
+            <a:pPr lvl="1"/>
+            <a:r>
+              <a:rPr lang="en-US" dirty="0" smtClean="0"/>
+              <a:t>Time Delay Embedding = 4</a:t>
+            </a:r>
+          </a:p>
+        </p:txBody>
+      </p:sp>
+      <p:sp>
+        <p:nvSpPr>
+          <p:cNvPr id="4" name="Slide Number Placeholder 3"/>
           <p:cNvSpPr>
             <a:spLocks noGrp="1"/>
           </p:cNvSpPr>
@@ -8752,119 +8866,28 @@
           </a:p>
         </p:txBody>
       </p:sp>
-      <p:cxnSp>
-        <p:nvCxnSpPr>
-          <p:cNvPr id="11" name="Straight Arrow Connector 10"/>
-          <p:cNvCxnSpPr/>
-          <p:nvPr/>
-        </p:nvCxnSpPr>
-        <p:spPr>
-          <a:xfrm flipH="1" flipV="1">
-            <a:off x="2317658" y="3690936"/>
-            <a:ext cx="682625" cy="1063624"/>
-          </a:xfrm>
-          <a:prstGeom prst="straightConnector1">
-            <a:avLst/>
-          </a:prstGeom>
-          <a:ln>
-            <a:tailEnd type="arrow"/>
-          </a:ln>
-        </p:spPr>
-        <p:style>
-          <a:lnRef idx="2">
-            <a:schemeClr val="dk1"/>
-          </a:lnRef>
-          <a:fillRef idx="0">
-            <a:schemeClr val="dk1"/>
-          </a:fillRef>
-          <a:effectRef idx="1">
-            <a:schemeClr val="dk1"/>
-          </a:effectRef>
-          <a:fontRef idx="minor">
-            <a:schemeClr val="tx1"/>
-          </a:fontRef>
-        </p:style>
-      </p:cxnSp>
-      <p:sp>
-        <p:nvSpPr>
-          <p:cNvPr id="12" name="TextBox 11"/>
-          <p:cNvSpPr txBox="1"/>
-          <p:nvPr/>
-        </p:nvSpPr>
-        <p:spPr>
-          <a:xfrm>
-            <a:off x="1682714" y="4728100"/>
-            <a:ext cx="3048000" cy="369332"/>
-          </a:xfrm>
-          <a:prstGeom prst="rect">
-            <a:avLst/>
-          </a:prstGeom>
-          <a:noFill/>
-        </p:spPr>
-        <p:txBody>
-          <a:bodyPr wrap="square" rtlCol="0">
-            <a:spAutoFit/>
-          </a:bodyPr>
-          <a:lstStyle/>
-          <a:p>
-            <a:r>
-              <a:rPr lang="en-US" dirty="0" smtClean="0">
-                <a:latin typeface="Helvetica"/>
-                <a:cs typeface="Helvetica"/>
-              </a:rPr>
-              <a:t>Equilibrium = Baseline RSA</a:t>
-            </a:r>
-            <a:endParaRPr lang="en-US" dirty="0">
-              <a:latin typeface="Helvetica"/>
-              <a:cs typeface="Helvetica"/>
-            </a:endParaRPr>
-          </a:p>
-        </p:txBody>
-      </p:sp>
-      <p:pic>
-        <p:nvPicPr>
-          <p:cNvPr id="4" name="Picture 3" descr="Raw_Data_168_femaleprovide_withlines.pdf"/>
-          <p:cNvPicPr>
-            <a:picLocks noChangeAspect="1"/>
-          </p:cNvPicPr>
-          <p:nvPr/>
-        </p:nvPicPr>
-        <p:blipFill>
-          <a:blip r:embed="rId2">
-            <a:extLst>
-              <a:ext uri="{28A0092B-C50C-407E-A947-70E740481C1C}">
-                <a14:useLocalDpi xmlns:a14="http://schemas.microsoft.com/office/drawing/2010/main" val="0"/>
-              </a:ext>
-            </a:extLst>
-          </a:blip>
-          <a:stretch>
-            <a:fillRect/>
-          </a:stretch>
-        </p:blipFill>
-        <p:spPr>
-          <a:xfrm>
-            <a:off x="879675" y="987426"/>
-            <a:ext cx="7315200" cy="5486400"/>
-          </a:xfrm>
-          <a:prstGeom prst="rect">
-            <a:avLst/>
-          </a:prstGeom>
-        </p:spPr>
-      </p:pic>
     </p:spTree>
     <p:extLst>
       <p:ext uri="{BB962C8B-B14F-4D97-AF65-F5344CB8AC3E}">
-        <p14:creationId xmlns:p14="http://schemas.microsoft.com/office/powerpoint/2010/main" val="829877848"/>
+        <p14:creationId xmlns:p14="http://schemas.microsoft.com/office/powerpoint/2010/main" val="3242271376"/>
       </p:ext>
     </p:extLst>
   </p:cSld>
   <p:clrMapOvr>
     <a:masterClrMapping/>
   </p:clrMapOvr>
+  <mc:AlternateContent xmlns:mc="http://schemas.openxmlformats.org/markup-compatibility/2006" xmlns:p14="http://schemas.microsoft.com/office/powerpoint/2010/main">
+    <mc:Choice Requires="p14">
+      <p:transition spd="slow" p14:dur="2000"/>
+    </mc:Choice>
+    <mc:Fallback xmlns="">
+      <p:transition xmlns:p14="http://schemas.microsoft.com/office/powerpoint/2010/main" spd="slow"/>
+    </mc:Fallback>
+  </mc:AlternateContent>
   <p:timing>
     <p:tnLst>
       <p:par>
-        <p:cTn xmlns:p14="http://schemas.microsoft.com/office/powerpoint/2010/main" id="1" dur="indefinite" restart="never" nodeType="tmRoot"/>
+        <p:cTn id="1" dur="indefinite" restart="never" nodeType="tmRoot"/>
       </p:par>
     </p:tnLst>
   </p:timing>
@@ -8898,14 +8921,19 @@
             <p:ph type="title"/>
           </p:nvPr>
         </p:nvSpPr>
-        <p:spPr/>
+        <p:spPr>
+          <a:xfrm>
+            <a:off x="457200" y="274638"/>
+            <a:ext cx="8229600" cy="842962"/>
+          </a:xfrm>
+        </p:spPr>
         <p:txBody>
           <a:bodyPr/>
           <a:lstStyle/>
           <a:p>
             <a:r>
               <a:rPr lang="en-US" dirty="0" smtClean="0"/>
-              <a:t>Analysis Strategy</a:t>
+              <a:t>Results</a:t>
             </a:r>
             <a:endParaRPr lang="en-US" dirty="0"/>
           </a:p>
@@ -8913,63 +8941,7 @@
       </p:sp>
       <p:sp>
         <p:nvSpPr>
-          <p:cNvPr id="3" name="Content Placeholder 2"/>
-          <p:cNvSpPr>
-            <a:spLocks noGrp="1"/>
-          </p:cNvSpPr>
-          <p:nvPr>
-            <p:ph idx="1"/>
-          </p:nvPr>
-        </p:nvSpPr>
-        <p:spPr/>
-        <p:txBody>
-          <a:bodyPr/>
-          <a:lstStyle/>
-          <a:p>
-            <a:r>
-              <a:rPr lang="en-US" dirty="0" smtClean="0"/>
-              <a:t>Case Study: 1 dyad as dynamic system</a:t>
-            </a:r>
-          </a:p>
-          <a:p>
-            <a:r>
-              <a:rPr lang="en-US" dirty="0" smtClean="0"/>
-              <a:t>Coupled LDE model (</a:t>
-            </a:r>
-            <a:r>
-              <a:rPr lang="en-US" dirty="0" err="1" smtClean="0"/>
-              <a:t>Boker</a:t>
-            </a:r>
-            <a:r>
-              <a:rPr lang="en-US" dirty="0" smtClean="0"/>
-              <a:t> &amp; </a:t>
-            </a:r>
-            <a:r>
-              <a:rPr lang="en-US" dirty="0" err="1" smtClean="0"/>
-              <a:t>Laurenceau</a:t>
-            </a:r>
-            <a:r>
-              <a:rPr lang="en-US" dirty="0" smtClean="0"/>
-              <a:t>, 2005)</a:t>
-            </a:r>
-          </a:p>
-          <a:p>
-            <a:pPr lvl="1"/>
-            <a:r>
-              <a:rPr lang="en-US" dirty="0" smtClean="0"/>
-              <a:t>Time Delay Embedding = </a:t>
-            </a:r>
-            <a:r>
-              <a:rPr lang="en-US" dirty="0" smtClean="0"/>
-              <a:t>4</a:t>
-            </a:r>
-            <a:endParaRPr lang="en-US" dirty="0" smtClean="0"/>
-          </a:p>
-        </p:txBody>
-      </p:sp>
-      <p:sp>
-        <p:nvSpPr>
-          <p:cNvPr id="4" name="Slide Number Placeholder 3"/>
+          <p:cNvPr id="3" name="Slide Number Placeholder 2"/>
           <p:cNvSpPr>
             <a:spLocks noGrp="1"/>
           </p:cNvSpPr>
@@ -8985,97 +8957,6 @@
             <a:fld id="{930465AD-53DA-D841-AEBD-0BDBF8BCBA90}" type="slidenum">
               <a:rPr lang="en-US" smtClean="0"/>
               <a:t>25</a:t>
-            </a:fld>
-            <a:endParaRPr lang="en-US"/>
-          </a:p>
-        </p:txBody>
-      </p:sp>
-    </p:spTree>
-    <p:extLst>
-      <p:ext uri="{BB962C8B-B14F-4D97-AF65-F5344CB8AC3E}">
-        <p14:creationId xmlns:p14="http://schemas.microsoft.com/office/powerpoint/2010/main" val="3242271376"/>
-      </p:ext>
-    </p:extLst>
-  </p:cSld>
-  <p:clrMapOvr>
-    <a:masterClrMapping/>
-  </p:clrMapOvr>
-  <mc:AlternateContent xmlns:mc="http://schemas.openxmlformats.org/markup-compatibility/2006" xmlns:p14="http://schemas.microsoft.com/office/powerpoint/2010/main">
-    <mc:Choice Requires="p14">
-      <p:transition spd="slow" p14:dur="2000"/>
-    </mc:Choice>
-    <mc:Fallback xmlns="">
-      <p:transition xmlns:p14="http://schemas.microsoft.com/office/powerpoint/2010/main" spd="slow"/>
-    </mc:Fallback>
-  </mc:AlternateContent>
-  <p:timing>
-    <p:tnLst>
-      <p:par>
-        <p:cTn xmlns:p14="http://schemas.microsoft.com/office/powerpoint/2010/main" id="1" dur="indefinite" restart="never" nodeType="tmRoot"/>
-      </p:par>
-    </p:tnLst>
-  </p:timing>
-</p:sld>
-</file>
-
-<file path=ppt/slides/slide26.xml><?xml version="1.0" encoding="utf-8"?>
-<p:sld xmlns:a="http://schemas.openxmlformats.org/drawingml/2006/main" xmlns:r="http://schemas.openxmlformats.org/officeDocument/2006/relationships" xmlns:p="http://schemas.openxmlformats.org/presentationml/2006/main">
-  <p:cSld>
-    <p:spTree>
-      <p:nvGrpSpPr>
-        <p:cNvPr id="1" name=""/>
-        <p:cNvGrpSpPr/>
-        <p:nvPr/>
-      </p:nvGrpSpPr>
-      <p:grpSpPr>
-        <a:xfrm>
-          <a:off x="0" y="0"/>
-          <a:ext cx="0" cy="0"/>
-          <a:chOff x="0" y="0"/>
-          <a:chExt cx="0" cy="0"/>
-        </a:xfrm>
-      </p:grpSpPr>
-      <p:sp>
-        <p:nvSpPr>
-          <p:cNvPr id="2" name="Title 1"/>
-          <p:cNvSpPr>
-            <a:spLocks noGrp="1"/>
-          </p:cNvSpPr>
-          <p:nvPr>
-            <p:ph type="title"/>
-          </p:nvPr>
-        </p:nvSpPr>
-        <p:spPr/>
-        <p:txBody>
-          <a:bodyPr/>
-          <a:lstStyle/>
-          <a:p>
-            <a:r>
-              <a:rPr lang="en-US" dirty="0" smtClean="0"/>
-              <a:t>Results</a:t>
-            </a:r>
-            <a:endParaRPr lang="en-US" dirty="0"/>
-          </a:p>
-        </p:txBody>
-      </p:sp>
-      <p:sp>
-        <p:nvSpPr>
-          <p:cNvPr id="3" name="Slide Number Placeholder 2"/>
-          <p:cNvSpPr>
-            <a:spLocks noGrp="1"/>
-          </p:cNvSpPr>
-          <p:nvPr>
-            <p:ph type="sldNum" sz="quarter" idx="12"/>
-          </p:nvPr>
-        </p:nvSpPr>
-        <p:spPr/>
-        <p:txBody>
-          <a:bodyPr/>
-          <a:lstStyle/>
-          <a:p>
-            <a:fld id="{930465AD-53DA-D841-AEBD-0BDBF8BCBA90}" type="slidenum">
-              <a:rPr lang="en-US" smtClean="0"/>
-              <a:t>26</a:t>
             </a:fld>
             <a:endParaRPr lang="en-US"/>
           </a:p>
@@ -9090,14 +8971,14 @@
           <p:nvPr>
             <p:extLst>
               <p:ext uri="{D42A27DB-BD31-4B8C-83A1-F6EECF244321}">
-                <p14:modId xmlns:p14="http://schemas.microsoft.com/office/powerpoint/2010/main" val="2993706664"/>
+                <p14:modId xmlns:p14="http://schemas.microsoft.com/office/powerpoint/2010/main" val="1230069426"/>
               </p:ext>
             </p:extLst>
           </p:nvPr>
         </p:nvGraphicFramePr>
         <p:xfrm>
           <a:off x="792416" y="1416708"/>
-          <a:ext cx="7379380" cy="3914905"/>
+          <a:ext cx="7379380" cy="4097545"/>
         </p:xfrm>
         <a:graphic>
           <a:graphicData uri="http://schemas.openxmlformats.org/drawingml/2006/table">
@@ -9141,21 +9022,7 @@
                           <a:latin typeface="Helvetica"/>
                           <a:cs typeface="Helvetica"/>
                         </a:rPr>
-                        <a:t> Provide / </a:t>
-                      </a:r>
-                      <a:r>
-                        <a:rPr lang="en-US" b="0" baseline="0" dirty="0" smtClean="0">
-                          <a:latin typeface="Helvetica"/>
-                          <a:cs typeface="Helvetica"/>
-                        </a:rPr>
-                        <a:t>Male </a:t>
-                      </a:r>
-                      <a:r>
-                        <a:rPr lang="en-US" b="0" baseline="0" dirty="0" smtClean="0">
-                          <a:latin typeface="Helvetica"/>
-                          <a:cs typeface="Helvetica"/>
-                        </a:rPr>
-                        <a:t>Receive</a:t>
+                        <a:t> Provide / Male Receive</a:t>
                       </a:r>
                       <a:endParaRPr lang="en-US" b="0" dirty="0">
                         <a:latin typeface="Helvetica"/>
@@ -9173,12 +9040,13 @@
                     <a:lstStyle/>
                     <a:p>
                       <a:r>
-                        <a:rPr lang="en-US" b="0" dirty="0" smtClean="0">
+                        <a:rPr lang="en-US" b="0" baseline="0" dirty="0" smtClean="0">
                           <a:solidFill>
                             <a:srgbClr val="E700B5"/>
                           </a:solidFill>
                           <a:latin typeface="Helvetica"/>
                           <a:cs typeface="Helvetica"/>
+                          <a:sym typeface="Wingdings"/>
                         </a:rPr>
                         <a:t>F</a:t>
                       </a:r>
@@ -9189,8 +9057,9 @@
                           </a:solidFill>
                           <a:latin typeface="Helvetica"/>
                           <a:cs typeface="Helvetica"/>
+                          <a:sym typeface="Wingdings" panose="05000000000000000000" pitchFamily="2" charset="2"/>
                         </a:rPr>
-                        <a:t> </a:t>
+                        <a:t></a:t>
                       </a:r>
                       <a:r>
                         <a:rPr lang="en-US" b="0" baseline="0" dirty="0" smtClean="0">
@@ -9201,9 +9070,31 @@
                           <a:cs typeface="Helvetica"/>
                           <a:sym typeface="Wingdings"/>
                         </a:rPr>
-                        <a:t> F1</a:t>
+                        <a:t>F     </a:t>
                       </a:r>
-                      <a:endParaRPr lang="en-US" b="0" dirty="0">
+                      <a:r>
+                        <a:rPr lang="el-GR" sz="3200" b="0" baseline="0" dirty="0" smtClean="0">
+                          <a:solidFill>
+                            <a:srgbClr val="E700B5"/>
+                          </a:solidFill>
+                          <a:latin typeface="Times New Roman"/>
+                          <a:cs typeface="Times New Roman"/>
+                          <a:sym typeface="Wingdings"/>
+                        </a:rPr>
+                        <a:t>η</a:t>
+                      </a:r>
+                      <a:r>
+                        <a:rPr lang="en-US" sz="3200" b="0" baseline="-25000" dirty="0" smtClean="0">
+                          <a:solidFill>
+                            <a:srgbClr val="E700B5"/>
+                          </a:solidFill>
+                          <a:latin typeface="Times New Roman"/>
+                          <a:cs typeface="Times New Roman"/>
+                          <a:sym typeface="Wingdings"/>
+                        </a:rPr>
+                        <a:t>x</a:t>
+                      </a:r>
+                      <a:endParaRPr lang="en-US" sz="3200" b="0" dirty="0">
                         <a:solidFill>
                           <a:srgbClr val="E700B5"/>
                         </a:solidFill>
@@ -9225,28 +9116,7 @@
                           <a:latin typeface="Helvetica"/>
                           <a:cs typeface="Helvetica"/>
                         </a:rPr>
-                        <a:t>-</a:t>
-                      </a:r>
-                      <a:r>
-                        <a:rPr lang="en-US" b="1" dirty="0" smtClean="0">
-                          <a:latin typeface="Helvetica"/>
-                          <a:cs typeface="Helvetica"/>
-                        </a:rPr>
-                        <a:t>1.53 </a:t>
-                      </a:r>
-                      <a:r>
-                        <a:rPr lang="en-US" b="1" dirty="0" smtClean="0">
-                          <a:latin typeface="Helvetica"/>
-                          <a:cs typeface="Helvetica"/>
-                        </a:rPr>
-                        <a:t>(</a:t>
-                      </a:r>
-                      <a:r>
-                        <a:rPr lang="en-US" b="1" dirty="0" smtClean="0">
-                          <a:latin typeface="Helvetica"/>
-                          <a:cs typeface="Helvetica"/>
-                        </a:rPr>
-                        <a:t>.32)</a:t>
+                        <a:t>-1.53 (.32)</a:t>
                       </a:r>
                       <a:endParaRPr lang="en-US" b="1" dirty="0">
                         <a:latin typeface="Helvetica"/>
@@ -9281,12 +9151,13 @@
                         <a:defRPr/>
                       </a:pPr>
                       <a:r>
-                        <a:rPr lang="en-US" b="0" dirty="0" smtClean="0">
+                        <a:rPr lang="en-US" b="0" baseline="0" dirty="0" smtClean="0">
                           <a:solidFill>
                             <a:srgbClr val="E700B5"/>
                           </a:solidFill>
                           <a:latin typeface="Helvetica"/>
                           <a:cs typeface="Helvetica"/>
+                          <a:sym typeface="Wingdings"/>
                         </a:rPr>
                         <a:t>F</a:t>
                       </a:r>
@@ -9297,8 +9168,9 @@
                           </a:solidFill>
                           <a:latin typeface="Helvetica"/>
                           <a:cs typeface="Helvetica"/>
+                          <a:sym typeface="Wingdings" panose="05000000000000000000" pitchFamily="2" charset="2"/>
                         </a:rPr>
-                        <a:t> </a:t>
+                        <a:t>F</a:t>
                       </a:r>
                       <a:r>
                         <a:rPr lang="en-US" b="0" baseline="0" dirty="0" smtClean="0">
@@ -9309,9 +9181,31 @@
                           <a:cs typeface="Helvetica"/>
                           <a:sym typeface="Wingdings"/>
                         </a:rPr>
-                        <a:t> F2</a:t>
+                        <a:t>     </a:t>
                       </a:r>
-                      <a:endParaRPr lang="en-US" b="0" dirty="0" smtClean="0">
+                      <a:r>
+                        <a:rPr lang="el-GR" sz="3200" b="0" baseline="0" dirty="0" smtClean="0">
+                          <a:solidFill>
+                            <a:srgbClr val="E700B5"/>
+                          </a:solidFill>
+                          <a:latin typeface="Times New Roman"/>
+                          <a:cs typeface="Times New Roman"/>
+                          <a:sym typeface="Wingdings"/>
+                        </a:rPr>
+                        <a:t>ζ</a:t>
+                      </a:r>
+                      <a:r>
+                        <a:rPr lang="en-US" sz="3200" b="0" baseline="-25000" dirty="0" smtClean="0">
+                          <a:solidFill>
+                            <a:srgbClr val="E700B5"/>
+                          </a:solidFill>
+                          <a:latin typeface="Times New Roman"/>
+                          <a:cs typeface="Times New Roman"/>
+                          <a:sym typeface="Wingdings"/>
+                        </a:rPr>
+                        <a:t>x</a:t>
+                      </a:r>
+                      <a:endParaRPr lang="en-US" sz="3200" b="0" dirty="0" smtClean="0">
                         <a:solidFill>
                           <a:srgbClr val="E700B5"/>
                         </a:solidFill>
@@ -9363,8 +9257,20 @@
                           </a:solidFill>
                           <a:latin typeface="Helvetica"/>
                           <a:cs typeface="Helvetica"/>
+                          <a:sym typeface="Wingdings"/>
                         </a:rPr>
-                        <a:t>M </a:t>
+                        <a:t>M</a:t>
+                      </a:r>
+                      <a:r>
+                        <a:rPr lang="en-US" b="0" baseline="0" dirty="0" smtClean="0">
+                          <a:solidFill>
+                            <a:srgbClr val="0000FF"/>
+                          </a:solidFill>
+                          <a:latin typeface="Helvetica"/>
+                          <a:cs typeface="Helvetica"/>
+                          <a:sym typeface="Wingdings" panose="05000000000000000000" pitchFamily="2" charset="2"/>
+                        </a:rPr>
+                        <a:t>M</a:t>
                       </a:r>
                       <a:r>
                         <a:rPr lang="en-US" b="0" baseline="0" dirty="0" smtClean="0">
@@ -9375,11 +9281,33 @@
                           <a:cs typeface="Helvetica"/>
                           <a:sym typeface="Wingdings"/>
                         </a:rPr>
-                        <a:t> M1</a:t>
+                        <a:t>   </a:t>
                       </a:r>
-                      <a:endParaRPr lang="en-US" b="0" dirty="0">
+                      <a:r>
+                        <a:rPr lang="el-GR" sz="3200" b="0" baseline="0" dirty="0" smtClean="0">
+                          <a:solidFill>
+                            <a:srgbClr val="0070C0"/>
+                          </a:solidFill>
+                          <a:latin typeface="Times New Roman"/>
+                          <a:cs typeface="Times New Roman"/>
+                          <a:sym typeface="Wingdings"/>
+                        </a:rPr>
+                        <a:t>η</a:t>
+                      </a:r>
+                      <a:r>
+                        <a:rPr lang="en-US" sz="3200" b="0" baseline="-25000" dirty="0" smtClean="0">
+                          <a:solidFill>
+                            <a:srgbClr val="0070C0"/>
+                          </a:solidFill>
+                          <a:latin typeface="Times New Roman"/>
+                          <a:cs typeface="Times New Roman"/>
+                          <a:sym typeface="Wingdings"/>
+                        </a:rPr>
+                        <a:t>y</a:t>
+                      </a:r>
+                      <a:endParaRPr lang="en-US" sz="3200" b="0" dirty="0">
                         <a:solidFill>
-                          <a:srgbClr val="0000FF"/>
+                          <a:srgbClr val="0070C0"/>
                         </a:solidFill>
                         <a:latin typeface="Helvetica"/>
                         <a:cs typeface="Helvetica"/>
@@ -9399,35 +9327,14 @@
                           <a:latin typeface="Helvetica"/>
                           <a:cs typeface="Helvetica"/>
                         </a:rPr>
-                        <a:t>-.</a:t>
-                      </a:r>
-                      <a:r>
-                        <a:rPr lang="en-US" b="1" dirty="0" smtClean="0">
-                          <a:latin typeface="Helvetica"/>
-                          <a:cs typeface="Helvetica"/>
-                        </a:rPr>
-                        <a:t>77</a:t>
+                        <a:t>-.77</a:t>
                       </a:r>
                       <a:r>
                         <a:rPr lang="en-US" b="1" baseline="0" dirty="0" smtClean="0">
                           <a:latin typeface="Helvetica"/>
                           <a:cs typeface="Helvetica"/>
                         </a:rPr>
-                        <a:t> </a:t>
-                      </a:r>
-                      <a:r>
-                        <a:rPr lang="en-US" b="1" baseline="0" dirty="0" smtClean="0">
-                          <a:latin typeface="Helvetica"/>
-                          <a:cs typeface="Helvetica"/>
-                        </a:rPr>
-                        <a:t>(</a:t>
-                      </a:r>
-                      <a:r>
-                        <a:rPr lang="en-US" b="1" baseline="0" dirty="0" smtClean="0">
-                          <a:latin typeface="Helvetica"/>
-                          <a:cs typeface="Helvetica"/>
-                        </a:rPr>
-                        <a:t>.24)</a:t>
+                        <a:t> (.24)</a:t>
                       </a:r>
                       <a:endParaRPr lang="en-US" b="1" dirty="0">
                         <a:latin typeface="Helvetica"/>
@@ -9462,12 +9369,13 @@
                         <a:defRPr/>
                       </a:pPr>
                       <a:r>
-                        <a:rPr lang="en-US" b="0" dirty="0" smtClean="0">
+                        <a:rPr lang="en-US" b="0" baseline="0" dirty="0" smtClean="0">
                           <a:solidFill>
                             <a:srgbClr val="0000FF"/>
                           </a:solidFill>
                           <a:latin typeface="Helvetica"/>
                           <a:cs typeface="Helvetica"/>
+                          <a:sym typeface="Wingdings"/>
                         </a:rPr>
                         <a:t>M</a:t>
                       </a:r>
@@ -9478,27 +9386,32 @@
                           </a:solidFill>
                           <a:latin typeface="Helvetica"/>
                           <a:cs typeface="Helvetica"/>
+                          <a:sym typeface="Wingdings" panose="05000000000000000000" pitchFamily="2" charset="2"/>
                         </a:rPr>
-                        <a:t> </a:t>
+                        <a:t>M    </a:t>
                       </a:r>
                       <a:r>
-                        <a:rPr lang="en-US" b="0" baseline="0" dirty="0" smtClean="0">
+                        <a:rPr lang="el-GR" sz="3200" b="0" baseline="0" dirty="0" smtClean="0">
                           <a:solidFill>
-                            <a:srgbClr val="0000FF"/>
+                            <a:srgbClr val="0070C0"/>
                           </a:solidFill>
-                          <a:latin typeface="Helvetica"/>
-                          <a:cs typeface="Helvetica"/>
+                          <a:latin typeface="Times New Roman"/>
+                          <a:cs typeface="Times New Roman"/>
                           <a:sym typeface="Wingdings"/>
                         </a:rPr>
-                        <a:t> M2</a:t>
+                        <a:t>ζ</a:t>
                       </a:r>
-                      <a:endParaRPr lang="en-US" b="0" dirty="0" smtClean="0">
-                        <a:solidFill>
-                          <a:srgbClr val="0000FF"/>
-                        </a:solidFill>
-                        <a:latin typeface="Helvetica"/>
-                        <a:cs typeface="Helvetica"/>
-                      </a:endParaRPr>
+                      <a:r>
+                        <a:rPr lang="en-US" sz="3200" b="0" baseline="-25000" dirty="0" smtClean="0">
+                          <a:solidFill>
+                            <a:srgbClr val="0070C0"/>
+                          </a:solidFill>
+                          <a:latin typeface="Times New Roman"/>
+                          <a:cs typeface="Times New Roman"/>
+                          <a:sym typeface="Wingdings"/>
+                        </a:rPr>
+                        <a:t>y</a:t>
+                      </a:r>
                     </a:p>
                   </a:txBody>
                   <a:tcPr anchor="ctr"/>
@@ -9602,9 +9515,31 @@
                           <a:cs typeface="Helvetica"/>
                           <a:sym typeface="Wingdings"/>
                         </a:rPr>
-                        <a:t>M2</a:t>
+                        <a:t>M   </a:t>
                       </a:r>
-                      <a:endParaRPr lang="en-US" b="0" dirty="0" smtClean="0">
+                      <a:r>
+                        <a:rPr lang="el-GR" sz="3200" b="0" baseline="0" dirty="0" smtClean="0">
+                          <a:solidFill>
+                            <a:srgbClr val="0000FF"/>
+                          </a:solidFill>
+                          <a:latin typeface="Times New Roman"/>
+                          <a:cs typeface="Times New Roman"/>
+                          <a:sym typeface="Wingdings"/>
+                        </a:rPr>
+                        <a:t>γ</a:t>
+                      </a:r>
+                      <a:r>
+                        <a:rPr lang="en-US" sz="3200" b="0" baseline="-25000" dirty="0" smtClean="0">
+                          <a:solidFill>
+                            <a:srgbClr val="0000FF"/>
+                          </a:solidFill>
+                          <a:latin typeface="Times New Roman"/>
+                          <a:cs typeface="Times New Roman"/>
+                          <a:sym typeface="Wingdings"/>
+                        </a:rPr>
+                        <a:t>y</a:t>
+                      </a:r>
+                      <a:endParaRPr lang="en-US" sz="3200" b="0" dirty="0" smtClean="0">
                         <a:solidFill>
                           <a:srgbClr val="0000FF"/>
                         </a:solidFill>
@@ -9697,11 +9632,33 @@
                           <a:cs typeface="Helvetica"/>
                           <a:sym typeface="Wingdings"/>
                         </a:rPr>
-                        <a:t>F2</a:t>
+                        <a:t>F   </a:t>
                       </a:r>
-                      <a:endParaRPr lang="en-US" b="0" dirty="0">
+                      <a:r>
+                        <a:rPr lang="el-GR" sz="3200" b="0" baseline="0" dirty="0" smtClean="0">
+                          <a:solidFill>
+                            <a:srgbClr val="FF00FF"/>
+                          </a:solidFill>
+                          <a:latin typeface="Times New Roman"/>
+                          <a:cs typeface="Times New Roman"/>
+                          <a:sym typeface="Wingdings"/>
+                        </a:rPr>
+                        <a:t>γ</a:t>
+                      </a:r>
+                      <a:r>
+                        <a:rPr lang="en-US" sz="3200" b="0" baseline="-25000" dirty="0" smtClean="0">
+                          <a:solidFill>
+                            <a:srgbClr val="FF00FF"/>
+                          </a:solidFill>
+                          <a:latin typeface="Times New Roman"/>
+                          <a:cs typeface="Times New Roman"/>
+                          <a:sym typeface="Wingdings"/>
+                        </a:rPr>
+                        <a:t>x</a:t>
+                      </a:r>
+                      <a:endParaRPr lang="en-US" sz="3200" b="0" dirty="0">
                         <a:solidFill>
-                          <a:srgbClr val="E700B5"/>
+                          <a:srgbClr val="FF00FF"/>
                         </a:solidFill>
                         <a:latin typeface="Helvetica"/>
                         <a:cs typeface="Helvetica"/>
@@ -9785,7 +9742,7 @@
         </p:nvCxnSpPr>
         <p:spPr>
           <a:xfrm>
-            <a:off x="792416" y="4254808"/>
+            <a:off x="792416" y="4369108"/>
             <a:ext cx="7379381" cy="0"/>
           </a:xfrm>
           <a:prstGeom prst="line">
@@ -9820,8 +9777,8 @@
         </p:nvSpPr>
         <p:spPr>
           <a:xfrm>
-            <a:off x="792416" y="5525353"/>
-            <a:ext cx="6122234" cy="830997"/>
+            <a:off x="792416" y="5792053"/>
+            <a:ext cx="6122234" cy="338554"/>
           </a:xfrm>
           <a:prstGeom prst="rect">
             <a:avLst/>
@@ -9833,31 +9790,6 @@
             <a:spAutoFit/>
           </a:bodyPr>
           <a:lstStyle/>
-          <a:p>
-            <a:r>
-              <a:rPr lang="en-US" sz="1600" dirty="0" smtClean="0">
-                <a:latin typeface="Helvetica"/>
-                <a:cs typeface="Helvetica"/>
-              </a:rPr>
-              <a:t>1 = First Derivative</a:t>
-            </a:r>
-          </a:p>
-          <a:p>
-            <a:r>
-              <a:rPr lang="en-US" sz="1600" dirty="0" smtClean="0">
-                <a:latin typeface="Helvetica"/>
-                <a:cs typeface="Helvetica"/>
-              </a:rPr>
-              <a:t>2 = Second </a:t>
-            </a:r>
-            <a:r>
-              <a:rPr lang="en-US" sz="1600" dirty="0" smtClean="0">
-                <a:latin typeface="Helvetica"/>
-                <a:cs typeface="Helvetica"/>
-              </a:rPr>
-              <a:t>Derivative</a:t>
-            </a:r>
-          </a:p>
           <a:p>
             <a:r>
               <a:rPr lang="en-US" sz="1600" dirty="0" smtClean="0">
@@ -9923,7 +9855,7 @@
         </p:nvSpPr>
         <p:spPr>
           <a:xfrm>
-            <a:off x="3033560" y="2053489"/>
+            <a:off x="3020860" y="2040789"/>
             <a:ext cx="5138236" cy="562725"/>
           </a:xfrm>
           <a:prstGeom prst="rect">
@@ -9967,7 +9899,7 @@
         </p:nvSpPr>
         <p:spPr>
           <a:xfrm>
-            <a:off x="3033560" y="3144173"/>
+            <a:off x="3020860" y="3182273"/>
             <a:ext cx="5138236" cy="562725"/>
           </a:xfrm>
           <a:prstGeom prst="rect">
@@ -10016,7 +9948,7 @@
   <p:timing>
     <p:tnLst>
       <p:par>
-        <p:cTn xmlns:p14="http://schemas.microsoft.com/office/powerpoint/2010/main" id="1" dur="indefinite" restart="never" nodeType="tmRoot">
+        <p:cTn id="1" dur="indefinite" restart="never" nodeType="tmRoot">
           <p:childTnLst>
             <p:seq concurrent="1" nextAc="seek">
               <p:cTn id="2" dur="indefinite" nodeType="mainSeq">
@@ -10122,6 +10054,607 @@
 </p:sld>
 </file>
 
+<file path=ppt/slides/slide26.xml><?xml version="1.0" encoding="utf-8"?>
+<p:sld xmlns:a="http://schemas.openxmlformats.org/drawingml/2006/main" xmlns:r="http://schemas.openxmlformats.org/officeDocument/2006/relationships" xmlns:p="http://schemas.openxmlformats.org/presentationml/2006/main">
+  <p:cSld>
+    <p:spTree>
+      <p:nvGrpSpPr>
+        <p:cNvPr id="1" name=""/>
+        <p:cNvGrpSpPr/>
+        <p:nvPr/>
+      </p:nvGrpSpPr>
+      <p:grpSpPr>
+        <a:xfrm>
+          <a:off x="0" y="0"/>
+          <a:ext cx="0" cy="0"/>
+          <a:chOff x="0" y="0"/>
+          <a:chExt cx="0" cy="0"/>
+        </a:xfrm>
+      </p:grpSpPr>
+      <p:sp>
+        <p:nvSpPr>
+          <p:cNvPr id="2" name="Title 1"/>
+          <p:cNvSpPr>
+            <a:spLocks noGrp="1"/>
+          </p:cNvSpPr>
+          <p:nvPr>
+            <p:ph type="title"/>
+          </p:nvPr>
+        </p:nvSpPr>
+        <p:spPr/>
+        <p:txBody>
+          <a:bodyPr/>
+          <a:lstStyle/>
+          <a:p>
+            <a:r>
+              <a:rPr lang="en-US" dirty="0" smtClean="0"/>
+              <a:t>Model in Equation Form</a:t>
+            </a:r>
+            <a:endParaRPr lang="en-US" dirty="0"/>
+          </a:p>
+        </p:txBody>
+      </p:sp>
+      <p:sp>
+        <p:nvSpPr>
+          <p:cNvPr id="3" name="Slide Number Placeholder 2"/>
+          <p:cNvSpPr>
+            <a:spLocks noGrp="1"/>
+          </p:cNvSpPr>
+          <p:nvPr>
+            <p:ph type="sldNum" sz="quarter" idx="12"/>
+          </p:nvPr>
+        </p:nvSpPr>
+        <p:spPr/>
+        <p:txBody>
+          <a:bodyPr/>
+          <a:lstStyle/>
+          <a:p>
+            <a:fld id="{930465AD-53DA-D841-AEBD-0BDBF8BCBA90}" type="slidenum">
+              <a:rPr lang="en-US" smtClean="0"/>
+              <a:t>26</a:t>
+            </a:fld>
+            <a:endParaRPr lang="en-US"/>
+          </a:p>
+        </p:txBody>
+      </p:sp>
+      <p:sp>
+        <p:nvSpPr>
+          <p:cNvPr id="4" name="TextBox 3"/>
+          <p:cNvSpPr txBox="1"/>
+          <p:nvPr/>
+        </p:nvSpPr>
+        <p:spPr>
+          <a:xfrm>
+            <a:off x="1447800" y="1943100"/>
+            <a:ext cx="1043876" cy="584775"/>
+          </a:xfrm>
+          <a:prstGeom prst="rect">
+            <a:avLst/>
+          </a:prstGeom>
+          <a:noFill/>
+        </p:spPr>
+        <p:txBody>
+          <a:bodyPr wrap="none" rtlCol="0">
+            <a:spAutoFit/>
+          </a:bodyPr>
+          <a:lstStyle/>
+          <a:p>
+            <a:r>
+              <a:rPr lang="en-US" sz="3200" b="1" dirty="0" smtClean="0"/>
+              <a:t>-1.53</a:t>
+            </a:r>
+            <a:endParaRPr lang="en-US" sz="3200" b="1" dirty="0"/>
+          </a:p>
+        </p:txBody>
+      </p:sp>
+      <p:sp>
+        <p:nvSpPr>
+          <p:cNvPr id="6" name="TextBox 5"/>
+          <p:cNvSpPr txBox="1"/>
+          <p:nvPr/>
+        </p:nvSpPr>
+        <p:spPr>
+          <a:xfrm>
+            <a:off x="1485900" y="3860800"/>
+            <a:ext cx="1043876" cy="584775"/>
+          </a:xfrm>
+          <a:prstGeom prst="rect">
+            <a:avLst/>
+          </a:prstGeom>
+          <a:noFill/>
+        </p:spPr>
+        <p:txBody>
+          <a:bodyPr wrap="none" rtlCol="0">
+            <a:spAutoFit/>
+          </a:bodyPr>
+          <a:lstStyle/>
+          <a:p>
+            <a:r>
+              <a:rPr lang="en-US" sz="3200" b="1" dirty="0" smtClean="0"/>
+              <a:t>-0.77</a:t>
+            </a:r>
+            <a:endParaRPr lang="en-US" sz="3200" b="1" dirty="0"/>
+          </a:p>
+        </p:txBody>
+      </p:sp>
+      <p:sp>
+        <p:nvSpPr>
+          <p:cNvPr id="7" name="TextBox 6"/>
+          <p:cNvSpPr txBox="1"/>
+          <p:nvPr/>
+        </p:nvSpPr>
+        <p:spPr>
+          <a:xfrm>
+            <a:off x="2984499" y="1943100"/>
+            <a:ext cx="710451" cy="584775"/>
+          </a:xfrm>
+          <a:prstGeom prst="rect">
+            <a:avLst/>
+          </a:prstGeom>
+          <a:noFill/>
+        </p:spPr>
+        <p:txBody>
+          <a:bodyPr wrap="none" rtlCol="0">
+            <a:spAutoFit/>
+          </a:bodyPr>
+          <a:lstStyle/>
+          <a:p>
+            <a:r>
+              <a:rPr lang="en-US" sz="3200" b="1" dirty="0" smtClean="0"/>
+              <a:t>0.0</a:t>
+            </a:r>
+            <a:endParaRPr lang="en-US" sz="3200" b="1" dirty="0"/>
+          </a:p>
+        </p:txBody>
+      </p:sp>
+      <p:sp>
+        <p:nvSpPr>
+          <p:cNvPr id="8" name="TextBox 7"/>
+          <p:cNvSpPr txBox="1"/>
+          <p:nvPr/>
+        </p:nvSpPr>
+        <p:spPr>
+          <a:xfrm>
+            <a:off x="3022600" y="3873500"/>
+            <a:ext cx="710451" cy="584775"/>
+          </a:xfrm>
+          <a:prstGeom prst="rect">
+            <a:avLst/>
+          </a:prstGeom>
+          <a:noFill/>
+        </p:spPr>
+        <p:txBody>
+          <a:bodyPr wrap="none" rtlCol="0">
+            <a:spAutoFit/>
+          </a:bodyPr>
+          <a:lstStyle/>
+          <a:p>
+            <a:r>
+              <a:rPr lang="en-US" sz="3200" b="1" dirty="0" smtClean="0"/>
+              <a:t>0.0</a:t>
+            </a:r>
+            <a:endParaRPr lang="en-US" sz="3200" b="1" dirty="0"/>
+          </a:p>
+        </p:txBody>
+      </p:sp>
+      <p:sp>
+        <p:nvSpPr>
+          <p:cNvPr id="9" name="TextBox 8"/>
+          <p:cNvSpPr txBox="1"/>
+          <p:nvPr/>
+        </p:nvSpPr>
+        <p:spPr>
+          <a:xfrm>
+            <a:off x="4178299" y="1943100"/>
+            <a:ext cx="1043876" cy="584775"/>
+          </a:xfrm>
+          <a:prstGeom prst="rect">
+            <a:avLst/>
+          </a:prstGeom>
+          <a:noFill/>
+        </p:spPr>
+        <p:txBody>
+          <a:bodyPr wrap="none" rtlCol="0">
+            <a:spAutoFit/>
+          </a:bodyPr>
+          <a:lstStyle/>
+          <a:p>
+            <a:r>
+              <a:rPr lang="en-US" sz="3200" b="1" dirty="0"/>
+              <a:t>-</a:t>
+            </a:r>
+            <a:r>
+              <a:rPr lang="en-US" sz="3200" b="1" dirty="0" smtClean="0"/>
+              <a:t>0.29</a:t>
+            </a:r>
+            <a:endParaRPr lang="en-US" sz="3200" b="1" dirty="0"/>
+          </a:p>
+        </p:txBody>
+      </p:sp>
+      <p:sp>
+        <p:nvSpPr>
+          <p:cNvPr id="10" name="TextBox 9"/>
+          <p:cNvSpPr txBox="1"/>
+          <p:nvPr/>
+        </p:nvSpPr>
+        <p:spPr>
+          <a:xfrm>
+            <a:off x="4216399" y="3860799"/>
+            <a:ext cx="1043876" cy="584775"/>
+          </a:xfrm>
+          <a:prstGeom prst="rect">
+            <a:avLst/>
+          </a:prstGeom>
+          <a:noFill/>
+        </p:spPr>
+        <p:txBody>
+          <a:bodyPr wrap="none" rtlCol="0">
+            <a:spAutoFit/>
+          </a:bodyPr>
+          <a:lstStyle/>
+          <a:p>
+            <a:r>
+              <a:rPr lang="en-US" sz="3200" b="1" dirty="0"/>
+              <a:t>-</a:t>
+            </a:r>
+            <a:r>
+              <a:rPr lang="en-US" sz="3200" b="1" dirty="0" smtClean="0"/>
+              <a:t>0.09</a:t>
+            </a:r>
+            <a:endParaRPr lang="en-US" sz="3200" b="1" dirty="0"/>
+          </a:p>
+        </p:txBody>
+      </p:sp>
+      <p:pic>
+        <p:nvPicPr>
+          <p:cNvPr id="9219" name="Picture 3"/>
+          <p:cNvPicPr>
+            <a:picLocks noChangeAspect="1" noChangeArrowheads="1"/>
+          </p:cNvPicPr>
+          <p:nvPr/>
+        </p:nvPicPr>
+        <p:blipFill>
+          <a:blip r:embed="rId2">
+            <a:extLst>
+              <a:ext uri="{28A0092B-C50C-407E-A947-70E740481C1C}">
+                <a14:useLocalDpi xmlns:a14="http://schemas.microsoft.com/office/drawing/2010/main" val="0"/>
+              </a:ext>
+            </a:extLst>
+          </a:blip>
+          <a:srcRect/>
+          <a:stretch>
+            <a:fillRect/>
+          </a:stretch>
+        </p:blipFill>
+        <p:spPr bwMode="auto">
+          <a:xfrm>
+            <a:off x="34925" y="2514600"/>
+            <a:ext cx="8667750" cy="1419225"/>
+          </a:xfrm>
+          <a:prstGeom prst="rect">
+            <a:avLst/>
+          </a:prstGeom>
+          <a:noFill/>
+          <a:ln>
+            <a:noFill/>
+          </a:ln>
+          <a:extLst>
+            <a:ext uri="{909E8E84-426E-40DD-AFC4-6F175D3DCCD1}">
+              <a14:hiddenFill xmlns:a14="http://schemas.microsoft.com/office/drawing/2010/main">
+                <a:solidFill>
+                  <a:schemeClr val="accent1"/>
+                </a:solidFill>
+              </a14:hiddenFill>
+            </a:ext>
+            <a:ext uri="{91240B29-F687-4F45-9708-019B960494DF}">
+              <a14:hiddenLine xmlns:a14="http://schemas.microsoft.com/office/drawing/2010/main" w="9525">
+                <a:solidFill>
+                  <a:schemeClr val="tx1"/>
+                </a:solidFill>
+                <a:miter lim="800000"/>
+                <a:headEnd/>
+                <a:tailEnd/>
+              </a14:hiddenLine>
+            </a:ext>
+          </a:extLst>
+        </p:spPr>
+      </p:pic>
+      <p:sp>
+        <p:nvSpPr>
+          <p:cNvPr id="5" name="Rectangle 4"/>
+          <p:cNvSpPr/>
+          <p:nvPr/>
+        </p:nvSpPr>
+        <p:spPr>
+          <a:xfrm>
+            <a:off x="1727200" y="2768600"/>
+            <a:ext cx="558800" cy="330200"/>
+          </a:xfrm>
+          <a:prstGeom prst="rect">
+            <a:avLst/>
+          </a:prstGeom>
+          <a:noFill/>
+          <a:ln w="38100">
+            <a:solidFill>
+              <a:schemeClr val="accent6">
+                <a:lumMod val="50000"/>
+              </a:schemeClr>
+            </a:solidFill>
+          </a:ln>
+        </p:spPr>
+        <p:style>
+          <a:lnRef idx="1">
+            <a:schemeClr val="accent1"/>
+          </a:lnRef>
+          <a:fillRef idx="3">
+            <a:schemeClr val="accent1"/>
+          </a:fillRef>
+          <a:effectRef idx="2">
+            <a:schemeClr val="accent1"/>
+          </a:effectRef>
+          <a:fontRef idx="minor">
+            <a:schemeClr val="lt1"/>
+          </a:fontRef>
+        </p:style>
+        <p:txBody>
+          <a:bodyPr rtlCol="0" anchor="ctr"/>
+          <a:lstStyle/>
+          <a:p>
+            <a:pPr algn="ctr"/>
+            <a:endParaRPr lang="en-US"/>
+          </a:p>
+        </p:txBody>
+      </p:sp>
+      <p:sp>
+        <p:nvSpPr>
+          <p:cNvPr id="13" name="Rectangle 12"/>
+          <p:cNvSpPr/>
+          <p:nvPr/>
+        </p:nvSpPr>
+        <p:spPr>
+          <a:xfrm>
+            <a:off x="1701800" y="3340100"/>
+            <a:ext cx="558800" cy="330200"/>
+          </a:xfrm>
+          <a:prstGeom prst="rect">
+            <a:avLst/>
+          </a:prstGeom>
+          <a:noFill/>
+          <a:ln w="38100">
+            <a:solidFill>
+              <a:schemeClr val="accent6">
+                <a:lumMod val="50000"/>
+              </a:schemeClr>
+            </a:solidFill>
+          </a:ln>
+        </p:spPr>
+        <p:style>
+          <a:lnRef idx="1">
+            <a:schemeClr val="accent1"/>
+          </a:lnRef>
+          <a:fillRef idx="3">
+            <a:schemeClr val="accent1"/>
+          </a:fillRef>
+          <a:effectRef idx="2">
+            <a:schemeClr val="accent1"/>
+          </a:effectRef>
+          <a:fontRef idx="minor">
+            <a:schemeClr val="lt1"/>
+          </a:fontRef>
+        </p:style>
+        <p:txBody>
+          <a:bodyPr rtlCol="0" anchor="ctr"/>
+          <a:lstStyle/>
+          <a:p>
+            <a:pPr algn="ctr"/>
+            <a:endParaRPr lang="en-US"/>
+          </a:p>
+        </p:txBody>
+      </p:sp>
+      <p:sp>
+        <p:nvSpPr>
+          <p:cNvPr id="14" name="Rectangle 13"/>
+          <p:cNvSpPr/>
+          <p:nvPr/>
+        </p:nvSpPr>
+        <p:spPr>
+          <a:xfrm>
+            <a:off x="3073024" y="2755900"/>
+            <a:ext cx="558800" cy="330200"/>
+          </a:xfrm>
+          <a:prstGeom prst="rect">
+            <a:avLst/>
+          </a:prstGeom>
+          <a:noFill/>
+          <a:ln w="38100">
+            <a:solidFill>
+              <a:schemeClr val="accent6">
+                <a:lumMod val="50000"/>
+              </a:schemeClr>
+            </a:solidFill>
+          </a:ln>
+        </p:spPr>
+        <p:style>
+          <a:lnRef idx="1">
+            <a:schemeClr val="accent1"/>
+          </a:lnRef>
+          <a:fillRef idx="3">
+            <a:schemeClr val="accent1"/>
+          </a:fillRef>
+          <a:effectRef idx="2">
+            <a:schemeClr val="accent1"/>
+          </a:effectRef>
+          <a:fontRef idx="minor">
+            <a:schemeClr val="lt1"/>
+          </a:fontRef>
+        </p:style>
+        <p:txBody>
+          <a:bodyPr rtlCol="0" anchor="ctr"/>
+          <a:lstStyle/>
+          <a:p>
+            <a:pPr algn="ctr"/>
+            <a:endParaRPr lang="en-US"/>
+          </a:p>
+        </p:txBody>
+      </p:sp>
+      <p:sp>
+        <p:nvSpPr>
+          <p:cNvPr id="15" name="Rectangle 14"/>
+          <p:cNvSpPr/>
+          <p:nvPr/>
+        </p:nvSpPr>
+        <p:spPr>
+          <a:xfrm>
+            <a:off x="3047624" y="3302000"/>
+            <a:ext cx="558800" cy="330200"/>
+          </a:xfrm>
+          <a:prstGeom prst="rect">
+            <a:avLst/>
+          </a:prstGeom>
+          <a:noFill/>
+          <a:ln w="38100">
+            <a:solidFill>
+              <a:schemeClr val="accent6">
+                <a:lumMod val="50000"/>
+              </a:schemeClr>
+            </a:solidFill>
+          </a:ln>
+        </p:spPr>
+        <p:style>
+          <a:lnRef idx="1">
+            <a:schemeClr val="accent1"/>
+          </a:lnRef>
+          <a:fillRef idx="3">
+            <a:schemeClr val="accent1"/>
+          </a:fillRef>
+          <a:effectRef idx="2">
+            <a:schemeClr val="accent1"/>
+          </a:effectRef>
+          <a:fontRef idx="minor">
+            <a:schemeClr val="lt1"/>
+          </a:fontRef>
+        </p:style>
+        <p:txBody>
+          <a:bodyPr rtlCol="0" anchor="ctr"/>
+          <a:lstStyle/>
+          <a:p>
+            <a:pPr algn="ctr"/>
+            <a:endParaRPr lang="en-US"/>
+          </a:p>
+        </p:txBody>
+      </p:sp>
+      <p:sp>
+        <p:nvSpPr>
+          <p:cNvPr id="16" name="Rectangle 15"/>
+          <p:cNvSpPr/>
+          <p:nvPr/>
+        </p:nvSpPr>
+        <p:spPr>
+          <a:xfrm>
+            <a:off x="4497037" y="2755900"/>
+            <a:ext cx="558800" cy="330200"/>
+          </a:xfrm>
+          <a:prstGeom prst="rect">
+            <a:avLst/>
+          </a:prstGeom>
+          <a:noFill/>
+          <a:ln w="38100">
+            <a:solidFill>
+              <a:schemeClr val="accent6">
+                <a:lumMod val="50000"/>
+              </a:schemeClr>
+            </a:solidFill>
+          </a:ln>
+        </p:spPr>
+        <p:style>
+          <a:lnRef idx="1">
+            <a:schemeClr val="accent1"/>
+          </a:lnRef>
+          <a:fillRef idx="3">
+            <a:schemeClr val="accent1"/>
+          </a:fillRef>
+          <a:effectRef idx="2">
+            <a:schemeClr val="accent1"/>
+          </a:effectRef>
+          <a:fontRef idx="minor">
+            <a:schemeClr val="lt1"/>
+          </a:fontRef>
+        </p:style>
+        <p:txBody>
+          <a:bodyPr rtlCol="0" anchor="ctr"/>
+          <a:lstStyle/>
+          <a:p>
+            <a:pPr algn="ctr"/>
+            <a:endParaRPr lang="en-US"/>
+          </a:p>
+        </p:txBody>
+      </p:sp>
+      <p:sp>
+        <p:nvSpPr>
+          <p:cNvPr id="17" name="Rectangle 16"/>
+          <p:cNvSpPr/>
+          <p:nvPr/>
+        </p:nvSpPr>
+        <p:spPr>
+          <a:xfrm>
+            <a:off x="4408137" y="3327400"/>
+            <a:ext cx="558800" cy="330200"/>
+          </a:xfrm>
+          <a:prstGeom prst="rect">
+            <a:avLst/>
+          </a:prstGeom>
+          <a:noFill/>
+          <a:ln w="38100">
+            <a:solidFill>
+              <a:schemeClr val="accent6">
+                <a:lumMod val="50000"/>
+              </a:schemeClr>
+            </a:solidFill>
+          </a:ln>
+        </p:spPr>
+        <p:style>
+          <a:lnRef idx="1">
+            <a:schemeClr val="accent1"/>
+          </a:lnRef>
+          <a:fillRef idx="3">
+            <a:schemeClr val="accent1"/>
+          </a:fillRef>
+          <a:effectRef idx="2">
+            <a:schemeClr val="accent1"/>
+          </a:effectRef>
+          <a:fontRef idx="minor">
+            <a:schemeClr val="lt1"/>
+          </a:fontRef>
+        </p:style>
+        <p:txBody>
+          <a:bodyPr rtlCol="0" anchor="ctr"/>
+          <a:lstStyle/>
+          <a:p>
+            <a:pPr algn="ctr"/>
+            <a:endParaRPr lang="en-US"/>
+          </a:p>
+        </p:txBody>
+      </p:sp>
+    </p:spTree>
+    <p:extLst>
+      <p:ext uri="{BB962C8B-B14F-4D97-AF65-F5344CB8AC3E}">
+        <p14:creationId xmlns:p14="http://schemas.microsoft.com/office/powerpoint/2010/main" val="1819166083"/>
+      </p:ext>
+    </p:extLst>
+  </p:cSld>
+  <p:clrMapOvr>
+    <a:masterClrMapping/>
+  </p:clrMapOvr>
+  <p:timing>
+    <p:tnLst>
+      <p:par>
+        <p:cTn id="1" dur="indefinite" restart="never" nodeType="tmRoot"/>
+      </p:par>
+    </p:tnLst>
+  </p:timing>
+</p:sld>
+</file>
+
 <file path=ppt/slides/slide27.xml><?xml version="1.0" encoding="utf-8"?>
 <p:sld xmlns:a="http://schemas.openxmlformats.org/drawingml/2006/main" xmlns:r="http://schemas.openxmlformats.org/officeDocument/2006/relationships" xmlns:p="http://schemas.openxmlformats.org/presentationml/2006/main">
   <p:cSld>
@@ -10149,7 +10682,156 @@
             <p:ph type="title"/>
           </p:nvPr>
         </p:nvSpPr>
+        <p:spPr>
+          <a:xfrm>
+            <a:off x="457200" y="274638"/>
+            <a:ext cx="8229600" cy="703262"/>
+          </a:xfrm>
+        </p:spPr>
+        <p:txBody>
+          <a:bodyPr>
+            <a:normAutofit fontScale="90000"/>
+          </a:bodyPr>
+          <a:lstStyle/>
+          <a:p>
+            <a:r>
+              <a:rPr lang="en-US" dirty="0" smtClean="0"/>
+              <a:t>As SEM Structural Model</a:t>
+            </a:r>
+            <a:endParaRPr lang="en-US" dirty="0"/>
+          </a:p>
+        </p:txBody>
+      </p:sp>
+      <p:sp>
+        <p:nvSpPr>
+          <p:cNvPr id="3" name="Slide Number Placeholder 2"/>
+          <p:cNvSpPr>
+            <a:spLocks noGrp="1"/>
+          </p:cNvSpPr>
+          <p:nvPr>
+            <p:ph type="sldNum" sz="quarter" idx="12"/>
+          </p:nvPr>
+        </p:nvSpPr>
         <p:spPr/>
+        <p:txBody>
+          <a:bodyPr/>
+          <a:lstStyle/>
+          <a:p>
+            <a:fld id="{930465AD-53DA-D841-AEBD-0BDBF8BCBA90}" type="slidenum">
+              <a:rPr lang="en-US" smtClean="0"/>
+              <a:t>27</a:t>
+            </a:fld>
+            <a:endParaRPr lang="en-US"/>
+          </a:p>
+        </p:txBody>
+      </p:sp>
+      <p:pic>
+        <p:nvPicPr>
+          <p:cNvPr id="8195" name="Picture 3"/>
+          <p:cNvPicPr>
+            <a:picLocks noChangeAspect="1" noChangeArrowheads="1"/>
+          </p:cNvPicPr>
+          <p:nvPr/>
+        </p:nvPicPr>
+        <p:blipFill>
+          <a:blip r:embed="rId2">
+            <a:extLst>
+              <a:ext uri="{28A0092B-C50C-407E-A947-70E740481C1C}">
+                <a14:useLocalDpi xmlns:a14="http://schemas.microsoft.com/office/drawing/2010/main" val="0"/>
+              </a:ext>
+            </a:extLst>
+          </a:blip>
+          <a:srcRect/>
+          <a:stretch>
+            <a:fillRect/>
+          </a:stretch>
+        </p:blipFill>
+        <p:spPr bwMode="auto">
+          <a:xfrm>
+            <a:off x="2263775" y="1419225"/>
+            <a:ext cx="4133850" cy="5114925"/>
+          </a:xfrm>
+          <a:prstGeom prst="rect">
+            <a:avLst/>
+          </a:prstGeom>
+          <a:noFill/>
+          <a:ln>
+            <a:noFill/>
+          </a:ln>
+          <a:extLst>
+            <a:ext uri="{909E8E84-426E-40DD-AFC4-6F175D3DCCD1}">
+              <a14:hiddenFill xmlns:a14="http://schemas.microsoft.com/office/drawing/2010/main">
+                <a:solidFill>
+                  <a:schemeClr val="accent1"/>
+                </a:solidFill>
+              </a14:hiddenFill>
+            </a:ext>
+            <a:ext uri="{91240B29-F687-4F45-9708-019B960494DF}">
+              <a14:hiddenLine xmlns:a14="http://schemas.microsoft.com/office/drawing/2010/main" w="9525">
+                <a:solidFill>
+                  <a:schemeClr val="tx1"/>
+                </a:solidFill>
+                <a:miter lim="800000"/>
+                <a:headEnd/>
+                <a:tailEnd/>
+              </a14:hiddenLine>
+            </a:ext>
+          </a:extLst>
+        </p:spPr>
+      </p:pic>
+    </p:spTree>
+    <p:extLst>
+      <p:ext uri="{BB962C8B-B14F-4D97-AF65-F5344CB8AC3E}">
+        <p14:creationId xmlns:p14="http://schemas.microsoft.com/office/powerpoint/2010/main" val="2063050956"/>
+      </p:ext>
+    </p:extLst>
+  </p:cSld>
+  <p:clrMapOvr>
+    <a:masterClrMapping/>
+  </p:clrMapOvr>
+  <p:timing>
+    <p:tnLst>
+      <p:par>
+        <p:cTn id="1" dur="indefinite" restart="never" nodeType="tmRoot"/>
+      </p:par>
+    </p:tnLst>
+  </p:timing>
+</p:sld>
+</file>
+
+<file path=ppt/slides/slide28.xml><?xml version="1.0" encoding="utf-8"?>
+<p:sld xmlns:a="http://schemas.openxmlformats.org/drawingml/2006/main" xmlns:r="http://schemas.openxmlformats.org/officeDocument/2006/relationships" xmlns:p="http://schemas.openxmlformats.org/presentationml/2006/main">
+  <p:cSld>
+    <p:spTree>
+      <p:nvGrpSpPr>
+        <p:cNvPr id="1" name=""/>
+        <p:cNvGrpSpPr/>
+        <p:nvPr/>
+      </p:nvGrpSpPr>
+      <p:grpSpPr>
+        <a:xfrm>
+          <a:off x="0" y="0"/>
+          <a:ext cx="0" cy="0"/>
+          <a:chOff x="0" y="0"/>
+          <a:chExt cx="0" cy="0"/>
+        </a:xfrm>
+      </p:grpSpPr>
+      <p:sp>
+        <p:nvSpPr>
+          <p:cNvPr id="2" name="Title 1"/>
+          <p:cNvSpPr>
+            <a:spLocks noGrp="1"/>
+          </p:cNvSpPr>
+          <p:nvPr>
+            <p:ph type="title"/>
+          </p:nvPr>
+        </p:nvSpPr>
+        <p:spPr>
+          <a:xfrm>
+            <a:off x="457200" y="274638"/>
+            <a:ext cx="8229600" cy="842962"/>
+          </a:xfrm>
+        </p:spPr>
         <p:txBody>
           <a:bodyPr/>
           <a:lstStyle/>
@@ -10191,11 +10873,28 @@
             </a:r>
           </a:p>
           <a:p>
+            <a:endParaRPr lang="en-US" sz="800" dirty="0" smtClean="0"/>
+          </a:p>
+          <a:p>
             <a:pPr lvl="1"/>
             <a:r>
               <a:rPr lang="en-US" dirty="0" smtClean="0"/>
-              <a:t>For both partners, the higher one’s RSA relative to baseline, the RSA slows down (lower ‘velocity’) </a:t>
-            </a:r>
+              <a:t>For both partners, the higher one’s RSA relative to baseline, the RSA slows down (lower ‘velocity</a:t>
+            </a:r>
+            <a:r>
+              <a:rPr lang="en-US" dirty="0" smtClean="0"/>
+              <a:t>’)</a:t>
+            </a:r>
+          </a:p>
+          <a:p>
+            <a:pPr marL="457200" lvl="1" indent="0">
+              <a:buNone/>
+            </a:pPr>
+            <a:r>
+              <a:rPr lang="en-US" sz="800" dirty="0" smtClean="0"/>
+              <a:t> </a:t>
+            </a:r>
+            <a:endParaRPr lang="en-US" sz="800" dirty="0" smtClean="0"/>
           </a:p>
           <a:p>
             <a:r>
@@ -10232,7 +10931,7 @@
           <a:p>
             <a:fld id="{930465AD-53DA-D841-AEBD-0BDBF8BCBA90}" type="slidenum">
               <a:rPr lang="en-US" smtClean="0"/>
-              <a:t>27</a:t>
+              <a:t>28</a:t>
             </a:fld>
             <a:endParaRPr lang="en-US"/>
           </a:p>
@@ -10251,7 +10950,7 @@
   <p:timing>
     <p:tnLst>
       <p:par>
-        <p:cTn xmlns:p14="http://schemas.microsoft.com/office/powerpoint/2010/main" id="1" dur="indefinite" restart="never" nodeType="tmRoot">
+        <p:cTn id="1" dur="indefinite" restart="never" nodeType="tmRoot">
           <p:childTnLst>
             <p:seq concurrent="1" nextAc="seek">
               <p:cTn id="2" dur="indefinite" nodeType="mainSeq">
@@ -10333,7 +11032,7 @@
                                         <p:tgtEl>
                                           <p:spTgt spid="3">
                                             <p:txEl>
-                                              <p:pRg st="1" end="1"/>
+                                              <p:pRg st="2" end="2"/>
                                             </p:txEl>
                                           </p:spTgt>
                                         </p:tgtEl>
@@ -10382,7 +11081,56 @@
                                         <p:tgtEl>
                                           <p:spTgt spid="3">
                                             <p:txEl>
-                                              <p:pRg st="2" end="2"/>
+                                              <p:pRg st="3" end="3"/>
+                                            </p:txEl>
+                                          </p:spTgt>
+                                        </p:tgtEl>
+                                        <p:attrNameLst>
+                                          <p:attrName>style.visibility</p:attrName>
+                                        </p:attrNameLst>
+                                      </p:cBhvr>
+                                      <p:to>
+                                        <p:strVal val="visible"/>
+                                      </p:to>
+                                    </p:set>
+                                  </p:childTnLst>
+                                </p:cTn>
+                              </p:par>
+                            </p:childTnLst>
+                          </p:cTn>
+                        </p:par>
+                      </p:childTnLst>
+                    </p:cTn>
+                  </p:par>
+                  <p:par>
+                    <p:cTn id="15" fill="hold">
+                      <p:stCondLst>
+                        <p:cond delay="indefinite"/>
+                      </p:stCondLst>
+                      <p:childTnLst>
+                        <p:par>
+                          <p:cTn id="16" fill="hold">
+                            <p:stCondLst>
+                              <p:cond delay="0"/>
+                            </p:stCondLst>
+                            <p:childTnLst>
+                              <p:par>
+                                <p:cTn id="17" presetID="1" presetClass="entr" presetSubtype="0" fill="hold" grpId="0" nodeType="clickEffect">
+                                  <p:stCondLst>
+                                    <p:cond delay="0"/>
+                                  </p:stCondLst>
+                                  <p:childTnLst>
+                                    <p:set>
+                                      <p:cBhvr>
+                                        <p:cTn id="18" dur="1" fill="hold">
+                                          <p:stCondLst>
+                                            <p:cond delay="0"/>
+                                          </p:stCondLst>
+                                        </p:cTn>
+                                        <p:tgtEl>
+                                          <p:spTgt spid="3">
+                                            <p:txEl>
+                                              <p:pRg st="4" end="4"/>
                                             </p:txEl>
                                           </p:spTgt>
                                         </p:tgtEl>
@@ -10431,7 +11179,7 @@
 </p:sld>
 </file>
 
-<file path=ppt/slides/slide28.xml><?xml version="1.0" encoding="utf-8"?>
+<file path=ppt/slides/slide29.xml><?xml version="1.0" encoding="utf-8"?>
 <p:sld xmlns:a="http://schemas.openxmlformats.org/drawingml/2006/main" xmlns:r="http://schemas.openxmlformats.org/officeDocument/2006/relationships" xmlns:p="http://schemas.openxmlformats.org/presentationml/2006/main">
   <p:cSld>
     <p:spTree>
@@ -10465,7 +11213,7 @@
           <a:p>
             <a:fld id="{930465AD-53DA-D841-AEBD-0BDBF8BCBA90}" type="slidenum">
               <a:rPr lang="en-US" smtClean="0"/>
-              <a:t>28</a:t>
+              <a:t>29</a:t>
             </a:fld>
             <a:endParaRPr lang="en-US"/>
           </a:p>
@@ -10575,158 +11323,7 @@
   <p:timing>
     <p:tnLst>
       <p:par>
-        <p:cTn xmlns:p14="http://schemas.microsoft.com/office/powerpoint/2010/main" id="1" dur="indefinite" restart="never" nodeType="tmRoot"/>
-      </p:par>
-    </p:tnLst>
-  </p:timing>
-</p:sld>
-</file>
-
-<file path=ppt/slides/slide29.xml><?xml version="1.0" encoding="utf-8"?>
-<p:sld xmlns:a="http://schemas.openxmlformats.org/drawingml/2006/main" xmlns:r="http://schemas.openxmlformats.org/officeDocument/2006/relationships" xmlns:p="http://schemas.openxmlformats.org/presentationml/2006/main">
-  <p:cSld>
-    <p:spTree>
-      <p:nvGrpSpPr>
-        <p:cNvPr id="1" name=""/>
-        <p:cNvGrpSpPr/>
-        <p:nvPr/>
-      </p:nvGrpSpPr>
-      <p:grpSpPr>
-        <a:xfrm>
-          <a:off x="0" y="0"/>
-          <a:ext cx="0" cy="0"/>
-          <a:chOff x="0" y="0"/>
-          <a:chExt cx="0" cy="0"/>
-        </a:xfrm>
-      </p:grpSpPr>
-      <p:sp>
-        <p:nvSpPr>
-          <p:cNvPr id="3" name="Slide Number Placeholder 2"/>
-          <p:cNvSpPr>
-            <a:spLocks noGrp="1"/>
-          </p:cNvSpPr>
-          <p:nvPr>
-            <p:ph type="sldNum" sz="quarter" idx="12"/>
-          </p:nvPr>
-        </p:nvSpPr>
-        <p:spPr/>
-        <p:txBody>
-          <a:bodyPr/>
-          <a:lstStyle/>
-          <a:p>
-            <a:fld id="{930465AD-53DA-D841-AEBD-0BDBF8BCBA90}" type="slidenum">
-              <a:rPr lang="en-US" smtClean="0"/>
-              <a:t>29</a:t>
-            </a:fld>
-            <a:endParaRPr lang="en-US"/>
-          </a:p>
-        </p:txBody>
-      </p:sp>
-      <p:sp>
-        <p:nvSpPr>
-          <p:cNvPr id="2" name="Title 1"/>
-          <p:cNvSpPr>
-            <a:spLocks noGrp="1"/>
-          </p:cNvSpPr>
-          <p:nvPr>
-            <p:ph type="title"/>
-          </p:nvPr>
-        </p:nvSpPr>
-        <p:spPr>
-          <a:xfrm>
-            <a:off x="457200" y="274638"/>
-            <a:ext cx="8229600" cy="960437"/>
-          </a:xfrm>
-          <a:ln w="28575" cmpd="sng">
-            <a:noFill/>
-          </a:ln>
-        </p:spPr>
-        <p:txBody>
-          <a:bodyPr>
-            <a:noAutofit/>
-          </a:bodyPr>
-          <a:lstStyle/>
-          <a:p>
-            <a:r>
-              <a:rPr lang="en-US" sz="3200" dirty="0" smtClean="0"/>
-              <a:t>Model Fit: Female Provide/Male Receive</a:t>
-            </a:r>
-            <a:endParaRPr lang="en-US" sz="3200" dirty="0"/>
-          </a:p>
-        </p:txBody>
-      </p:sp>
-      <p:pic>
-        <p:nvPicPr>
-          <p:cNvPr id="6" name="Picture 5" descr="predictionplot_malereceive_malepartner_lines.pdf"/>
-          <p:cNvPicPr>
-            <a:picLocks noChangeAspect="1"/>
-          </p:cNvPicPr>
-          <p:nvPr/>
-        </p:nvPicPr>
-        <p:blipFill rotWithShape="1">
-          <a:blip r:embed="rId2">
-            <a:extLst>
-              <a:ext uri="{28A0092B-C50C-407E-A947-70E740481C1C}">
-                <a14:useLocalDpi xmlns:a14="http://schemas.microsoft.com/office/drawing/2010/main" val="0"/>
-              </a:ext>
-            </a:extLst>
-          </a:blip>
-          <a:srcRect t="6819"/>
-          <a:stretch/>
-        </p:blipFill>
-        <p:spPr>
-          <a:xfrm>
-            <a:off x="4531035" y="1406417"/>
-            <a:ext cx="4572000" cy="5112247"/>
-          </a:xfrm>
-          <a:prstGeom prst="rect">
-            <a:avLst/>
-          </a:prstGeom>
-        </p:spPr>
-      </p:pic>
-      <p:pic>
-        <p:nvPicPr>
-          <p:cNvPr id="7" name="Picture 6" descr="predictionplot_malereceive_femalepartner_lines.pdf"/>
-          <p:cNvPicPr>
-            <a:picLocks noChangeAspect="1"/>
-          </p:cNvPicPr>
-          <p:nvPr/>
-        </p:nvPicPr>
-        <p:blipFill rotWithShape="1">
-          <a:blip r:embed="rId3">
-            <a:extLst>
-              <a:ext uri="{28A0092B-C50C-407E-A947-70E740481C1C}">
-                <a14:useLocalDpi xmlns:a14="http://schemas.microsoft.com/office/drawing/2010/main" val="0"/>
-              </a:ext>
-            </a:extLst>
-          </a:blip>
-          <a:srcRect t="6819"/>
-          <a:stretch/>
-        </p:blipFill>
-        <p:spPr>
-          <a:xfrm>
-            <a:off x="174962" y="1406418"/>
-            <a:ext cx="4572000" cy="5112248"/>
-          </a:xfrm>
-          <a:prstGeom prst="rect">
-            <a:avLst/>
-          </a:prstGeom>
-        </p:spPr>
-      </p:pic>
-    </p:spTree>
-    <p:extLst>
-      <p:ext uri="{BB962C8B-B14F-4D97-AF65-F5344CB8AC3E}">
-        <p14:creationId xmlns:p14="http://schemas.microsoft.com/office/powerpoint/2010/main" val="3832570417"/>
-      </p:ext>
-    </p:extLst>
-  </p:cSld>
-  <p:clrMapOvr>
-    <a:masterClrMapping/>
-  </p:clrMapOvr>
-  <p:timing>
-    <p:tnLst>
-      <p:par>
-        <p:cTn xmlns:p14="http://schemas.microsoft.com/office/powerpoint/2010/main" id="1" dur="indefinite" restart="never" nodeType="tmRoot"/>
+        <p:cTn id="1" dur="indefinite" restart="never" nodeType="tmRoot"/>
       </p:par>
     </p:tnLst>
   </p:timing>
@@ -10808,14 +11405,14 @@
           </a:xfrm>
           <a:noFill/>
           <a:extLst>
-            <a:ext uri="{909E8E84-426E-40dd-AFC4-6F175D3DCCD1}">
+            <a:ext uri="{909E8E84-426E-40DD-AFC4-6F175D3DCCD1}">
               <a14:hiddenFill xmlns:a14="http://schemas.microsoft.com/office/drawing/2010/main">
                 <a:solidFill>
                   <a:schemeClr val="accent1"/>
                 </a:solidFill>
               </a14:hiddenFill>
             </a:ext>
-            <a:ext uri="{91240B29-F687-4f45-9708-019B960494DF}">
+            <a:ext uri="{91240B29-F687-4F45-9708-019B960494DF}">
               <a14:hiddenLine xmlns:a14="http://schemas.microsoft.com/office/drawing/2010/main" w="9525">
                 <a:solidFill>
                   <a:schemeClr val="tx1"/>
@@ -10849,14 +11446,14 @@
             <a:noFill/>
           </a:ln>
           <a:extLst>
-            <a:ext uri="{909E8E84-426E-40dd-AFC4-6F175D3DCCD1}">
+            <a:ext uri="{909E8E84-426E-40DD-AFC4-6F175D3DCCD1}">
               <a14:hiddenFill xmlns:a14="http://schemas.microsoft.com/office/drawing/2010/main">
                 <a:solidFill>
                   <a:srgbClr val="FFFFFF"/>
                 </a:solidFill>
               </a14:hiddenFill>
             </a:ext>
-            <a:ext uri="{91240B29-F687-4f45-9708-019B960494DF}">
+            <a:ext uri="{91240B29-F687-4F45-9708-019B960494DF}">
               <a14:hiddenLine xmlns:a14="http://schemas.microsoft.com/office/drawing/2010/main" w="9525">
                 <a:solidFill>
                   <a:srgbClr val="000000"/>
@@ -11039,7 +11636,7 @@
   <p:timing>
     <p:tnLst>
       <p:par>
-        <p:cTn xmlns:p14="http://schemas.microsoft.com/office/powerpoint/2010/main" id="1" dur="indefinite" restart="never" nodeType="tmRoot"/>
+        <p:cTn id="1" dur="indefinite" restart="never" nodeType="tmRoot"/>
       </p:par>
     </p:tnLst>
   </p:timing>
@@ -11065,6 +11662,207 @@
       </p:grpSpPr>
       <p:sp>
         <p:nvSpPr>
+          <p:cNvPr id="3" name="Slide Number Placeholder 2"/>
+          <p:cNvSpPr>
+            <a:spLocks noGrp="1"/>
+          </p:cNvSpPr>
+          <p:nvPr>
+            <p:ph type="sldNum" sz="quarter" idx="12"/>
+          </p:nvPr>
+        </p:nvSpPr>
+        <p:spPr/>
+        <p:txBody>
+          <a:bodyPr/>
+          <a:lstStyle/>
+          <a:p>
+            <a:fld id="{930465AD-53DA-D841-AEBD-0BDBF8BCBA90}" type="slidenum">
+              <a:rPr lang="en-US" smtClean="0"/>
+              <a:t>30</a:t>
+            </a:fld>
+            <a:endParaRPr lang="en-US"/>
+          </a:p>
+        </p:txBody>
+      </p:sp>
+      <p:sp>
+        <p:nvSpPr>
+          <p:cNvPr id="2" name="Title 1"/>
+          <p:cNvSpPr>
+            <a:spLocks noGrp="1"/>
+          </p:cNvSpPr>
+          <p:nvPr>
+            <p:ph type="title"/>
+          </p:nvPr>
+        </p:nvSpPr>
+        <p:spPr>
+          <a:xfrm>
+            <a:off x="457200" y="274639"/>
+            <a:ext cx="8229600" cy="830262"/>
+          </a:xfrm>
+          <a:ln w="28575" cmpd="sng">
+            <a:noFill/>
+          </a:ln>
+        </p:spPr>
+        <p:txBody>
+          <a:bodyPr>
+            <a:noAutofit/>
+          </a:bodyPr>
+          <a:lstStyle/>
+          <a:p>
+            <a:r>
+              <a:rPr lang="en-US" sz="3200" dirty="0" smtClean="0"/>
+              <a:t>Model Fit: Female Provide/Male Receive</a:t>
+            </a:r>
+            <a:endParaRPr lang="en-US" sz="3200" dirty="0"/>
+          </a:p>
+        </p:txBody>
+      </p:sp>
+      <p:pic>
+        <p:nvPicPr>
+          <p:cNvPr id="10242" name="Picture 2"/>
+          <p:cNvPicPr>
+            <a:picLocks noChangeAspect="1" noChangeArrowheads="1"/>
+          </p:cNvPicPr>
+          <p:nvPr/>
+        </p:nvPicPr>
+        <p:blipFill>
+          <a:blip r:embed="rId2">
+            <a:extLst>
+              <a:ext uri="{28A0092B-C50C-407E-A947-70E740481C1C}">
+                <a14:useLocalDpi xmlns:a14="http://schemas.microsoft.com/office/drawing/2010/main" val="0"/>
+              </a:ext>
+            </a:extLst>
+          </a:blip>
+          <a:srcRect/>
+          <a:stretch>
+            <a:fillRect/>
+          </a:stretch>
+        </p:blipFill>
+        <p:spPr bwMode="auto">
+          <a:xfrm>
+            <a:off x="0" y="1908253"/>
+            <a:ext cx="4828032" cy="4780026"/>
+          </a:xfrm>
+          <a:prstGeom prst="rect">
+            <a:avLst/>
+          </a:prstGeom>
+          <a:noFill/>
+          <a:ln>
+            <a:noFill/>
+          </a:ln>
+          <a:extLst>
+            <a:ext uri="{909E8E84-426E-40DD-AFC4-6F175D3DCCD1}">
+              <a14:hiddenFill xmlns:a14="http://schemas.microsoft.com/office/drawing/2010/main">
+                <a:solidFill>
+                  <a:schemeClr val="accent1"/>
+                </a:solidFill>
+              </a14:hiddenFill>
+            </a:ext>
+            <a:ext uri="{91240B29-F687-4F45-9708-019B960494DF}">
+              <a14:hiddenLine xmlns:a14="http://schemas.microsoft.com/office/drawing/2010/main" w="9525">
+                <a:solidFill>
+                  <a:schemeClr val="tx1"/>
+                </a:solidFill>
+                <a:miter lim="800000"/>
+                <a:headEnd/>
+                <a:tailEnd/>
+              </a14:hiddenLine>
+            </a:ext>
+          </a:extLst>
+        </p:spPr>
+      </p:pic>
+      <p:pic>
+        <p:nvPicPr>
+          <p:cNvPr id="10243" name="Picture 3"/>
+          <p:cNvPicPr>
+            <a:picLocks noChangeAspect="1" noChangeArrowheads="1"/>
+          </p:cNvPicPr>
+          <p:nvPr/>
+        </p:nvPicPr>
+        <p:blipFill>
+          <a:blip r:embed="rId3">
+            <a:extLst>
+              <a:ext uri="{28A0092B-C50C-407E-A947-70E740481C1C}">
+                <a14:useLocalDpi xmlns:a14="http://schemas.microsoft.com/office/drawing/2010/main" val="0"/>
+              </a:ext>
+            </a:extLst>
+          </a:blip>
+          <a:srcRect/>
+          <a:stretch>
+            <a:fillRect/>
+          </a:stretch>
+        </p:blipFill>
+        <p:spPr bwMode="auto">
+          <a:xfrm>
+            <a:off x="4740275" y="1702990"/>
+            <a:ext cx="4186238" cy="5057775"/>
+          </a:xfrm>
+          <a:prstGeom prst="rect">
+            <a:avLst/>
+          </a:prstGeom>
+          <a:noFill/>
+          <a:ln>
+            <a:noFill/>
+          </a:ln>
+          <a:extLst>
+            <a:ext uri="{909E8E84-426E-40DD-AFC4-6F175D3DCCD1}">
+              <a14:hiddenFill xmlns:a14="http://schemas.microsoft.com/office/drawing/2010/main">
+                <a:solidFill>
+                  <a:schemeClr val="accent1"/>
+                </a:solidFill>
+              </a14:hiddenFill>
+            </a:ext>
+            <a:ext uri="{91240B29-F687-4F45-9708-019B960494DF}">
+              <a14:hiddenLine xmlns:a14="http://schemas.microsoft.com/office/drawing/2010/main" w="9525">
+                <a:solidFill>
+                  <a:schemeClr val="tx1"/>
+                </a:solidFill>
+                <a:miter lim="800000"/>
+                <a:headEnd/>
+                <a:tailEnd/>
+              </a14:hiddenLine>
+            </a:ext>
+          </a:extLst>
+        </p:spPr>
+      </p:pic>
+    </p:spTree>
+    <p:extLst>
+      <p:ext uri="{BB962C8B-B14F-4D97-AF65-F5344CB8AC3E}">
+        <p14:creationId xmlns:p14="http://schemas.microsoft.com/office/powerpoint/2010/main" val="3832570417"/>
+      </p:ext>
+    </p:extLst>
+  </p:cSld>
+  <p:clrMapOvr>
+    <a:masterClrMapping/>
+  </p:clrMapOvr>
+  <p:timing>
+    <p:tnLst>
+      <p:par>
+        <p:cTn id="1" dur="indefinite" restart="never" nodeType="tmRoot"/>
+      </p:par>
+    </p:tnLst>
+  </p:timing>
+</p:sld>
+</file>
+
+<file path=ppt/slides/slide31.xml><?xml version="1.0" encoding="utf-8"?>
+<p:sld xmlns:a="http://schemas.openxmlformats.org/drawingml/2006/main" xmlns:r="http://schemas.openxmlformats.org/officeDocument/2006/relationships" xmlns:p="http://schemas.openxmlformats.org/presentationml/2006/main">
+  <p:cSld>
+    <p:spTree>
+      <p:nvGrpSpPr>
+        <p:cNvPr id="1" name=""/>
+        <p:cNvGrpSpPr/>
+        <p:nvPr/>
+      </p:nvGrpSpPr>
+      <p:grpSpPr>
+        <a:xfrm>
+          <a:off x="0" y="0"/>
+          <a:ext cx="0" cy="0"/>
+          <a:chOff x="0" y="0"/>
+          <a:chExt cx="0" cy="0"/>
+        </a:xfrm>
+      </p:grpSpPr>
+      <p:sp>
+        <p:nvSpPr>
           <p:cNvPr id="2" name="Slide Number Placeholder 1"/>
           <p:cNvSpPr>
             <a:spLocks noGrp="1"/>
@@ -11080,7 +11878,7 @@
           <a:p>
             <a:fld id="{930465AD-53DA-D841-AEBD-0BDBF8BCBA90}" type="slidenum">
               <a:rPr lang="en-US" smtClean="0"/>
-              <a:t>30</a:t>
+              <a:t>31</a:t>
             </a:fld>
             <a:endParaRPr lang="en-US"/>
           </a:p>
@@ -11116,6 +11914,60 @@
           </a:prstGeom>
         </p:spPr>
       </p:pic>
+      <p:pic>
+        <p:nvPicPr>
+          <p:cNvPr id="11266" name="Picture 2"/>
+          <p:cNvPicPr>
+            <a:picLocks noChangeAspect="1" noChangeArrowheads="1"/>
+          </p:cNvPicPr>
+          <p:nvPr/>
+        </p:nvPicPr>
+        <p:blipFill>
+          <a:blip r:embed="rId3">
+            <a:extLst>
+              <a:ext uri="{28A0092B-C50C-407E-A947-70E740481C1C}">
+                <a14:useLocalDpi xmlns:a14="http://schemas.microsoft.com/office/drawing/2010/main" val="0"/>
+              </a:ext>
+            </a:extLst>
+          </a:blip>
+          <a:srcRect/>
+          <a:stretch>
+            <a:fillRect/>
+          </a:stretch>
+        </p:blipFill>
+        <p:spPr bwMode="auto">
+          <a:xfrm>
+            <a:off x="47625" y="133350"/>
+            <a:ext cx="9048750" cy="6591300"/>
+          </a:xfrm>
+          <a:prstGeom prst="rect">
+            <a:avLst/>
+          </a:prstGeom>
+          <a:noFill/>
+          <a:ln>
+            <a:noFill/>
+          </a:ln>
+          <a:extLst>
+            <a:ext uri="{909E8E84-426E-40DD-AFC4-6F175D3DCCD1}">
+              <a14:hiddenFill xmlns:a14="http://schemas.microsoft.com/office/drawing/2010/main">
+                <a:solidFill>
+                  <a:schemeClr val="accent1"/>
+                </a:solidFill>
+              </a14:hiddenFill>
+            </a:ext>
+            <a:ext uri="{91240B29-F687-4F45-9708-019B960494DF}">
+              <a14:hiddenLine xmlns:a14="http://schemas.microsoft.com/office/drawing/2010/main" w="9525">
+                <a:solidFill>
+                  <a:schemeClr val="tx1"/>
+                </a:solidFill>
+                <a:miter lim="800000"/>
+                <a:headEnd/>
+                <a:tailEnd/>
+              </a14:hiddenLine>
+            </a:ext>
+          </a:extLst>
+        </p:spPr>
+      </p:pic>
     </p:spTree>
     <p:extLst>
       <p:ext uri="{BB962C8B-B14F-4D97-AF65-F5344CB8AC3E}">
@@ -11126,10 +11978,17 @@
   <p:clrMapOvr>
     <a:masterClrMapping/>
   </p:clrMapOvr>
+  <p:timing>
+    <p:tnLst>
+      <p:par>
+        <p:cTn id="1" dur="indefinite" restart="never" nodeType="tmRoot"/>
+      </p:par>
+    </p:tnLst>
+  </p:timing>
 </p:sld>
 </file>
 
-<file path=ppt/slides/slide31.xml><?xml version="1.0" encoding="utf-8"?>
+<file path=ppt/slides/slide32.xml><?xml version="1.0" encoding="utf-8"?>
 <p:sld xmlns:a="http://schemas.openxmlformats.org/drawingml/2006/main" xmlns:r="http://schemas.openxmlformats.org/officeDocument/2006/relationships" xmlns:p="http://schemas.openxmlformats.org/presentationml/2006/main">
   <p:cSld>
     <p:spTree>
@@ -11179,39 +12038,99 @@
             <p:ph idx="1"/>
           </p:nvPr>
         </p:nvSpPr>
-        <p:spPr/>
-        <p:txBody>
-          <a:bodyPr/>
+        <p:spPr>
+          <a:xfrm>
+            <a:off x="457200" y="1752600"/>
+            <a:ext cx="8229600" cy="4525963"/>
+          </a:xfrm>
+        </p:spPr>
+        <p:txBody>
+          <a:bodyPr>
+            <a:normAutofit lnSpcReduction="10000"/>
+          </a:bodyPr>
           <a:lstStyle/>
           <a:p>
             <a:r>
               <a:rPr lang="en-US" dirty="0" smtClean="0"/>
-              <a:t>“Multilevel” model (no random effects)</a:t>
+              <a:t>Standard Cross-Lagged Regression Model</a:t>
+            </a:r>
+            <a:endParaRPr lang="en-US" dirty="0" smtClean="0"/>
+          </a:p>
+          <a:p>
+            <a:endParaRPr lang="en-US" sz="800" dirty="0" smtClean="0"/>
+          </a:p>
+          <a:p>
+            <a:r>
+              <a:rPr lang="en-US" dirty="0" smtClean="0"/>
+              <a:t>Do we find evidence of </a:t>
+            </a:r>
+            <a:r>
+              <a:rPr lang="en-US" dirty="0" smtClean="0"/>
+              <a:t>self-regulation </a:t>
+            </a:r>
+            <a:r>
+              <a:rPr lang="en-US" dirty="0" smtClean="0"/>
+              <a:t>effects?</a:t>
             </a:r>
           </a:p>
           <a:p>
             <a:pPr lvl="1"/>
             <a:r>
               <a:rPr lang="en-US" dirty="0" smtClean="0"/>
-              <a:t>Linear model estimating effects separately for male partner and female partner</a:t>
-            </a:r>
-          </a:p>
-          <a:p>
+              <a:t>One’s own RSA </a:t>
+            </a:r>
             <a:r>
               <a:rPr lang="en-US" dirty="0" smtClean="0"/>
-              <a:t>Do we find evidence of linear self-regulation effects?</a:t>
+              <a:t>predicting one’s </a:t>
+            </a:r>
+            <a:r>
+              <a:rPr lang="en-US" dirty="0" smtClean="0"/>
+              <a:t>own RSA at the </a:t>
+            </a:r>
+            <a:r>
+              <a:rPr lang="en-US" dirty="0" smtClean="0"/>
+              <a:t>next </a:t>
+            </a:r>
+            <a:r>
+              <a:rPr lang="en-US" dirty="0" smtClean="0"/>
+              <a:t>time point</a:t>
             </a:r>
           </a:p>
           <a:p>
             <a:pPr lvl="1"/>
+            <a:endParaRPr lang="en-US" sz="900" dirty="0"/>
+          </a:p>
+          <a:p>
+            <a:r>
+              <a:rPr lang="en-US" dirty="0"/>
+              <a:t>Do we find evidence of </a:t>
+            </a:r>
             <a:r>
               <a:rPr lang="en-US" dirty="0" smtClean="0"/>
-              <a:t>RSA predicting one’s own RSA at next </a:t>
-            </a:r>
-            <a:r>
-              <a:rPr lang="en-US" dirty="0" err="1" smtClean="0"/>
-              <a:t>timepoint</a:t>
-            </a:r>
+              <a:t>cross-partner effects</a:t>
+            </a:r>
+            <a:r>
+              <a:rPr lang="en-US" dirty="0"/>
+              <a:t>?</a:t>
+            </a:r>
+          </a:p>
+          <a:p>
+            <a:pPr lvl="1"/>
+            <a:r>
+              <a:rPr lang="en-US" dirty="0" smtClean="0"/>
+              <a:t>One’s own RSA </a:t>
+            </a:r>
+            <a:r>
+              <a:rPr lang="en-US" dirty="0"/>
+              <a:t>predicting one’s </a:t>
+            </a:r>
+            <a:r>
+              <a:rPr lang="en-US" dirty="0" smtClean="0"/>
+              <a:t>partner’s RSA at the next time point</a:t>
+            </a:r>
+            <a:endParaRPr lang="en-US" dirty="0"/>
+          </a:p>
+          <a:p>
             <a:endParaRPr lang="en-US" dirty="0"/>
           </a:p>
         </p:txBody>
@@ -11233,7 +12152,7 @@
           <a:p>
             <a:fld id="{930465AD-53DA-D841-AEBD-0BDBF8BCBA90}" type="slidenum">
               <a:rPr lang="en-US" smtClean="0"/>
-              <a:t>31</a:t>
+              <a:t>32</a:t>
             </a:fld>
             <a:endParaRPr lang="en-US"/>
           </a:p>
@@ -11252,7 +12171,7 @@
   <p:timing>
     <p:tnLst>
       <p:par>
-        <p:cTn xmlns:p14="http://schemas.microsoft.com/office/powerpoint/2010/main" id="1" dur="indefinite" restart="never" nodeType="tmRoot">
+        <p:cTn id="1" dur="indefinite" restart="never" nodeType="tmRoot">
           <p:childTnLst>
             <p:seq concurrent="1" nextAc="seek">
               <p:cTn id="2" dur="indefinite" nodeType="mainSeq">
@@ -11334,7 +12253,7 @@
                                         <p:tgtEl>
                                           <p:spTgt spid="3">
                                             <p:txEl>
-                                              <p:pRg st="1" end="1"/>
+                                              <p:pRg st="2" end="2"/>
                                             </p:txEl>
                                           </p:spTgt>
                                         </p:tgtEl>
@@ -11383,7 +12302,7 @@
                                         <p:tgtEl>
                                           <p:spTgt spid="3">
                                             <p:txEl>
-                                              <p:pRg st="2" end="2"/>
+                                              <p:pRg st="3" end="3"/>
                                             </p:txEl>
                                           </p:spTgt>
                                         </p:tgtEl>
@@ -11432,7 +12351,38 @@
                                         <p:tgtEl>
                                           <p:spTgt spid="3">
                                             <p:txEl>
-                                              <p:pRg st="3" end="3"/>
+                                              <p:pRg st="5" end="5"/>
+                                            </p:txEl>
+                                          </p:spTgt>
+                                        </p:tgtEl>
+                                        <p:attrNameLst>
+                                          <p:attrName>style.visibility</p:attrName>
+                                        </p:attrNameLst>
+                                      </p:cBhvr>
+                                      <p:to>
+                                        <p:strVal val="visible"/>
+                                      </p:to>
+                                    </p:set>
+                                  </p:childTnLst>
+                                </p:cTn>
+                              </p:par>
+                              <p:par>
+                                <p:cTn id="19" presetID="1" presetClass="entr" presetSubtype="0" fill="hold" grpId="0" nodeType="withEffect">
+                                  <p:stCondLst>
+                                    <p:cond delay="0"/>
+                                  </p:stCondLst>
+                                  <p:childTnLst>
+                                    <p:set>
+                                      <p:cBhvr>
+                                        <p:cTn id="20" dur="1" fill="hold">
+                                          <p:stCondLst>
+                                            <p:cond delay="0"/>
+                                          </p:stCondLst>
+                                        </p:cTn>
+                                        <p:tgtEl>
+                                          <p:spTgt spid="3">
+                                            <p:txEl>
+                                              <p:pRg st="6" end="6"/>
                                             </p:txEl>
                                           </p:spTgt>
                                         </p:tgtEl>
@@ -11481,7 +12431,7 @@
 </p:sld>
 </file>
 
-<file path=ppt/slides/slide32.xml><?xml version="1.0" encoding="utf-8"?>
+<file path=ppt/slides/slide33.xml><?xml version="1.0" encoding="utf-8"?>
 <p:sld xmlns:a="http://schemas.openxmlformats.org/drawingml/2006/main" xmlns:r="http://schemas.openxmlformats.org/officeDocument/2006/relationships" xmlns:p="http://schemas.openxmlformats.org/presentationml/2006/main">
   <p:cSld>
     <p:spTree>
@@ -11508,14 +12458,29 @@
             <p:ph type="title"/>
           </p:nvPr>
         </p:nvSpPr>
-        <p:spPr/>
-        <p:txBody>
-          <a:bodyPr/>
+        <p:spPr>
+          <a:xfrm>
+            <a:off x="457200" y="274638"/>
+            <a:ext cx="8229600" cy="588962"/>
+          </a:xfrm>
+        </p:spPr>
+        <p:txBody>
+          <a:bodyPr>
+            <a:normAutofit fontScale="90000"/>
+          </a:bodyPr>
           <a:lstStyle/>
           <a:p>
             <a:r>
               <a:rPr lang="en-US" dirty="0" smtClean="0"/>
-              <a:t>“Multilevel” Results</a:t>
+              <a:t>Cross-Lagged</a:t>
+            </a:r>
+            <a:r>
+              <a:rPr lang="en-US" dirty="0" smtClean="0"/>
+              <a:t> </a:t>
+            </a:r>
+            <a:r>
+              <a:rPr lang="en-US" dirty="0" smtClean="0"/>
+              <a:t>Results</a:t>
             </a:r>
             <a:endParaRPr lang="en-US" dirty="0"/>
           </a:p>
@@ -11538,7 +12503,7 @@
           <a:p>
             <a:fld id="{930465AD-53DA-D841-AEBD-0BDBF8BCBA90}" type="slidenum">
               <a:rPr lang="en-US" smtClean="0"/>
-              <a:t>32</a:t>
+              <a:t>33</a:t>
             </a:fld>
             <a:endParaRPr lang="en-US"/>
           </a:p>
@@ -11553,14 +12518,14 @@
           <p:nvPr>
             <p:extLst>
               <p:ext uri="{D42A27DB-BD31-4B8C-83A1-F6EECF244321}">
-                <p14:modId xmlns:p14="http://schemas.microsoft.com/office/powerpoint/2010/main" val="3666581260"/>
+                <p14:modId xmlns:p14="http://schemas.microsoft.com/office/powerpoint/2010/main" val="2901200029"/>
               </p:ext>
             </p:extLst>
           </p:nvPr>
         </p:nvGraphicFramePr>
         <p:xfrm>
           <a:off x="792415" y="1613752"/>
-          <a:ext cx="7379381" cy="3992761"/>
+          <a:ext cx="7379381" cy="2864999"/>
         </p:xfrm>
         <a:graphic>
           <a:graphicData uri="http://schemas.openxmlformats.org/drawingml/2006/table">
@@ -11604,21 +12569,7 @@
                           <a:latin typeface="Helvetica"/>
                           <a:cs typeface="Helvetica"/>
                         </a:rPr>
-                        <a:t> Provide / </a:t>
-                      </a:r>
-                      <a:r>
-                        <a:rPr lang="en-US" b="0" baseline="0" dirty="0" smtClean="0">
-                          <a:latin typeface="Helvetica"/>
-                          <a:cs typeface="Helvetica"/>
-                        </a:rPr>
-                        <a:t>Male </a:t>
-                      </a:r>
-                      <a:r>
-                        <a:rPr lang="en-US" b="0" baseline="0" dirty="0" smtClean="0">
-                          <a:latin typeface="Helvetica"/>
-                          <a:cs typeface="Helvetica"/>
-                        </a:rPr>
-                        <a:t>Receive</a:t>
+                        <a:t> Provide / Male Receive</a:t>
                       </a:r>
                       <a:endParaRPr lang="en-US" b="0" dirty="0">
                         <a:latin typeface="Helvetica"/>
@@ -12120,268 +13071,6 @@
                   <a:tcPr anchor="ctr"/>
                 </a:tc>
               </a:tr>
-              <a:tr h="563881">
-                <a:tc>
-                  <a:txBody>
-                    <a:bodyPr/>
-                    <a:lstStyle/>
-                    <a:p>
-                      <a:r>
-                        <a:rPr lang="en-US" b="0" dirty="0" smtClean="0">
-                          <a:solidFill>
-                            <a:srgbClr val="E700B5"/>
-                          </a:solidFill>
-                          <a:latin typeface="Helvetica"/>
-                          <a:cs typeface="Helvetica"/>
-                        </a:rPr>
-                        <a:t>F</a:t>
-                      </a:r>
-                      <a:r>
-                        <a:rPr lang="en-US" b="0" i="1" baseline="-25000" dirty="0" smtClean="0">
-                          <a:solidFill>
-                            <a:srgbClr val="E700B5"/>
-                          </a:solidFill>
-                          <a:latin typeface="Helvetica"/>
-                          <a:cs typeface="Helvetica"/>
-                        </a:rPr>
-                        <a:t>t</a:t>
-                      </a:r>
-                      <a:r>
-                        <a:rPr lang="en-US" b="0" i="0" baseline="-25000" dirty="0" smtClean="0">
-                          <a:solidFill>
-                            <a:srgbClr val="E700B5"/>
-                          </a:solidFill>
-                          <a:latin typeface="Helvetica"/>
-                          <a:cs typeface="Helvetica"/>
-                        </a:rPr>
-                        <a:t>+1</a:t>
-                      </a:r>
-                      <a:r>
-                        <a:rPr lang="en-US" b="0" baseline="0" dirty="0" smtClean="0">
-                          <a:solidFill>
-                            <a:srgbClr val="E700B5"/>
-                          </a:solidFill>
-                          <a:latin typeface="Helvetica"/>
-                          <a:cs typeface="Helvetica"/>
-                          <a:sym typeface="Wingdings"/>
-                        </a:rPr>
-                        <a:t> </a:t>
-                      </a:r>
-                      <a:r>
-                        <a:rPr lang="en-US" b="0" baseline="0" dirty="0" smtClean="0">
-                          <a:solidFill>
-                            <a:srgbClr val="0000FF"/>
-                          </a:solidFill>
-                          <a:latin typeface="Helvetica"/>
-                          <a:cs typeface="Helvetica"/>
-                          <a:sym typeface="Wingdings"/>
-                        </a:rPr>
-                        <a:t>M</a:t>
-                      </a:r>
-                      <a:r>
-                        <a:rPr lang="en-US" b="0" i="1" baseline="-25000" dirty="0" smtClean="0">
-                          <a:solidFill>
-                            <a:srgbClr val="0000FF"/>
-                          </a:solidFill>
-                          <a:latin typeface="Helvetica"/>
-                          <a:cs typeface="Helvetica"/>
-                        </a:rPr>
-                        <a:t>t</a:t>
-                      </a:r>
-                      <a:r>
-                        <a:rPr lang="en-US" b="0" i="0" baseline="-25000" dirty="0" smtClean="0">
-                          <a:solidFill>
-                            <a:srgbClr val="0000FF"/>
-                          </a:solidFill>
-                          <a:latin typeface="Helvetica"/>
-                          <a:cs typeface="Helvetica"/>
-                        </a:rPr>
-                        <a:t>+1</a:t>
-                      </a:r>
-                      <a:endParaRPr lang="en-US" b="0" i="0" dirty="0">
-                        <a:solidFill>
-                          <a:srgbClr val="E700B5"/>
-                        </a:solidFill>
-                        <a:latin typeface="Helvetica"/>
-                        <a:cs typeface="Helvetica"/>
-                      </a:endParaRPr>
-                    </a:p>
-                  </a:txBody>
-                  <a:tcPr anchor="ctr"/>
-                </a:tc>
-                <a:tc>
-                  <a:txBody>
-                    <a:bodyPr/>
-                    <a:lstStyle/>
-                    <a:p>
-                      <a:pPr algn="ctr"/>
-                      <a:r>
-                        <a:rPr lang="en-US" dirty="0" smtClean="0">
-                          <a:solidFill>
-                            <a:srgbClr val="7F7F7F"/>
-                          </a:solidFill>
-                          <a:latin typeface="Helvetica"/>
-                          <a:cs typeface="Helvetica"/>
-                        </a:rPr>
-                        <a:t>.35 (.28)</a:t>
-                      </a:r>
-                      <a:endParaRPr lang="en-US" dirty="0">
-                        <a:solidFill>
-                          <a:srgbClr val="7F7F7F"/>
-                        </a:solidFill>
-                        <a:latin typeface="Helvetica"/>
-                        <a:cs typeface="Helvetica"/>
-                      </a:endParaRPr>
-                    </a:p>
-                  </a:txBody>
-                  <a:tcPr anchor="ctr"/>
-                </a:tc>
-              </a:tr>
-              <a:tr h="563881">
-                <a:tc>
-                  <a:txBody>
-                    <a:bodyPr/>
-                    <a:lstStyle/>
-                    <a:p>
-                      <a:pPr marL="0" marR="0" indent="0" algn="l" defTabSz="457200" rtl="0" eaLnBrk="1" fontAlgn="auto" latinLnBrk="0" hangingPunct="1">
-                        <a:lnSpc>
-                          <a:spcPct val="100000"/>
-                        </a:lnSpc>
-                        <a:spcBef>
-                          <a:spcPts val="0"/>
-                        </a:spcBef>
-                        <a:spcAft>
-                          <a:spcPts val="0"/>
-                        </a:spcAft>
-                        <a:buClrTx/>
-                        <a:buSzTx/>
-                        <a:buFontTx/>
-                        <a:buNone/>
-                        <a:tabLst/>
-                        <a:defRPr/>
-                      </a:pPr>
-                      <a:r>
-                        <a:rPr lang="en-US" b="0" baseline="0" dirty="0" smtClean="0">
-                          <a:solidFill>
-                            <a:srgbClr val="0000FF"/>
-                          </a:solidFill>
-                          <a:latin typeface="Helvetica"/>
-                          <a:cs typeface="Helvetica"/>
-                          <a:sym typeface="Wingdings"/>
-                        </a:rPr>
-                        <a:t>M</a:t>
-                      </a:r>
-                      <a:r>
-                        <a:rPr lang="en-US" b="0" i="1" baseline="-25000" dirty="0" smtClean="0">
-                          <a:solidFill>
-                            <a:srgbClr val="0000FF"/>
-                          </a:solidFill>
-                          <a:latin typeface="Helvetica"/>
-                          <a:cs typeface="Helvetica"/>
-                        </a:rPr>
-                        <a:t>t</a:t>
-                      </a:r>
-                      <a:r>
-                        <a:rPr lang="en-US" b="0" i="0" baseline="-25000" dirty="0" smtClean="0">
-                          <a:solidFill>
-                            <a:srgbClr val="0000FF"/>
-                          </a:solidFill>
-                          <a:latin typeface="Helvetica"/>
-                          <a:cs typeface="Helvetica"/>
-                        </a:rPr>
-                        <a:t>+1</a:t>
-                      </a:r>
-                      <a:r>
-                        <a:rPr lang="en-US" b="0" baseline="0" dirty="0" smtClean="0">
-                          <a:solidFill>
-                            <a:srgbClr val="0000FF"/>
-                          </a:solidFill>
-                          <a:latin typeface="Helvetica"/>
-                          <a:cs typeface="Helvetica"/>
-                        </a:rPr>
-                        <a:t> </a:t>
-                      </a:r>
-                      <a:r>
-                        <a:rPr lang="en-US" b="0" baseline="0" dirty="0" smtClean="0">
-                          <a:solidFill>
-                            <a:srgbClr val="0000FF"/>
-                          </a:solidFill>
-                          <a:latin typeface="Helvetica"/>
-                          <a:cs typeface="Helvetica"/>
-                          <a:sym typeface="Wingdings"/>
-                        </a:rPr>
-                        <a:t> </a:t>
-                      </a:r>
-                      <a:r>
-                        <a:rPr lang="en-US" b="0" baseline="0" dirty="0" smtClean="0">
-                          <a:solidFill>
-                            <a:srgbClr val="E700B5"/>
-                          </a:solidFill>
-                          <a:latin typeface="Helvetica"/>
-                          <a:cs typeface="Helvetica"/>
-                          <a:sym typeface="Wingdings"/>
-                        </a:rPr>
-                        <a:t>F</a:t>
-                      </a:r>
-                      <a:r>
-                        <a:rPr lang="en-US" b="0" i="1" baseline="-25000" dirty="0" smtClean="0">
-                          <a:solidFill>
-                            <a:srgbClr val="E700B5"/>
-                          </a:solidFill>
-                          <a:latin typeface="Helvetica"/>
-                          <a:cs typeface="Helvetica"/>
-                        </a:rPr>
-                        <a:t>t</a:t>
-                      </a:r>
-                      <a:r>
-                        <a:rPr lang="en-US" b="0" i="0" baseline="-25000" dirty="0" smtClean="0">
-                          <a:solidFill>
-                            <a:srgbClr val="E700B5"/>
-                          </a:solidFill>
-                          <a:latin typeface="Helvetica"/>
-                          <a:cs typeface="Helvetica"/>
-                        </a:rPr>
-                        <a:t>+1</a:t>
-                      </a:r>
-                      <a:endParaRPr lang="en-US" b="0" dirty="0" smtClean="0">
-                        <a:solidFill>
-                          <a:srgbClr val="0000FF"/>
-                        </a:solidFill>
-                        <a:latin typeface="Helvetica"/>
-                        <a:cs typeface="Helvetica"/>
-                      </a:endParaRPr>
-                    </a:p>
-                  </a:txBody>
-                  <a:tcPr anchor="ctr"/>
-                </a:tc>
-                <a:tc>
-                  <a:txBody>
-                    <a:bodyPr/>
-                    <a:lstStyle/>
-                    <a:p>
-                      <a:pPr algn="ctr"/>
-                      <a:r>
-                        <a:rPr lang="en-US" dirty="0" smtClean="0">
-                          <a:solidFill>
-                            <a:srgbClr val="7F7F7F"/>
-                          </a:solidFill>
-                          <a:latin typeface="Helvetica"/>
-                          <a:cs typeface="Helvetica"/>
-                        </a:rPr>
-                        <a:t>.12 (.16)</a:t>
-                      </a:r>
-                      <a:endParaRPr lang="en-US" dirty="0">
-                        <a:solidFill>
-                          <a:srgbClr val="7F7F7F"/>
-                        </a:solidFill>
-                        <a:latin typeface="Helvetica"/>
-                        <a:cs typeface="Helvetica"/>
-                      </a:endParaRPr>
-                    </a:p>
-                  </a:txBody>
-                  <a:tcPr anchor="ctr"/>
-                </a:tc>
-              </a:tr>
             </a:tbl>
           </a:graphicData>
         </a:graphic>
@@ -12429,8 +13118,8 @@
         </p:nvSpPr>
         <p:spPr>
           <a:xfrm>
-            <a:off x="792415" y="5818649"/>
-            <a:ext cx="6122234" cy="584776"/>
+            <a:off x="792415" y="5018549"/>
+            <a:ext cx="6122234" cy="338554"/>
           </a:xfrm>
           <a:prstGeom prst="rect">
             <a:avLst/>
@@ -12448,16 +13137,14 @@
                 <a:latin typeface="Helvetica"/>
                 <a:cs typeface="Helvetica"/>
               </a:rPr>
-              <a:t>Standard Errors are in parentheses</a:t>
-            </a:r>
-          </a:p>
-          <a:p>
+              <a:t>Standard Errors are in </a:t>
+            </a:r>
             <a:r>
               <a:rPr lang="en-US" sz="1600" dirty="0" smtClean="0">
                 <a:latin typeface="Helvetica"/>
                 <a:cs typeface="Helvetica"/>
               </a:rPr>
-              <a:t>All effects NS</a:t>
+              <a:t>parentheses</a:t>
             </a:r>
             <a:endParaRPr lang="en-US" sz="1600" dirty="0">
               <a:latin typeface="Helvetica"/>
@@ -12637,7 +13324,7 @@
   <p:timing>
     <p:tnLst>
       <p:par>
-        <p:cTn xmlns:p14="http://schemas.microsoft.com/office/powerpoint/2010/main" id="1" dur="indefinite" restart="never" nodeType="tmRoot">
+        <p:cTn id="1" dur="indefinite" restart="never" nodeType="tmRoot">
           <p:childTnLst>
             <p:seq concurrent="1" nextAc="seek">
               <p:cTn id="2" dur="indefinite" nodeType="mainSeq">
@@ -12743,7 +13430,7 @@
 </p:sld>
 </file>
 
-<file path=ppt/slides/slide33.xml><?xml version="1.0" encoding="utf-8"?>
+<file path=ppt/slides/slide34.xml><?xml version="1.0" encoding="utf-8"?>
 <p:sld xmlns:a="http://schemas.openxmlformats.org/drawingml/2006/main" xmlns:r="http://schemas.openxmlformats.org/officeDocument/2006/relationships" xmlns:p="http://schemas.openxmlformats.org/presentationml/2006/main">
   <p:cSld>
     <p:spTree>
@@ -12770,7 +13457,12 @@
             <p:ph type="title"/>
           </p:nvPr>
         </p:nvSpPr>
-        <p:spPr/>
+        <p:spPr>
+          <a:xfrm>
+            <a:off x="457200" y="274638"/>
+            <a:ext cx="8229600" cy="792162"/>
+          </a:xfrm>
+        </p:spPr>
         <p:txBody>
           <a:bodyPr/>
           <a:lstStyle/>
@@ -12802,28 +13494,22 @@
           <a:p>
             <a:r>
               <a:rPr lang="en-US" dirty="0" smtClean="0"/>
-              <a:t>Evidence of self-regulation (“cycling”) using Coupled LDE when female partners provide support / male partners receive support</a:t>
-            </a:r>
-          </a:p>
-          <a:p>
+              <a:t>Evidence of self-regulation (“cycling”) using Coupled LDE when female partners provide support / male partners receive </a:t>
+            </a:r>
             <a:r>
               <a:rPr lang="en-US" dirty="0" smtClean="0"/>
-              <a:t>Different results from different models</a:t>
-            </a:r>
-          </a:p>
-          <a:p>
-            <a:pPr lvl="1"/>
+              <a:t>support</a:t>
+            </a:r>
+          </a:p>
+          <a:p>
+            <a:endParaRPr lang="en-US" sz="800" dirty="0" smtClean="0"/>
+          </a:p>
+          <a:p>
             <a:r>
               <a:rPr lang="en-US" dirty="0" smtClean="0"/>
-              <a:t>No apparent self-regulation using traditional approaches</a:t>
-            </a:r>
-          </a:p>
-          <a:p>
-            <a:pPr lvl="1"/>
-            <a:r>
-              <a:rPr lang="en-US" dirty="0" smtClean="0"/>
-              <a:t>If anything, trends seem stronger for cross-partner effects </a:t>
-            </a:r>
+              <a:t>No evidence of any effect in a standard cross-lagged analysis</a:t>
+            </a:r>
+            <a:endParaRPr lang="en-US" dirty="0" smtClean="0"/>
           </a:p>
           <a:p>
             <a:endParaRPr lang="en-US" dirty="0"/>
@@ -12847,7 +13533,7 @@
           <a:p>
             <a:fld id="{930465AD-53DA-D841-AEBD-0BDBF8BCBA90}" type="slidenum">
               <a:rPr lang="en-US" smtClean="0"/>
-              <a:t>33</a:t>
+              <a:t>34</a:t>
             </a:fld>
             <a:endParaRPr lang="en-US"/>
           </a:p>
@@ -12866,7 +13552,7 @@
   <p:timing>
     <p:tnLst>
       <p:par>
-        <p:cTn xmlns:p14="http://schemas.microsoft.com/office/powerpoint/2010/main" id="1" dur="indefinite" restart="never" nodeType="tmRoot">
+        <p:cTn id="1" dur="indefinite" restart="never" nodeType="tmRoot">
           <p:childTnLst>
             <p:seq concurrent="1" nextAc="seek">
               <p:cTn id="2" dur="indefinite" nodeType="mainSeq">
@@ -12948,467 +13634,7 @@
                                         <p:tgtEl>
                                           <p:spTgt spid="3">
                                             <p:txEl>
-                                              <p:pRg st="1" end="1"/>
-                                            </p:txEl>
-                                          </p:spTgt>
-                                        </p:tgtEl>
-                                        <p:attrNameLst>
-                                          <p:attrName>style.visibility</p:attrName>
-                                        </p:attrNameLst>
-                                      </p:cBhvr>
-                                      <p:to>
-                                        <p:strVal val="visible"/>
-                                      </p:to>
-                                    </p:set>
-                                  </p:childTnLst>
-                                </p:cTn>
-                              </p:par>
-                            </p:childTnLst>
-                          </p:cTn>
-                        </p:par>
-                      </p:childTnLst>
-                    </p:cTn>
-                  </p:par>
-                  <p:par>
-                    <p:cTn id="11" fill="hold">
-                      <p:stCondLst>
-                        <p:cond delay="indefinite"/>
-                      </p:stCondLst>
-                      <p:childTnLst>
-                        <p:par>
-                          <p:cTn id="12" fill="hold">
-                            <p:stCondLst>
-                              <p:cond delay="0"/>
-                            </p:stCondLst>
-                            <p:childTnLst>
-                              <p:par>
-                                <p:cTn id="13" presetID="1" presetClass="entr" presetSubtype="0" fill="hold" grpId="0" nodeType="clickEffect">
-                                  <p:stCondLst>
-                                    <p:cond delay="0"/>
-                                  </p:stCondLst>
-                                  <p:childTnLst>
-                                    <p:set>
-                                      <p:cBhvr>
-                                        <p:cTn id="14" dur="1" fill="hold">
-                                          <p:stCondLst>
-                                            <p:cond delay="0"/>
-                                          </p:stCondLst>
-                                        </p:cTn>
-                                        <p:tgtEl>
-                                          <p:spTgt spid="3">
-                                            <p:txEl>
                                               <p:pRg st="2" end="2"/>
-                                            </p:txEl>
-                                          </p:spTgt>
-                                        </p:tgtEl>
-                                        <p:attrNameLst>
-                                          <p:attrName>style.visibility</p:attrName>
-                                        </p:attrNameLst>
-                                      </p:cBhvr>
-                                      <p:to>
-                                        <p:strVal val="visible"/>
-                                      </p:to>
-                                    </p:set>
-                                  </p:childTnLst>
-                                </p:cTn>
-                              </p:par>
-                            </p:childTnLst>
-                          </p:cTn>
-                        </p:par>
-                      </p:childTnLst>
-                    </p:cTn>
-                  </p:par>
-                  <p:par>
-                    <p:cTn id="15" fill="hold">
-                      <p:stCondLst>
-                        <p:cond delay="indefinite"/>
-                      </p:stCondLst>
-                      <p:childTnLst>
-                        <p:par>
-                          <p:cTn id="16" fill="hold">
-                            <p:stCondLst>
-                              <p:cond delay="0"/>
-                            </p:stCondLst>
-                            <p:childTnLst>
-                              <p:par>
-                                <p:cTn id="17" presetID="1" presetClass="entr" presetSubtype="0" fill="hold" grpId="0" nodeType="clickEffect">
-                                  <p:stCondLst>
-                                    <p:cond delay="0"/>
-                                  </p:stCondLst>
-                                  <p:childTnLst>
-                                    <p:set>
-                                      <p:cBhvr>
-                                        <p:cTn id="18" dur="1" fill="hold">
-                                          <p:stCondLst>
-                                            <p:cond delay="0"/>
-                                          </p:stCondLst>
-                                        </p:cTn>
-                                        <p:tgtEl>
-                                          <p:spTgt spid="3">
-                                            <p:txEl>
-                                              <p:pRg st="3" end="3"/>
-                                            </p:txEl>
-                                          </p:spTgt>
-                                        </p:tgtEl>
-                                        <p:attrNameLst>
-                                          <p:attrName>style.visibility</p:attrName>
-                                        </p:attrNameLst>
-                                      </p:cBhvr>
-                                      <p:to>
-                                        <p:strVal val="visible"/>
-                                      </p:to>
-                                    </p:set>
-                                  </p:childTnLst>
-                                </p:cTn>
-                              </p:par>
-                            </p:childTnLst>
-                          </p:cTn>
-                        </p:par>
-                      </p:childTnLst>
-                    </p:cTn>
-                  </p:par>
-                </p:childTnLst>
-              </p:cTn>
-              <p:prevCondLst>
-                <p:cond evt="onPrev" delay="0">
-                  <p:tgtEl>
-                    <p:sldTgt/>
-                  </p:tgtEl>
-                </p:cond>
-              </p:prevCondLst>
-              <p:nextCondLst>
-                <p:cond evt="onNext" delay="0">
-                  <p:tgtEl>
-                    <p:sldTgt/>
-                  </p:tgtEl>
-                </p:cond>
-              </p:nextCondLst>
-            </p:seq>
-          </p:childTnLst>
-        </p:cTn>
-      </p:par>
-    </p:tnLst>
-    <p:bldLst>
-      <p:bldP spid="3" grpId="0" uiExpand="1" build="p"/>
-    </p:bldLst>
-  </p:timing>
-</p:sld>
-</file>
-
-<file path=ppt/slides/slide34.xml><?xml version="1.0" encoding="utf-8"?>
-<p:sld xmlns:a="http://schemas.openxmlformats.org/drawingml/2006/main" xmlns:r="http://schemas.openxmlformats.org/officeDocument/2006/relationships" xmlns:p="http://schemas.openxmlformats.org/presentationml/2006/main">
-  <p:cSld>
-    <p:spTree>
-      <p:nvGrpSpPr>
-        <p:cNvPr id="1" name=""/>
-        <p:cNvGrpSpPr/>
-        <p:nvPr/>
-      </p:nvGrpSpPr>
-      <p:grpSpPr>
-        <a:xfrm>
-          <a:off x="0" y="0"/>
-          <a:ext cx="0" cy="0"/>
-          <a:chOff x="0" y="0"/>
-          <a:chExt cx="0" cy="0"/>
-        </a:xfrm>
-      </p:grpSpPr>
-      <p:sp>
-        <p:nvSpPr>
-          <p:cNvPr id="2" name="Title 1"/>
-          <p:cNvSpPr>
-            <a:spLocks noGrp="1"/>
-          </p:cNvSpPr>
-          <p:nvPr>
-            <p:ph type="title"/>
-          </p:nvPr>
-        </p:nvSpPr>
-        <p:spPr/>
-        <p:txBody>
-          <a:bodyPr/>
-          <a:lstStyle/>
-          <a:p>
-            <a:r>
-              <a:rPr lang="en-US" dirty="0" smtClean="0"/>
-              <a:t>Open Questions and Next Steps</a:t>
-            </a:r>
-            <a:endParaRPr lang="en-US" dirty="0"/>
-          </a:p>
-        </p:txBody>
-      </p:sp>
-      <p:sp>
-        <p:nvSpPr>
-          <p:cNvPr id="3" name="Content Placeholder 2"/>
-          <p:cNvSpPr>
-            <a:spLocks noGrp="1"/>
-          </p:cNvSpPr>
-          <p:nvPr>
-            <p:ph idx="1"/>
-          </p:nvPr>
-        </p:nvSpPr>
-        <p:spPr/>
-        <p:txBody>
-          <a:bodyPr/>
-          <a:lstStyle/>
-          <a:p>
-            <a:r>
-              <a:rPr lang="en-US" dirty="0" smtClean="0"/>
-              <a:t>Different time delay embed values may be necessary for each phase</a:t>
-            </a:r>
-          </a:p>
-          <a:p>
-            <a:pPr lvl="1"/>
-            <a:r>
-              <a:rPr lang="en-US" dirty="0" smtClean="0"/>
-              <a:t>e.g., unable to estimate SE for some parameters, some parameters physiologically implausible</a:t>
-            </a:r>
-          </a:p>
-          <a:p>
-            <a:r>
-              <a:rPr lang="en-US" dirty="0"/>
-              <a:t>Interval length: 10 seconds? 2 seconds?</a:t>
-            </a:r>
-          </a:p>
-          <a:p>
-            <a:pPr lvl="1"/>
-            <a:r>
-              <a:rPr lang="en-US" dirty="0"/>
-              <a:t>Limitations: estimating </a:t>
-            </a:r>
-            <a:r>
-              <a:rPr lang="en-US" dirty="0" smtClean="0"/>
-              <a:t>RSA requires intervals of at least 10 seconds in </a:t>
-            </a:r>
-            <a:r>
-              <a:rPr lang="en-US" dirty="0" err="1" smtClean="0"/>
-              <a:t>Mindware</a:t>
-            </a:r>
-            <a:endParaRPr lang="en-US" dirty="0" smtClean="0"/>
-          </a:p>
-          <a:p>
-            <a:pPr marL="457200" lvl="1" indent="0">
-              <a:buNone/>
-            </a:pPr>
-            <a:endParaRPr lang="en-US" dirty="0"/>
-          </a:p>
-        </p:txBody>
-      </p:sp>
-      <p:sp>
-        <p:nvSpPr>
-          <p:cNvPr id="4" name="Slide Number Placeholder 3"/>
-          <p:cNvSpPr>
-            <a:spLocks noGrp="1"/>
-          </p:cNvSpPr>
-          <p:nvPr>
-            <p:ph type="sldNum" sz="quarter" idx="12"/>
-          </p:nvPr>
-        </p:nvSpPr>
-        <p:spPr/>
-        <p:txBody>
-          <a:bodyPr/>
-          <a:lstStyle/>
-          <a:p>
-            <a:fld id="{930465AD-53DA-D841-AEBD-0BDBF8BCBA90}" type="slidenum">
-              <a:rPr lang="en-US" smtClean="0"/>
-              <a:t>34</a:t>
-            </a:fld>
-            <a:endParaRPr lang="en-US"/>
-          </a:p>
-        </p:txBody>
-      </p:sp>
-    </p:spTree>
-    <p:extLst>
-      <p:ext uri="{BB962C8B-B14F-4D97-AF65-F5344CB8AC3E}">
-        <p14:creationId xmlns:p14="http://schemas.microsoft.com/office/powerpoint/2010/main" val="1764465543"/>
-      </p:ext>
-    </p:extLst>
-  </p:cSld>
-  <p:clrMapOvr>
-    <a:masterClrMapping/>
-  </p:clrMapOvr>
-  <p:timing>
-    <p:tnLst>
-      <p:par>
-        <p:cTn xmlns:p14="http://schemas.microsoft.com/office/powerpoint/2010/main" id="1" dur="indefinite" restart="never" nodeType="tmRoot">
-          <p:childTnLst>
-            <p:seq concurrent="1" nextAc="seek">
-              <p:cTn id="2" dur="indefinite" nodeType="mainSeq">
-                <p:childTnLst>
-                  <p:par>
-                    <p:cTn id="3" fill="hold">
-                      <p:stCondLst>
-                        <p:cond delay="indefinite"/>
-                      </p:stCondLst>
-                      <p:childTnLst>
-                        <p:par>
-                          <p:cTn id="4" fill="hold">
-                            <p:stCondLst>
-                              <p:cond delay="0"/>
-                            </p:stCondLst>
-                            <p:childTnLst>
-                              <p:par>
-                                <p:cTn id="5" presetID="1" presetClass="entr" presetSubtype="0" fill="hold" grpId="0" nodeType="clickEffect">
-                                  <p:stCondLst>
-                                    <p:cond delay="0"/>
-                                  </p:stCondLst>
-                                  <p:childTnLst>
-                                    <p:set>
-                                      <p:cBhvr>
-                                        <p:cTn id="6" dur="1" fill="hold">
-                                          <p:stCondLst>
-                                            <p:cond delay="0"/>
-                                          </p:stCondLst>
-                                        </p:cTn>
-                                        <p:tgtEl>
-                                          <p:spTgt spid="3">
-                                            <p:txEl>
-                                              <p:pRg st="0" end="0"/>
-                                            </p:txEl>
-                                          </p:spTgt>
-                                        </p:tgtEl>
-                                        <p:attrNameLst>
-                                          <p:attrName>style.visibility</p:attrName>
-                                        </p:attrNameLst>
-                                      </p:cBhvr>
-                                      <p:to>
-                                        <p:strVal val="visible"/>
-                                      </p:to>
-                                    </p:set>
-                                  </p:childTnLst>
-                                </p:cTn>
-                              </p:par>
-                            </p:childTnLst>
-                          </p:cTn>
-                        </p:par>
-                      </p:childTnLst>
-                    </p:cTn>
-                  </p:par>
-                  <p:par>
-                    <p:cTn id="7" fill="hold">
-                      <p:stCondLst>
-                        <p:cond delay="indefinite"/>
-                      </p:stCondLst>
-                      <p:childTnLst>
-                        <p:par>
-                          <p:cTn id="8" fill="hold">
-                            <p:stCondLst>
-                              <p:cond delay="0"/>
-                            </p:stCondLst>
-                            <p:childTnLst>
-                              <p:par>
-                                <p:cTn id="9" presetID="1" presetClass="entr" presetSubtype="0" fill="hold" grpId="0" nodeType="clickEffect">
-                                  <p:stCondLst>
-                                    <p:cond delay="0"/>
-                                  </p:stCondLst>
-                                  <p:childTnLst>
-                                    <p:set>
-                                      <p:cBhvr>
-                                        <p:cTn id="10" dur="1" fill="hold">
-                                          <p:stCondLst>
-                                            <p:cond delay="0"/>
-                                          </p:stCondLst>
-                                        </p:cTn>
-                                        <p:tgtEl>
-                                          <p:spTgt spid="3">
-                                            <p:txEl>
-                                              <p:pRg st="1" end="1"/>
-                                            </p:txEl>
-                                          </p:spTgt>
-                                        </p:tgtEl>
-                                        <p:attrNameLst>
-                                          <p:attrName>style.visibility</p:attrName>
-                                        </p:attrNameLst>
-                                      </p:cBhvr>
-                                      <p:to>
-                                        <p:strVal val="visible"/>
-                                      </p:to>
-                                    </p:set>
-                                  </p:childTnLst>
-                                </p:cTn>
-                              </p:par>
-                            </p:childTnLst>
-                          </p:cTn>
-                        </p:par>
-                      </p:childTnLst>
-                    </p:cTn>
-                  </p:par>
-                  <p:par>
-                    <p:cTn id="11" fill="hold">
-                      <p:stCondLst>
-                        <p:cond delay="indefinite"/>
-                      </p:stCondLst>
-                      <p:childTnLst>
-                        <p:par>
-                          <p:cTn id="12" fill="hold">
-                            <p:stCondLst>
-                              <p:cond delay="0"/>
-                            </p:stCondLst>
-                            <p:childTnLst>
-                              <p:par>
-                                <p:cTn id="13" presetID="1" presetClass="entr" presetSubtype="0" fill="hold" grpId="0" nodeType="clickEffect">
-                                  <p:stCondLst>
-                                    <p:cond delay="0"/>
-                                  </p:stCondLst>
-                                  <p:childTnLst>
-                                    <p:set>
-                                      <p:cBhvr>
-                                        <p:cTn id="14" dur="1" fill="hold">
-                                          <p:stCondLst>
-                                            <p:cond delay="0"/>
-                                          </p:stCondLst>
-                                        </p:cTn>
-                                        <p:tgtEl>
-                                          <p:spTgt spid="3">
-                                            <p:txEl>
-                                              <p:pRg st="2" end="2"/>
-                                            </p:txEl>
-                                          </p:spTgt>
-                                        </p:tgtEl>
-                                        <p:attrNameLst>
-                                          <p:attrName>style.visibility</p:attrName>
-                                        </p:attrNameLst>
-                                      </p:cBhvr>
-                                      <p:to>
-                                        <p:strVal val="visible"/>
-                                      </p:to>
-                                    </p:set>
-                                  </p:childTnLst>
-                                </p:cTn>
-                              </p:par>
-                            </p:childTnLst>
-                          </p:cTn>
-                        </p:par>
-                      </p:childTnLst>
-                    </p:cTn>
-                  </p:par>
-                  <p:par>
-                    <p:cTn id="15" fill="hold">
-                      <p:stCondLst>
-                        <p:cond delay="indefinite"/>
-                      </p:stCondLst>
-                      <p:childTnLst>
-                        <p:par>
-                          <p:cTn id="16" fill="hold">
-                            <p:stCondLst>
-                              <p:cond delay="0"/>
-                            </p:stCondLst>
-                            <p:childTnLst>
-                              <p:par>
-                                <p:cTn id="17" presetID="1" presetClass="entr" presetSubtype="0" fill="hold" grpId="0" nodeType="clickEffect">
-                                  <p:stCondLst>
-                                    <p:cond delay="0"/>
-                                  </p:stCondLst>
-                                  <p:childTnLst>
-                                    <p:set>
-                                      <p:cBhvr>
-                                        <p:cTn id="18" dur="1" fill="hold">
-                                          <p:stCondLst>
-                                            <p:cond delay="0"/>
-                                          </p:stCondLst>
-                                        </p:cTn>
-                                        <p:tgtEl>
-                                          <p:spTgt spid="3">
-                                            <p:txEl>
-                                              <p:pRg st="3" end="3"/>
                                             </p:txEl>
                                           </p:spTgt>
                                         </p:tgtEl>
@@ -13561,14 +13787,14 @@
             <a:noFill/>
           </a:ln>
           <a:extLst>
-            <a:ext uri="{909E8E84-426E-40dd-AFC4-6F175D3DCCD1}">
+            <a:ext uri="{909E8E84-426E-40DD-AFC4-6F175D3DCCD1}">
               <a14:hiddenFill xmlns:a14="http://schemas.microsoft.com/office/drawing/2010/main">
                 <a:solidFill>
                   <a:srgbClr val="FFFFFF"/>
                 </a:solidFill>
               </a14:hiddenFill>
             </a:ext>
-            <a:ext uri="{91240B29-F687-4f45-9708-019B960494DF}">
+            <a:ext uri="{91240B29-F687-4F45-9708-019B960494DF}">
               <a14:hiddenLine xmlns:a14="http://schemas.microsoft.com/office/drawing/2010/main" w="9525">
                 <a:solidFill>
                   <a:srgbClr val="000000"/>
@@ -13615,14 +13841,14 @@
             <a:noFill/>
           </a:ln>
           <a:extLst>
-            <a:ext uri="{909E8E84-426E-40dd-AFC4-6F175D3DCCD1}">
+            <a:ext uri="{909E8E84-426E-40DD-AFC4-6F175D3DCCD1}">
               <a14:hiddenFill xmlns:a14="http://schemas.microsoft.com/office/drawing/2010/main">
                 <a:solidFill>
                   <a:srgbClr val="FFFFFF"/>
                 </a:solidFill>
               </a14:hiddenFill>
             </a:ext>
-            <a:ext uri="{91240B29-F687-4f45-9708-019B960494DF}">
+            <a:ext uri="{91240B29-F687-4F45-9708-019B960494DF}">
               <a14:hiddenLine xmlns:a14="http://schemas.microsoft.com/office/drawing/2010/main" w="9525">
                 <a:solidFill>
                   <a:srgbClr val="000000"/>
@@ -14012,67 +14238,7 @@
   <p:timing>
     <p:tnLst>
       <p:par>
-        <p:cTn xmlns:p14="http://schemas.microsoft.com/office/powerpoint/2010/main" id="1" dur="indefinite" restart="never" nodeType="tmRoot"/>
-      </p:par>
-    </p:tnLst>
-  </p:timing>
-</p:sld>
-</file>
-
-<file path=ppt/slides/slide36.xml><?xml version="1.0" encoding="utf-8"?>
-<p:sld xmlns:a="http://schemas.openxmlformats.org/drawingml/2006/main" xmlns:r="http://schemas.openxmlformats.org/officeDocument/2006/relationships" xmlns:p="http://schemas.openxmlformats.org/presentationml/2006/main">
-  <p:cSld>
-    <p:spTree>
-      <p:nvGrpSpPr>
-        <p:cNvPr id="1" name=""/>
-        <p:cNvGrpSpPr/>
-        <p:nvPr/>
-      </p:nvGrpSpPr>
-      <p:grpSpPr>
-        <a:xfrm>
-          <a:off x="0" y="0"/>
-          <a:ext cx="0" cy="0"/>
-          <a:chOff x="0" y="0"/>
-          <a:chExt cx="0" cy="0"/>
-        </a:xfrm>
-      </p:grpSpPr>
-      <p:sp>
-        <p:nvSpPr>
-          <p:cNvPr id="2" name="Slide Number Placeholder 1"/>
-          <p:cNvSpPr>
-            <a:spLocks noGrp="1"/>
-          </p:cNvSpPr>
-          <p:nvPr>
-            <p:ph type="sldNum" sz="quarter" idx="12"/>
-          </p:nvPr>
-        </p:nvSpPr>
-        <p:spPr/>
-        <p:txBody>
-          <a:bodyPr/>
-          <a:lstStyle/>
-          <a:p>
-            <a:fld id="{930465AD-53DA-D841-AEBD-0BDBF8BCBA90}" type="slidenum">
-              <a:rPr lang="en-US" smtClean="0"/>
-              <a:t>36</a:t>
-            </a:fld>
-            <a:endParaRPr lang="en-US"/>
-          </a:p>
-        </p:txBody>
-      </p:sp>
-    </p:spTree>
-    <p:extLst>
-      <p:ext uri="{BB962C8B-B14F-4D97-AF65-F5344CB8AC3E}">
-        <p14:creationId xmlns:p14="http://schemas.microsoft.com/office/powerpoint/2010/main" val="816186230"/>
-      </p:ext>
-    </p:extLst>
-  </p:cSld>
-  <p:clrMapOvr>
-    <a:masterClrMapping/>
-  </p:clrMapOvr>
-  <p:timing>
-    <p:tnLst>
-      <p:par>
-        <p:cTn xmlns:p14="http://schemas.microsoft.com/office/powerpoint/2010/main" id="1" dur="indefinite" restart="never" nodeType="tmRoot"/>
+        <p:cTn id="1" dur="indefinite" restart="never" nodeType="tmRoot"/>
       </p:par>
     </p:tnLst>
   </p:timing>
@@ -14146,14 +14312,14 @@
           </a:xfrm>
           <a:noFill/>
           <a:extLst>
-            <a:ext uri="{909E8E84-426E-40dd-AFC4-6F175D3DCCD1}">
+            <a:ext uri="{909E8E84-426E-40DD-AFC4-6F175D3DCCD1}">
               <a14:hiddenFill xmlns:a14="http://schemas.microsoft.com/office/drawing/2010/main">
                 <a:solidFill>
                   <a:schemeClr val="accent1"/>
                 </a:solidFill>
               </a14:hiddenFill>
             </a:ext>
-            <a:ext uri="{91240B29-F687-4f45-9708-019B960494DF}">
+            <a:ext uri="{91240B29-F687-4F45-9708-019B960494DF}">
               <a14:hiddenLine xmlns:a14="http://schemas.microsoft.com/office/drawing/2010/main" w="9525">
                 <a:solidFill>
                   <a:schemeClr val="tx1"/>
@@ -14179,7 +14345,7 @@
   <p:timing>
     <p:tnLst>
       <p:par>
-        <p:cTn xmlns:p14="http://schemas.microsoft.com/office/powerpoint/2010/main" id="1" dur="indefinite" restart="never" nodeType="tmRoot"/>
+        <p:cTn id="1" dur="indefinite" restart="never" nodeType="tmRoot"/>
       </p:par>
     </p:tnLst>
   </p:timing>
@@ -14253,14 +14419,14 @@
           </a:xfrm>
           <a:noFill/>
           <a:extLst>
-            <a:ext uri="{909E8E84-426E-40dd-AFC4-6F175D3DCCD1}">
+            <a:ext uri="{909E8E84-426E-40DD-AFC4-6F175D3DCCD1}">
               <a14:hiddenFill xmlns:a14="http://schemas.microsoft.com/office/drawing/2010/main">
                 <a:solidFill>
                   <a:schemeClr val="accent1"/>
                 </a:solidFill>
               </a14:hiddenFill>
             </a:ext>
-            <a:ext uri="{91240B29-F687-4f45-9708-019B960494DF}">
+            <a:ext uri="{91240B29-F687-4F45-9708-019B960494DF}">
               <a14:hiddenLine xmlns:a14="http://schemas.microsoft.com/office/drawing/2010/main" w="9525">
                 <a:solidFill>
                   <a:schemeClr val="tx1"/>
@@ -14286,7 +14452,7 @@
   <p:timing>
     <p:tnLst>
       <p:par>
-        <p:cTn xmlns:p14="http://schemas.microsoft.com/office/powerpoint/2010/main" id="1" dur="indefinite" restart="never" nodeType="tmRoot"/>
+        <p:cTn id="1" dur="indefinite" restart="never" nodeType="tmRoot"/>
       </p:par>
     </p:tnLst>
   </p:timing>
@@ -14320,14 +14486,21 @@
             <p:ph type="title"/>
           </p:nvPr>
         </p:nvSpPr>
-        <p:spPr/>
-        <p:txBody>
-          <a:bodyPr/>
+        <p:spPr>
+          <a:xfrm>
+            <a:off x="457200" y="185738"/>
+            <a:ext cx="8229600" cy="652462"/>
+          </a:xfrm>
+        </p:spPr>
+        <p:txBody>
+          <a:bodyPr>
+            <a:normAutofit fontScale="90000"/>
+          </a:bodyPr>
           <a:lstStyle/>
           <a:p>
             <a:pPr eaLnBrk="1" hangingPunct="1"/>
             <a:r>
-              <a:rPr lang="en-US" altLang="en-US" smtClean="0"/>
+              <a:rPr lang="en-US" altLang="en-US" dirty="0" smtClean="0"/>
               <a:t>Incorporating random effects</a:t>
             </a:r>
           </a:p>
@@ -14358,19 +14531,19 @@
         </p:blipFill>
         <p:spPr>
           <a:xfrm>
-            <a:off x="1255713" y="1600200"/>
+            <a:off x="1255713" y="1092200"/>
             <a:ext cx="6632575" cy="4525963"/>
           </a:xfrm>
           <a:noFill/>
           <a:extLst>
-            <a:ext uri="{909E8E84-426E-40dd-AFC4-6F175D3DCCD1}">
+            <a:ext uri="{909E8E84-426E-40DD-AFC4-6F175D3DCCD1}">
               <a14:hiddenFill xmlns:a14="http://schemas.microsoft.com/office/drawing/2010/main">
                 <a:solidFill>
                   <a:schemeClr val="accent1"/>
                 </a:solidFill>
               </a14:hiddenFill>
             </a:ext>
-            <a:ext uri="{91240B29-F687-4f45-9708-019B960494DF}">
+            <a:ext uri="{91240B29-F687-4F45-9708-019B960494DF}">
               <a14:hiddenLine xmlns:a14="http://schemas.microsoft.com/office/drawing/2010/main" w="9525">
                 <a:solidFill>
                   <a:schemeClr val="tx1"/>
@@ -14383,6 +14556,38 @@
           </a:extLst>
         </p:spPr>
       </p:pic>
+      <p:sp>
+        <p:nvSpPr>
+          <p:cNvPr id="2" name="Rectangle 1"/>
+          <p:cNvSpPr/>
+          <p:nvPr/>
+        </p:nvSpPr>
+        <p:spPr>
+          <a:xfrm>
+            <a:off x="558800" y="5844699"/>
+            <a:ext cx="8166100" cy="923330"/>
+          </a:xfrm>
+          <a:prstGeom prst="rect">
+            <a:avLst/>
+          </a:prstGeom>
+        </p:spPr>
+        <p:txBody>
+          <a:bodyPr wrap="square">
+            <a:spAutoFit/>
+          </a:bodyPr>
+          <a:lstStyle/>
+          <a:p>
+            <a:r>
+              <a:rPr lang="en-US" dirty="0"/>
+              <a:t>Burke, C. T., Shrout, P. E., &amp; Bolger, N. (2007). Individual differences in adjustment to spousal loss: A nonlinear mixed model analysis. </a:t>
+            </a:r>
+            <a:r>
+              <a:rPr lang="en-US" i="1" dirty="0"/>
+              <a:t>International Journal of Behavioral Development, 31, 405-415. </a:t>
+            </a:r>
+          </a:p>
+        </p:txBody>
+      </p:sp>
     </p:spTree>
     <p:extLst>
       <p:ext uri="{BB962C8B-B14F-4D97-AF65-F5344CB8AC3E}">
@@ -14396,7 +14601,7 @@
   <p:timing>
     <p:tnLst>
       <p:par>
-        <p:cTn xmlns:p14="http://schemas.microsoft.com/office/powerpoint/2010/main" id="1" dur="indefinite" restart="never" nodeType="tmRoot"/>
+        <p:cTn id="1" dur="indefinite" restart="never" nodeType="tmRoot"/>
       </p:par>
     </p:tnLst>
   </p:timing>
@@ -14478,7 +14683,7 @@
   <p:timing>
     <p:tnLst>
       <p:par>
-        <p:cTn xmlns:p14="http://schemas.microsoft.com/office/powerpoint/2010/main" id="1" dur="indefinite" restart="never" nodeType="tmRoot"/>
+        <p:cTn id="1" dur="indefinite" restart="never" nodeType="tmRoot"/>
       </p:par>
     </p:tnLst>
   </p:timing>
@@ -14545,7 +14750,7 @@
           <a:graphicData uri="http://schemas.openxmlformats.org/presentationml/2006/ole">
             <mc:AlternateContent xmlns:mc="http://schemas.openxmlformats.org/markup-compatibility/2006">
               <mc:Choice xmlns:v="urn:schemas-microsoft-com:vml" Requires="v">
-                <p:oleObj spid="_x0000_s2074" name="Chart" r:id="rId3" imgW="8220150" imgH="4533990" progId="MSGraph.Chart.8">
+                <p:oleObj spid="_x0000_s2081" name="Chart" r:id="rId3" imgW="8220150" imgH="4533990" progId="MSGraph.Chart.8">
                   <p:embed followColorScheme="full"/>
                 </p:oleObj>
               </mc:Choice>
@@ -14580,14 +14785,14 @@
                         <a:noFill/>
                       </a:ln>
                       <a:extLst>
-                        <a:ext uri="{909E8E84-426E-40dd-AFC4-6F175D3DCCD1}">
+                        <a:ext uri="{909E8E84-426E-40DD-AFC4-6F175D3DCCD1}">
                           <a14:hiddenFill xmlns:a14="http://schemas.microsoft.com/office/drawing/2010/main">
                             <a:solidFill>
                               <a:schemeClr val="accent1"/>
                             </a:solidFill>
                           </a14:hiddenFill>
                         </a:ext>
-                        <a:ext uri="{91240B29-F687-4f45-9708-019B960494DF}">
+                        <a:ext uri="{91240B29-F687-4F45-9708-019B960494DF}">
                           <a14:hiddenLine xmlns:a14="http://schemas.microsoft.com/office/drawing/2010/main" w="9525">
                             <a:solidFill>
                               <a:schemeClr val="tx1"/>
@@ -14628,14 +14833,14 @@
           </a:ln>
           <a:effectLst/>
           <a:extLst>
-            <a:ext uri="{909E8E84-426E-40dd-AFC4-6F175D3DCCD1}">
+            <a:ext uri="{909E8E84-426E-40DD-AFC4-6F175D3DCCD1}">
               <a14:hiddenFill xmlns:a14="http://schemas.microsoft.com/office/drawing/2010/main">
                 <a:solidFill>
                   <a:schemeClr val="accent1"/>
                 </a:solidFill>
               </a14:hiddenFill>
             </a:ext>
-            <a:ext uri="{91240B29-F687-4f45-9708-019B960494DF}">
+            <a:ext uri="{91240B29-F687-4F45-9708-019B960494DF}">
               <a14:hiddenLine xmlns:a14="http://schemas.microsoft.com/office/drawing/2010/main" w="9525">
                 <a:solidFill>
                   <a:schemeClr val="tx1"/>
@@ -14645,7 +14850,7 @@
                 <a:tailEnd/>
               </a14:hiddenLine>
             </a:ext>
-            <a:ext uri="{AF507438-7753-43e0-B8FC-AC1667EBCBE1}">
+            <a:ext uri="{AF507438-7753-43E0-B8FC-AC1667EBCBE1}">
               <a14:hiddenEffects xmlns:a14="http://schemas.microsoft.com/office/drawing/2010/main">
                 <a:effectLst>
                   <a:outerShdw dist="35921" dir="2700000" algn="ctr" rotWithShape="0">
@@ -14830,14 +15035,14 @@
           </a:ln>
           <a:effectLst/>
           <a:extLst>
-            <a:ext uri="{909E8E84-426E-40dd-AFC4-6F175D3DCCD1}">
+            <a:ext uri="{909E8E84-426E-40DD-AFC4-6F175D3DCCD1}">
               <a14:hiddenFill xmlns:a14="http://schemas.microsoft.com/office/drawing/2010/main">
                 <a:solidFill>
                   <a:schemeClr val="accent1"/>
                 </a:solidFill>
               </a14:hiddenFill>
             </a:ext>
-            <a:ext uri="{91240B29-F687-4f45-9708-019B960494DF}">
+            <a:ext uri="{91240B29-F687-4F45-9708-019B960494DF}">
               <a14:hiddenLine xmlns:a14="http://schemas.microsoft.com/office/drawing/2010/main" w="9525">
                 <a:solidFill>
                   <a:schemeClr val="tx1"/>
@@ -14847,7 +15052,7 @@
                 <a:tailEnd/>
               </a14:hiddenLine>
             </a:ext>
-            <a:ext uri="{AF507438-7753-43e0-B8FC-AC1667EBCBE1}">
+            <a:ext uri="{AF507438-7753-43E0-B8FC-AC1667EBCBE1}">
               <a14:hiddenEffects xmlns:a14="http://schemas.microsoft.com/office/drawing/2010/main">
                 <a:effectLst>
                   <a:outerShdw dist="35921" dir="2700000" algn="ctr" rotWithShape="0">
@@ -15037,12 +15242,12 @@
           </a:ln>
           <a:effectLst/>
           <a:extLst>
-            <a:ext uri="{909E8E84-426E-40dd-AFC4-6F175D3DCCD1}">
+            <a:ext uri="{909E8E84-426E-40DD-AFC4-6F175D3DCCD1}">
               <a14:hiddenFill xmlns:a14="http://schemas.microsoft.com/office/drawing/2010/main">
                 <a:noFill/>
               </a14:hiddenFill>
             </a:ext>
-            <a:ext uri="{AF507438-7753-43e0-B8FC-AC1667EBCBE1}">
+            <a:ext uri="{AF507438-7753-43E0-B8FC-AC1667EBCBE1}">
               <a14:hiddenEffects xmlns:a14="http://schemas.microsoft.com/office/drawing/2010/main">
                 <a:effectLst>
                   <a:outerShdw dist="35921" dir="2700000" algn="ctr" rotWithShape="0">
@@ -15074,7 +15279,7 @@
   <p:timing>
     <p:tnLst>
       <p:par>
-        <p:cTn xmlns:p14="http://schemas.microsoft.com/office/powerpoint/2010/main" id="1" dur="indefinite" restart="never" nodeType="tmRoot"/>
+        <p:cTn id="1" dur="indefinite" restart="never" nodeType="tmRoot"/>
       </p:par>
     </p:tnLst>
   </p:timing>
@@ -15141,7 +15346,7 @@
           <a:graphicData uri="http://schemas.openxmlformats.org/presentationml/2006/ole">
             <mc:AlternateContent xmlns:mc="http://schemas.openxmlformats.org/markup-compatibility/2006">
               <mc:Choice xmlns:v="urn:schemas-microsoft-com:vml" Requires="v">
-                <p:oleObj spid="_x0000_s3098" name="Chart" r:id="rId3" imgW="8220150" imgH="4533990" progId="MSGraph.Chart.8">
+                <p:oleObj spid="_x0000_s3105" name="Chart" r:id="rId3" imgW="8220150" imgH="4533990" progId="MSGraph.Chart.8">
                   <p:embed followColorScheme="full"/>
                 </p:oleObj>
               </mc:Choice>
@@ -15176,14 +15381,14 @@
                         <a:noFill/>
                       </a:ln>
                       <a:extLst>
-                        <a:ext uri="{909E8E84-426E-40dd-AFC4-6F175D3DCCD1}">
+                        <a:ext uri="{909E8E84-426E-40DD-AFC4-6F175D3DCCD1}">
                           <a14:hiddenFill xmlns:a14="http://schemas.microsoft.com/office/drawing/2010/main">
                             <a:solidFill>
                               <a:schemeClr val="accent1"/>
                             </a:solidFill>
                           </a14:hiddenFill>
                         </a:ext>
-                        <a:ext uri="{91240B29-F687-4f45-9708-019B960494DF}">
+                        <a:ext uri="{91240B29-F687-4F45-9708-019B960494DF}">
                           <a14:hiddenLine xmlns:a14="http://schemas.microsoft.com/office/drawing/2010/main" w="9525">
                             <a:solidFill>
                               <a:schemeClr val="tx1"/>
@@ -15224,14 +15429,14 @@
           </a:ln>
           <a:effectLst/>
           <a:extLst>
-            <a:ext uri="{909E8E84-426E-40dd-AFC4-6F175D3DCCD1}">
+            <a:ext uri="{909E8E84-426E-40DD-AFC4-6F175D3DCCD1}">
               <a14:hiddenFill xmlns:a14="http://schemas.microsoft.com/office/drawing/2010/main">
                 <a:solidFill>
                   <a:schemeClr val="accent1"/>
                 </a:solidFill>
               </a14:hiddenFill>
             </a:ext>
-            <a:ext uri="{91240B29-F687-4f45-9708-019B960494DF}">
+            <a:ext uri="{91240B29-F687-4F45-9708-019B960494DF}">
               <a14:hiddenLine xmlns:a14="http://schemas.microsoft.com/office/drawing/2010/main" w="9525">
                 <a:solidFill>
                   <a:schemeClr val="tx1"/>
@@ -15241,7 +15446,7 @@
                 <a:tailEnd/>
               </a14:hiddenLine>
             </a:ext>
-            <a:ext uri="{AF507438-7753-43e0-B8FC-AC1667EBCBE1}">
+            <a:ext uri="{AF507438-7753-43E0-B8FC-AC1667EBCBE1}">
               <a14:hiddenEffects xmlns:a14="http://schemas.microsoft.com/office/drawing/2010/main">
                 <a:effectLst>
                   <a:outerShdw dist="35921" dir="2700000" algn="ctr" rotWithShape="0">
@@ -15431,12 +15636,12 @@
           </a:ln>
           <a:effectLst/>
           <a:extLst>
-            <a:ext uri="{909E8E84-426E-40dd-AFC4-6F175D3DCCD1}">
+            <a:ext uri="{909E8E84-426E-40DD-AFC4-6F175D3DCCD1}">
               <a14:hiddenFill xmlns:a14="http://schemas.microsoft.com/office/drawing/2010/main">
                 <a:noFill/>
               </a14:hiddenFill>
             </a:ext>
-            <a:ext uri="{AF507438-7753-43e0-B8FC-AC1667EBCBE1}">
+            <a:ext uri="{AF507438-7753-43E0-B8FC-AC1667EBCBE1}">
               <a14:hiddenEffects xmlns:a14="http://schemas.microsoft.com/office/drawing/2010/main">
                 <a:effectLst>
                   <a:outerShdw dist="35921" dir="2700000" algn="ctr" rotWithShape="0">
@@ -15482,12 +15687,12 @@
           </a:ln>
           <a:effectLst/>
           <a:extLst>
-            <a:ext uri="{909E8E84-426E-40dd-AFC4-6F175D3DCCD1}">
+            <a:ext uri="{909E8E84-426E-40DD-AFC4-6F175D3DCCD1}">
               <a14:hiddenFill xmlns:a14="http://schemas.microsoft.com/office/drawing/2010/main">
                 <a:noFill/>
               </a14:hiddenFill>
             </a:ext>
-            <a:ext uri="{AF507438-7753-43e0-B8FC-AC1667EBCBE1}">
+            <a:ext uri="{AF507438-7753-43E0-B8FC-AC1667EBCBE1}">
               <a14:hiddenEffects xmlns:a14="http://schemas.microsoft.com/office/drawing/2010/main">
                 <a:effectLst>
                   <a:outerShdw dist="35921" dir="2700000" algn="ctr" rotWithShape="0">
@@ -15533,12 +15738,12 @@
           </a:ln>
           <a:effectLst/>
           <a:extLst>
-            <a:ext uri="{909E8E84-426E-40dd-AFC4-6F175D3DCCD1}">
+            <a:ext uri="{909E8E84-426E-40DD-AFC4-6F175D3DCCD1}">
               <a14:hiddenFill xmlns:a14="http://schemas.microsoft.com/office/drawing/2010/main">
                 <a:noFill/>
               </a14:hiddenFill>
             </a:ext>
-            <a:ext uri="{AF507438-7753-43e0-B8FC-AC1667EBCBE1}">
+            <a:ext uri="{AF507438-7753-43E0-B8FC-AC1667EBCBE1}">
               <a14:hiddenEffects xmlns:a14="http://schemas.microsoft.com/office/drawing/2010/main">
                 <a:effectLst>
                   <a:outerShdw dist="35921" dir="2700000" algn="ctr" rotWithShape="0">
@@ -15579,14 +15784,14 @@
           </a:ln>
           <a:effectLst/>
           <a:extLst>
-            <a:ext uri="{909E8E84-426E-40dd-AFC4-6F175D3DCCD1}">
+            <a:ext uri="{909E8E84-426E-40DD-AFC4-6F175D3DCCD1}">
               <a14:hiddenFill xmlns:a14="http://schemas.microsoft.com/office/drawing/2010/main">
                 <a:solidFill>
                   <a:schemeClr val="accent1"/>
                 </a:solidFill>
               </a14:hiddenFill>
             </a:ext>
-            <a:ext uri="{91240B29-F687-4f45-9708-019B960494DF}">
+            <a:ext uri="{91240B29-F687-4F45-9708-019B960494DF}">
               <a14:hiddenLine xmlns:a14="http://schemas.microsoft.com/office/drawing/2010/main" w="9525">
                 <a:solidFill>
                   <a:schemeClr val="tx1"/>
@@ -15596,7 +15801,7 @@
                 <a:tailEnd/>
               </a14:hiddenLine>
             </a:ext>
-            <a:ext uri="{AF507438-7753-43e0-B8FC-AC1667EBCBE1}">
+            <a:ext uri="{AF507438-7753-43E0-B8FC-AC1667EBCBE1}">
               <a14:hiddenEffects xmlns:a14="http://schemas.microsoft.com/office/drawing/2010/main">
                 <a:effectLst>
                   <a:outerShdw dist="35921" dir="2700000" algn="ctr" rotWithShape="0">
@@ -15823,14 +16028,14 @@
           </a:ln>
           <a:effectLst/>
           <a:extLst>
-            <a:ext uri="{909E8E84-426E-40dd-AFC4-6F175D3DCCD1}">
+            <a:ext uri="{909E8E84-426E-40DD-AFC4-6F175D3DCCD1}">
               <a14:hiddenFill xmlns:a14="http://schemas.microsoft.com/office/drawing/2010/main">
                 <a:solidFill>
                   <a:schemeClr val="accent1"/>
                 </a:solidFill>
               </a14:hiddenFill>
             </a:ext>
-            <a:ext uri="{91240B29-F687-4f45-9708-019B960494DF}">
+            <a:ext uri="{91240B29-F687-4F45-9708-019B960494DF}">
               <a14:hiddenLine xmlns:a14="http://schemas.microsoft.com/office/drawing/2010/main" w="9525">
                 <a:solidFill>
                   <a:schemeClr val="tx1"/>
@@ -15840,7 +16045,7 @@
                 <a:tailEnd/>
               </a14:hiddenLine>
             </a:ext>
-            <a:ext uri="{AF507438-7753-43e0-B8FC-AC1667EBCBE1}">
+            <a:ext uri="{AF507438-7753-43E0-B8FC-AC1667EBCBE1}">
               <a14:hiddenEffects xmlns:a14="http://schemas.microsoft.com/office/drawing/2010/main">
                 <a:effectLst>
                   <a:outerShdw dist="35921" dir="2700000" algn="ctr" rotWithShape="0">
@@ -16016,7 +16221,7 @@
   <p:timing>
     <p:tnLst>
       <p:par>
-        <p:cTn xmlns:p14="http://schemas.microsoft.com/office/powerpoint/2010/main" id="1" dur="indefinite" restart="never" nodeType="tmRoot"/>
+        <p:cTn id="1" dur="indefinite" restart="never" nodeType="tmRoot"/>
       </p:par>
     </p:tnLst>
   </p:timing>
